--- a/Chapt 7/JHTP11_07.pptx
+++ b/Chapt 7/JHTP11_07.pptx
@@ -264,7 +264,40 @@
 </file>
 
 <file path=ppt/revisionInfo.xml><?xml version="1.0" encoding="utf-8"?>
-<p1510:revInfo xmlns:a="http://schemas.openxmlformats.org/drawingml/2006/main" xmlns:r="http://schemas.openxmlformats.org/officeDocument/2006/relationships" xmlns:p1510="http://schemas.microsoft.com/office/powerpoint/2015/10/main"/>
+<p1510:revInfo xmlns:a="http://schemas.openxmlformats.org/drawingml/2006/main" xmlns:r="http://schemas.openxmlformats.org/officeDocument/2006/relationships" xmlns:p1510="http://schemas.microsoft.com/office/powerpoint/2015/10/main">
+  <p1510:revLst>
+    <p1510:client id="{7A657950-5E53-4728-94DD-AFB9AEF2A1DC}" v="1" dt="2020-03-06T17:45:31.400"/>
+  </p1510:revLst>
+</p1510:revInfo>
+</file>
+
+<file path=ppt/changesInfos/changesInfo1.xml><?xml version="1.0" encoding="utf-8"?>
+<pc:chgInfo xmlns:a="http://schemas.openxmlformats.org/drawingml/2006/main" xmlns:r="http://schemas.openxmlformats.org/officeDocument/2006/relationships" xmlns:ac="http://schemas.microsoft.com/office/drawing/2013/main/command" xmlns:pc="http://schemas.microsoft.com/office/powerpoint/2013/main/command">
+  <pc:docChgLst>
+    <pc:chgData name="John Paukovits" userId="8902f0b0ec3eeb91" providerId="LiveId" clId="{7A657950-5E53-4728-94DD-AFB9AEF2A1DC}"/>
+    <pc:docChg chg="modSld">
+      <pc:chgData name="John Paukovits" userId="8902f0b0ec3eeb91" providerId="LiveId" clId="{7A657950-5E53-4728-94DD-AFB9AEF2A1DC}" dt="2020-03-06T17:45:31.396" v="0" actId="20578"/>
+      <pc:docMkLst>
+        <pc:docMk/>
+      </pc:docMkLst>
+      <pc:sldChg chg="modSp">
+        <pc:chgData name="John Paukovits" userId="8902f0b0ec3eeb91" providerId="LiveId" clId="{7A657950-5E53-4728-94DD-AFB9AEF2A1DC}" dt="2020-03-06T17:45:31.396" v="0" actId="20578"/>
+        <pc:sldMkLst>
+          <pc:docMk/>
+          <pc:sldMk cId="2694514610" sldId="397"/>
+        </pc:sldMkLst>
+        <pc:spChg chg="mod">
+          <ac:chgData name="John Paukovits" userId="8902f0b0ec3eeb91" providerId="LiveId" clId="{7A657950-5E53-4728-94DD-AFB9AEF2A1DC}" dt="2020-03-06T17:45:31.396" v="0" actId="20578"/>
+          <ac:spMkLst>
+            <pc:docMk/>
+            <pc:sldMk cId="2694514610" sldId="397"/>
+            <ac:spMk id="103427" creationId="{B0B80B80-FD60-42BB-B00A-4A0719F09E26}"/>
+          </ac:spMkLst>
+        </pc:spChg>
+      </pc:sldChg>
+    </pc:docChg>
+  </pc:docChgLst>
+</pc:chgInfo>
 </file>
 
 <file path=ppt/notesMasters/notesMaster1.xml><?xml version="1.0" encoding="utf-8"?>
@@ -356,7 +389,7 @@
             <a:fld id="{032798D9-D19F-4F0D-8CEF-8925A4380A30}" type="datetimeFigureOut">
               <a:rPr lang="en-US" smtClean="0"/>
               <a:pPr/>
-              <a:t>11/11/2017</a:t>
+              <a:t>3/6/2020</a:t>
             </a:fld>
             <a:endParaRPr lang="en-US" dirty="0"/>
           </a:p>
@@ -652,7 +685,7 @@
           <p:cNvPr id="154626" name="Slide Image Placeholder 1">
             <a:extLst>
               <a:ext uri="{FF2B5EF4-FFF2-40B4-BE49-F238E27FC236}">
-                <a16:creationId xmlns="" xmlns:a16="http://schemas.microsoft.com/office/drawing/2014/main" id="{B6E6A677-172A-492E-803E-DEBC9E8B2BB3}"/>
+                <a16:creationId xmlns:a16="http://schemas.microsoft.com/office/drawing/2014/main" id="{B6E6A677-172A-492E-803E-DEBC9E8B2BB3}"/>
               </a:ext>
             </a:extLst>
           </p:cNvPr>
@@ -689,7 +722,7 @@
           <p:cNvPr id="154627" name="Notes Placeholder 2">
             <a:extLst>
               <a:ext uri="{FF2B5EF4-FFF2-40B4-BE49-F238E27FC236}">
-                <a16:creationId xmlns="" xmlns:a16="http://schemas.microsoft.com/office/drawing/2014/main" id="{F1E463AF-8CEE-4D14-BEBE-A2C31D52452D}"/>
+                <a16:creationId xmlns:a16="http://schemas.microsoft.com/office/drawing/2014/main" id="{F1E463AF-8CEE-4D14-BEBE-A2C31D52452D}"/>
               </a:ext>
             </a:extLst>
           </p:cNvPr>
@@ -744,7 +777,7 @@
           <p:cNvPr id="137220" name="Slide Number Placeholder 3">
             <a:extLst>
               <a:ext uri="{FF2B5EF4-FFF2-40B4-BE49-F238E27FC236}">
-                <a16:creationId xmlns="" xmlns:a16="http://schemas.microsoft.com/office/drawing/2014/main" id="{3B228679-9BD0-4292-AAC7-1F4C9B284FE5}"/>
+                <a16:creationId xmlns:a16="http://schemas.microsoft.com/office/drawing/2014/main" id="{3B228679-9BD0-4292-AAC7-1F4C9B284FE5}"/>
               </a:ext>
             </a:extLst>
           </p:cNvPr>
@@ -923,7 +956,7 @@
           <p:cNvPr id="164866" name="Slide Image Placeholder 1">
             <a:extLst>
               <a:ext uri="{FF2B5EF4-FFF2-40B4-BE49-F238E27FC236}">
-                <a16:creationId xmlns="" xmlns:a16="http://schemas.microsoft.com/office/drawing/2014/main" id="{35CBDA27-2F20-4CB9-9678-57902191956A}"/>
+                <a16:creationId xmlns:a16="http://schemas.microsoft.com/office/drawing/2014/main" id="{35CBDA27-2F20-4CB9-9678-57902191956A}"/>
               </a:ext>
             </a:extLst>
           </p:cNvPr>
@@ -960,7 +993,7 @@
           <p:cNvPr id="164867" name="Notes Placeholder 2">
             <a:extLst>
               <a:ext uri="{FF2B5EF4-FFF2-40B4-BE49-F238E27FC236}">
-                <a16:creationId xmlns="" xmlns:a16="http://schemas.microsoft.com/office/drawing/2014/main" id="{115D5E63-CB66-4E37-9A43-10657086A1D4}"/>
+                <a16:creationId xmlns:a16="http://schemas.microsoft.com/office/drawing/2014/main" id="{115D5E63-CB66-4E37-9A43-10657086A1D4}"/>
               </a:ext>
             </a:extLst>
           </p:cNvPr>
@@ -1015,7 +1048,7 @@
           <p:cNvPr id="153604" name="Slide Number Placeholder 3">
             <a:extLst>
               <a:ext uri="{FF2B5EF4-FFF2-40B4-BE49-F238E27FC236}">
-                <a16:creationId xmlns="" xmlns:a16="http://schemas.microsoft.com/office/drawing/2014/main" id="{78833CFE-136D-41C0-9E17-DD0D3D393A91}"/>
+                <a16:creationId xmlns:a16="http://schemas.microsoft.com/office/drawing/2014/main" id="{78833CFE-136D-41C0-9E17-DD0D3D393A91}"/>
               </a:ext>
             </a:extLst>
           </p:cNvPr>
@@ -1194,7 +1227,7 @@
           <p:cNvPr id="165890" name="Slide Image Placeholder 1">
             <a:extLst>
               <a:ext uri="{FF2B5EF4-FFF2-40B4-BE49-F238E27FC236}">
-                <a16:creationId xmlns="" xmlns:a16="http://schemas.microsoft.com/office/drawing/2014/main" id="{C4F9705B-97B8-431E-B1AB-3249A8E1F7DD}"/>
+                <a16:creationId xmlns:a16="http://schemas.microsoft.com/office/drawing/2014/main" id="{C4F9705B-97B8-431E-B1AB-3249A8E1F7DD}"/>
               </a:ext>
             </a:extLst>
           </p:cNvPr>
@@ -1231,7 +1264,7 @@
           <p:cNvPr id="165891" name="Notes Placeholder 2">
             <a:extLst>
               <a:ext uri="{FF2B5EF4-FFF2-40B4-BE49-F238E27FC236}">
-                <a16:creationId xmlns="" xmlns:a16="http://schemas.microsoft.com/office/drawing/2014/main" id="{798A948E-6C36-41D9-853B-6962ED0BFFE8}"/>
+                <a16:creationId xmlns:a16="http://schemas.microsoft.com/office/drawing/2014/main" id="{798A948E-6C36-41D9-853B-6962ED0BFFE8}"/>
               </a:ext>
             </a:extLst>
           </p:cNvPr>
@@ -1286,7 +1319,7 @@
           <p:cNvPr id="156676" name="Slide Number Placeholder 3">
             <a:extLst>
               <a:ext uri="{FF2B5EF4-FFF2-40B4-BE49-F238E27FC236}">
-                <a16:creationId xmlns="" xmlns:a16="http://schemas.microsoft.com/office/drawing/2014/main" id="{2C7D4FAD-7DEA-48FC-B41B-97597D4E4455}"/>
+                <a16:creationId xmlns:a16="http://schemas.microsoft.com/office/drawing/2014/main" id="{2C7D4FAD-7DEA-48FC-B41B-97597D4E4455}"/>
               </a:ext>
             </a:extLst>
           </p:cNvPr>
@@ -1465,7 +1498,7 @@
           <p:cNvPr id="166914" name="Slide Image Placeholder 1">
             <a:extLst>
               <a:ext uri="{FF2B5EF4-FFF2-40B4-BE49-F238E27FC236}">
-                <a16:creationId xmlns="" xmlns:a16="http://schemas.microsoft.com/office/drawing/2014/main" id="{406A3848-C96A-4C39-949A-25F485D3382B}"/>
+                <a16:creationId xmlns:a16="http://schemas.microsoft.com/office/drawing/2014/main" id="{406A3848-C96A-4C39-949A-25F485D3382B}"/>
               </a:ext>
             </a:extLst>
           </p:cNvPr>
@@ -1502,7 +1535,7 @@
           <p:cNvPr id="166915" name="Notes Placeholder 2">
             <a:extLst>
               <a:ext uri="{FF2B5EF4-FFF2-40B4-BE49-F238E27FC236}">
-                <a16:creationId xmlns="" xmlns:a16="http://schemas.microsoft.com/office/drawing/2014/main" id="{277BFFAA-7855-43AD-A2A7-773DB80FAE08}"/>
+                <a16:creationId xmlns:a16="http://schemas.microsoft.com/office/drawing/2014/main" id="{277BFFAA-7855-43AD-A2A7-773DB80FAE08}"/>
               </a:ext>
             </a:extLst>
           </p:cNvPr>
@@ -1557,7 +1590,7 @@
           <p:cNvPr id="159748" name="Slide Number Placeholder 3">
             <a:extLst>
               <a:ext uri="{FF2B5EF4-FFF2-40B4-BE49-F238E27FC236}">
-                <a16:creationId xmlns="" xmlns:a16="http://schemas.microsoft.com/office/drawing/2014/main" id="{29E1EDAF-CE84-402B-988A-19E165CE750F}"/>
+                <a16:creationId xmlns:a16="http://schemas.microsoft.com/office/drawing/2014/main" id="{29E1EDAF-CE84-402B-988A-19E165CE750F}"/>
               </a:ext>
             </a:extLst>
           </p:cNvPr>
@@ -1736,7 +1769,7 @@
           <p:cNvPr id="167938" name="Slide Image Placeholder 1">
             <a:extLst>
               <a:ext uri="{FF2B5EF4-FFF2-40B4-BE49-F238E27FC236}">
-                <a16:creationId xmlns="" xmlns:a16="http://schemas.microsoft.com/office/drawing/2014/main" id="{905A75FA-98EF-4506-9659-C85E95AACAC2}"/>
+                <a16:creationId xmlns:a16="http://schemas.microsoft.com/office/drawing/2014/main" id="{905A75FA-98EF-4506-9659-C85E95AACAC2}"/>
               </a:ext>
             </a:extLst>
           </p:cNvPr>
@@ -1773,7 +1806,7 @@
           <p:cNvPr id="167939" name="Notes Placeholder 2">
             <a:extLst>
               <a:ext uri="{FF2B5EF4-FFF2-40B4-BE49-F238E27FC236}">
-                <a16:creationId xmlns="" xmlns:a16="http://schemas.microsoft.com/office/drawing/2014/main" id="{4465B1C2-083D-43E6-A4DB-D5DC384A0B92}"/>
+                <a16:creationId xmlns:a16="http://schemas.microsoft.com/office/drawing/2014/main" id="{4465B1C2-083D-43E6-A4DB-D5DC384A0B92}"/>
               </a:ext>
             </a:extLst>
           </p:cNvPr>
@@ -1828,7 +1861,7 @@
           <p:cNvPr id="162820" name="Slide Number Placeholder 3">
             <a:extLst>
               <a:ext uri="{FF2B5EF4-FFF2-40B4-BE49-F238E27FC236}">
-                <a16:creationId xmlns="" xmlns:a16="http://schemas.microsoft.com/office/drawing/2014/main" id="{8E7DE6ED-03FA-4E02-8E05-D4094F290B81}"/>
+                <a16:creationId xmlns:a16="http://schemas.microsoft.com/office/drawing/2014/main" id="{8E7DE6ED-03FA-4E02-8E05-D4094F290B81}"/>
               </a:ext>
             </a:extLst>
           </p:cNvPr>
@@ -2007,7 +2040,7 @@
           <p:cNvPr id="168962" name="Slide Image Placeholder 1">
             <a:extLst>
               <a:ext uri="{FF2B5EF4-FFF2-40B4-BE49-F238E27FC236}">
-                <a16:creationId xmlns="" xmlns:a16="http://schemas.microsoft.com/office/drawing/2014/main" id="{0967163D-F5AD-4DD6-A96F-420D0B121D69}"/>
+                <a16:creationId xmlns:a16="http://schemas.microsoft.com/office/drawing/2014/main" id="{0967163D-F5AD-4DD6-A96F-420D0B121D69}"/>
               </a:ext>
             </a:extLst>
           </p:cNvPr>
@@ -2044,7 +2077,7 @@
           <p:cNvPr id="168963" name="Notes Placeholder 2">
             <a:extLst>
               <a:ext uri="{FF2B5EF4-FFF2-40B4-BE49-F238E27FC236}">
-                <a16:creationId xmlns="" xmlns:a16="http://schemas.microsoft.com/office/drawing/2014/main" id="{E6B0B1BB-78CC-4045-8559-4D200A976596}"/>
+                <a16:creationId xmlns:a16="http://schemas.microsoft.com/office/drawing/2014/main" id="{E6B0B1BB-78CC-4045-8559-4D200A976596}"/>
               </a:ext>
             </a:extLst>
           </p:cNvPr>
@@ -2099,7 +2132,7 @@
           <p:cNvPr id="166916" name="Slide Number Placeholder 3">
             <a:extLst>
               <a:ext uri="{FF2B5EF4-FFF2-40B4-BE49-F238E27FC236}">
-                <a16:creationId xmlns="" xmlns:a16="http://schemas.microsoft.com/office/drawing/2014/main" id="{A6F46D2A-9076-4836-BBE3-252CA74AA2A8}"/>
+                <a16:creationId xmlns:a16="http://schemas.microsoft.com/office/drawing/2014/main" id="{A6F46D2A-9076-4836-BBE3-252CA74AA2A8}"/>
               </a:ext>
             </a:extLst>
           </p:cNvPr>
@@ -2278,7 +2311,7 @@
           <p:cNvPr id="171010" name="Slide Image Placeholder 1">
             <a:extLst>
               <a:ext uri="{FF2B5EF4-FFF2-40B4-BE49-F238E27FC236}">
-                <a16:creationId xmlns="" xmlns:a16="http://schemas.microsoft.com/office/drawing/2014/main" id="{A6397AA4-B139-40D1-8152-0EC26DA26509}"/>
+                <a16:creationId xmlns:a16="http://schemas.microsoft.com/office/drawing/2014/main" id="{A6397AA4-B139-40D1-8152-0EC26DA26509}"/>
               </a:ext>
             </a:extLst>
           </p:cNvPr>
@@ -2315,7 +2348,7 @@
           <p:cNvPr id="171011" name="Notes Placeholder 2">
             <a:extLst>
               <a:ext uri="{FF2B5EF4-FFF2-40B4-BE49-F238E27FC236}">
-                <a16:creationId xmlns="" xmlns:a16="http://schemas.microsoft.com/office/drawing/2014/main" id="{B39ED8F9-5A8A-4B2A-9BC3-9892C972DEEB}"/>
+                <a16:creationId xmlns:a16="http://schemas.microsoft.com/office/drawing/2014/main" id="{B39ED8F9-5A8A-4B2A-9BC3-9892C972DEEB}"/>
               </a:ext>
             </a:extLst>
           </p:cNvPr>
@@ -2370,7 +2403,7 @@
           <p:cNvPr id="172036" name="Slide Number Placeholder 3">
             <a:extLst>
               <a:ext uri="{FF2B5EF4-FFF2-40B4-BE49-F238E27FC236}">
-                <a16:creationId xmlns="" xmlns:a16="http://schemas.microsoft.com/office/drawing/2014/main" id="{504FD543-EEFC-47F3-B672-00543EBA4641}"/>
+                <a16:creationId xmlns:a16="http://schemas.microsoft.com/office/drawing/2014/main" id="{504FD543-EEFC-47F3-B672-00543EBA4641}"/>
               </a:ext>
             </a:extLst>
           </p:cNvPr>
@@ -2549,7 +2582,7 @@
           <p:cNvPr id="172034" name="Slide Image Placeholder 1">
             <a:extLst>
               <a:ext uri="{FF2B5EF4-FFF2-40B4-BE49-F238E27FC236}">
-                <a16:creationId xmlns="" xmlns:a16="http://schemas.microsoft.com/office/drawing/2014/main" id="{44481EC0-DB77-47F3-938E-766767CA7D5A}"/>
+                <a16:creationId xmlns:a16="http://schemas.microsoft.com/office/drawing/2014/main" id="{44481EC0-DB77-47F3-938E-766767CA7D5A}"/>
               </a:ext>
             </a:extLst>
           </p:cNvPr>
@@ -2586,7 +2619,7 @@
           <p:cNvPr id="172035" name="Notes Placeholder 2">
             <a:extLst>
               <a:ext uri="{FF2B5EF4-FFF2-40B4-BE49-F238E27FC236}">
-                <a16:creationId xmlns="" xmlns:a16="http://schemas.microsoft.com/office/drawing/2014/main" id="{02334320-5049-4AB4-AAEA-ADE24DB87667}"/>
+                <a16:creationId xmlns:a16="http://schemas.microsoft.com/office/drawing/2014/main" id="{02334320-5049-4AB4-AAEA-ADE24DB87667}"/>
               </a:ext>
             </a:extLst>
           </p:cNvPr>
@@ -2641,7 +2674,7 @@
           <p:cNvPr id="175108" name="Slide Number Placeholder 3">
             <a:extLst>
               <a:ext uri="{FF2B5EF4-FFF2-40B4-BE49-F238E27FC236}">
-                <a16:creationId xmlns="" xmlns:a16="http://schemas.microsoft.com/office/drawing/2014/main" id="{2C8DFDFC-BBD7-4B6D-9B25-9C064E97787C}"/>
+                <a16:creationId xmlns:a16="http://schemas.microsoft.com/office/drawing/2014/main" id="{2C8DFDFC-BBD7-4B6D-9B25-9C064E97787C}"/>
               </a:ext>
             </a:extLst>
           </p:cNvPr>
@@ -2820,7 +2853,7 @@
           <p:cNvPr id="173058" name="Slide Image Placeholder 1">
             <a:extLst>
               <a:ext uri="{FF2B5EF4-FFF2-40B4-BE49-F238E27FC236}">
-                <a16:creationId xmlns="" xmlns:a16="http://schemas.microsoft.com/office/drawing/2014/main" id="{62BBEAD7-04C1-4E81-BC61-CF16DB718B74}"/>
+                <a16:creationId xmlns:a16="http://schemas.microsoft.com/office/drawing/2014/main" id="{62BBEAD7-04C1-4E81-BC61-CF16DB718B74}"/>
               </a:ext>
             </a:extLst>
           </p:cNvPr>
@@ -2857,7 +2890,7 @@
           <p:cNvPr id="173059" name="Notes Placeholder 2">
             <a:extLst>
               <a:ext uri="{FF2B5EF4-FFF2-40B4-BE49-F238E27FC236}">
-                <a16:creationId xmlns="" xmlns:a16="http://schemas.microsoft.com/office/drawing/2014/main" id="{5C3981A2-8D2E-4729-9E8C-D994E36D5843}"/>
+                <a16:creationId xmlns:a16="http://schemas.microsoft.com/office/drawing/2014/main" id="{5C3981A2-8D2E-4729-9E8C-D994E36D5843}"/>
               </a:ext>
             </a:extLst>
           </p:cNvPr>
@@ -2912,7 +2945,7 @@
           <p:cNvPr id="178180" name="Slide Number Placeholder 3">
             <a:extLst>
               <a:ext uri="{FF2B5EF4-FFF2-40B4-BE49-F238E27FC236}">
-                <a16:creationId xmlns="" xmlns:a16="http://schemas.microsoft.com/office/drawing/2014/main" id="{73CD7844-B7D7-48C3-A5EF-7FC016D46EFA}"/>
+                <a16:creationId xmlns:a16="http://schemas.microsoft.com/office/drawing/2014/main" id="{73CD7844-B7D7-48C3-A5EF-7FC016D46EFA}"/>
               </a:ext>
             </a:extLst>
           </p:cNvPr>
@@ -3091,7 +3124,7 @@
           <p:cNvPr id="174082" name="Slide Image Placeholder 1">
             <a:extLst>
               <a:ext uri="{FF2B5EF4-FFF2-40B4-BE49-F238E27FC236}">
-                <a16:creationId xmlns="" xmlns:a16="http://schemas.microsoft.com/office/drawing/2014/main" id="{D666AF63-69B4-4942-836D-8E59A12D26BA}"/>
+                <a16:creationId xmlns:a16="http://schemas.microsoft.com/office/drawing/2014/main" id="{D666AF63-69B4-4942-836D-8E59A12D26BA}"/>
               </a:ext>
             </a:extLst>
           </p:cNvPr>
@@ -3128,7 +3161,7 @@
           <p:cNvPr id="174083" name="Notes Placeholder 2">
             <a:extLst>
               <a:ext uri="{FF2B5EF4-FFF2-40B4-BE49-F238E27FC236}">
-                <a16:creationId xmlns="" xmlns:a16="http://schemas.microsoft.com/office/drawing/2014/main" id="{88111404-CE82-457A-B96D-9B1D00AD3249}"/>
+                <a16:creationId xmlns:a16="http://schemas.microsoft.com/office/drawing/2014/main" id="{88111404-CE82-457A-B96D-9B1D00AD3249}"/>
               </a:ext>
             </a:extLst>
           </p:cNvPr>
@@ -3183,7 +3216,7 @@
           <p:cNvPr id="181252" name="Slide Number Placeholder 3">
             <a:extLst>
               <a:ext uri="{FF2B5EF4-FFF2-40B4-BE49-F238E27FC236}">
-                <a16:creationId xmlns="" xmlns:a16="http://schemas.microsoft.com/office/drawing/2014/main" id="{1DF01A0B-5850-449E-9CA2-A3DF223E43AE}"/>
+                <a16:creationId xmlns:a16="http://schemas.microsoft.com/office/drawing/2014/main" id="{1DF01A0B-5850-449E-9CA2-A3DF223E43AE}"/>
               </a:ext>
             </a:extLst>
           </p:cNvPr>
@@ -3362,7 +3395,7 @@
           <p:cNvPr id="175106" name="Slide Image Placeholder 1">
             <a:extLst>
               <a:ext uri="{FF2B5EF4-FFF2-40B4-BE49-F238E27FC236}">
-                <a16:creationId xmlns="" xmlns:a16="http://schemas.microsoft.com/office/drawing/2014/main" id="{21305BC5-59EE-462F-BA24-58E35A62B659}"/>
+                <a16:creationId xmlns:a16="http://schemas.microsoft.com/office/drawing/2014/main" id="{21305BC5-59EE-462F-BA24-58E35A62B659}"/>
               </a:ext>
             </a:extLst>
           </p:cNvPr>
@@ -3399,7 +3432,7 @@
           <p:cNvPr id="175107" name="Notes Placeholder 2">
             <a:extLst>
               <a:ext uri="{FF2B5EF4-FFF2-40B4-BE49-F238E27FC236}">
-                <a16:creationId xmlns="" xmlns:a16="http://schemas.microsoft.com/office/drawing/2014/main" id="{A66B727F-FEA7-4E2D-8335-9BC3592132DB}"/>
+                <a16:creationId xmlns:a16="http://schemas.microsoft.com/office/drawing/2014/main" id="{A66B727F-FEA7-4E2D-8335-9BC3592132DB}"/>
               </a:ext>
             </a:extLst>
           </p:cNvPr>
@@ -3454,7 +3487,7 @@
           <p:cNvPr id="182276" name="Slide Number Placeholder 3">
             <a:extLst>
               <a:ext uri="{FF2B5EF4-FFF2-40B4-BE49-F238E27FC236}">
-                <a16:creationId xmlns="" xmlns:a16="http://schemas.microsoft.com/office/drawing/2014/main" id="{813F52D3-766D-4A7D-81F7-7BDBF706B2C5}"/>
+                <a16:creationId xmlns:a16="http://schemas.microsoft.com/office/drawing/2014/main" id="{813F52D3-766D-4A7D-81F7-7BDBF706B2C5}"/>
               </a:ext>
             </a:extLst>
           </p:cNvPr>
@@ -3633,7 +3666,7 @@
           <p:cNvPr id="155650" name="Slide Image Placeholder 1">
             <a:extLst>
               <a:ext uri="{FF2B5EF4-FFF2-40B4-BE49-F238E27FC236}">
-                <a16:creationId xmlns="" xmlns:a16="http://schemas.microsoft.com/office/drawing/2014/main" id="{EAFC7859-1790-4F19-A068-F293317CAB48}"/>
+                <a16:creationId xmlns:a16="http://schemas.microsoft.com/office/drawing/2014/main" id="{EAFC7859-1790-4F19-A068-F293317CAB48}"/>
               </a:ext>
             </a:extLst>
           </p:cNvPr>
@@ -3670,7 +3703,7 @@
           <p:cNvPr id="155651" name="Notes Placeholder 2">
             <a:extLst>
               <a:ext uri="{FF2B5EF4-FFF2-40B4-BE49-F238E27FC236}">
-                <a16:creationId xmlns="" xmlns:a16="http://schemas.microsoft.com/office/drawing/2014/main" id="{87554841-E2E4-459C-A4C0-44B8D5438A7D}"/>
+                <a16:creationId xmlns:a16="http://schemas.microsoft.com/office/drawing/2014/main" id="{87554841-E2E4-459C-A4C0-44B8D5438A7D}"/>
               </a:ext>
             </a:extLst>
           </p:cNvPr>
@@ -3725,7 +3758,7 @@
           <p:cNvPr id="140292" name="Slide Number Placeholder 3">
             <a:extLst>
               <a:ext uri="{FF2B5EF4-FFF2-40B4-BE49-F238E27FC236}">
-                <a16:creationId xmlns="" xmlns:a16="http://schemas.microsoft.com/office/drawing/2014/main" id="{17B5C3A7-D7D1-40F2-9F45-B1D1C2D14E8B}"/>
+                <a16:creationId xmlns:a16="http://schemas.microsoft.com/office/drawing/2014/main" id="{17B5C3A7-D7D1-40F2-9F45-B1D1C2D14E8B}"/>
               </a:ext>
             </a:extLst>
           </p:cNvPr>
@@ -3904,7 +3937,7 @@
           <p:cNvPr id="176130" name="Slide Image Placeholder 1">
             <a:extLst>
               <a:ext uri="{FF2B5EF4-FFF2-40B4-BE49-F238E27FC236}">
-                <a16:creationId xmlns="" xmlns:a16="http://schemas.microsoft.com/office/drawing/2014/main" id="{AE98E471-6016-4192-BC93-9EE021587D30}"/>
+                <a16:creationId xmlns:a16="http://schemas.microsoft.com/office/drawing/2014/main" id="{AE98E471-6016-4192-BC93-9EE021587D30}"/>
               </a:ext>
             </a:extLst>
           </p:cNvPr>
@@ -3941,7 +3974,7 @@
           <p:cNvPr id="176131" name="Notes Placeholder 2">
             <a:extLst>
               <a:ext uri="{FF2B5EF4-FFF2-40B4-BE49-F238E27FC236}">
-                <a16:creationId xmlns="" xmlns:a16="http://schemas.microsoft.com/office/drawing/2014/main" id="{FED79C2A-A061-4DBD-99BB-E35DAADCC4E8}"/>
+                <a16:creationId xmlns:a16="http://schemas.microsoft.com/office/drawing/2014/main" id="{FED79C2A-A061-4DBD-99BB-E35DAADCC4E8}"/>
               </a:ext>
             </a:extLst>
           </p:cNvPr>
@@ -3996,7 +4029,7 @@
           <p:cNvPr id="184324" name="Slide Number Placeholder 3">
             <a:extLst>
               <a:ext uri="{FF2B5EF4-FFF2-40B4-BE49-F238E27FC236}">
-                <a16:creationId xmlns="" xmlns:a16="http://schemas.microsoft.com/office/drawing/2014/main" id="{194E2BD6-767F-4F41-85A3-7F988A65B4E6}"/>
+                <a16:creationId xmlns:a16="http://schemas.microsoft.com/office/drawing/2014/main" id="{194E2BD6-767F-4F41-85A3-7F988A65B4E6}"/>
               </a:ext>
             </a:extLst>
           </p:cNvPr>
@@ -4175,7 +4208,7 @@
           <p:cNvPr id="177154" name="Slide Image Placeholder 1">
             <a:extLst>
               <a:ext uri="{FF2B5EF4-FFF2-40B4-BE49-F238E27FC236}">
-                <a16:creationId xmlns="" xmlns:a16="http://schemas.microsoft.com/office/drawing/2014/main" id="{8191D9B8-DEBB-465E-9970-D9954B54A0A4}"/>
+                <a16:creationId xmlns:a16="http://schemas.microsoft.com/office/drawing/2014/main" id="{8191D9B8-DEBB-465E-9970-D9954B54A0A4}"/>
               </a:ext>
             </a:extLst>
           </p:cNvPr>
@@ -4212,7 +4245,7 @@
           <p:cNvPr id="177155" name="Notes Placeholder 2">
             <a:extLst>
               <a:ext uri="{FF2B5EF4-FFF2-40B4-BE49-F238E27FC236}">
-                <a16:creationId xmlns="" xmlns:a16="http://schemas.microsoft.com/office/drawing/2014/main" id="{8ADB8069-8A1D-439C-AD90-D129D33EF942}"/>
+                <a16:creationId xmlns:a16="http://schemas.microsoft.com/office/drawing/2014/main" id="{8ADB8069-8A1D-439C-AD90-D129D33EF942}"/>
               </a:ext>
             </a:extLst>
           </p:cNvPr>
@@ -4267,7 +4300,7 @@
           <p:cNvPr id="188420" name="Slide Number Placeholder 3">
             <a:extLst>
               <a:ext uri="{FF2B5EF4-FFF2-40B4-BE49-F238E27FC236}">
-                <a16:creationId xmlns="" xmlns:a16="http://schemas.microsoft.com/office/drawing/2014/main" id="{2374ABC4-4A44-4D1F-8403-60BA91091C7F}"/>
+                <a16:creationId xmlns:a16="http://schemas.microsoft.com/office/drawing/2014/main" id="{2374ABC4-4A44-4D1F-8403-60BA91091C7F}"/>
               </a:ext>
             </a:extLst>
           </p:cNvPr>
@@ -4446,7 +4479,7 @@
           <p:cNvPr id="178178" name="Slide Image Placeholder 1">
             <a:extLst>
               <a:ext uri="{FF2B5EF4-FFF2-40B4-BE49-F238E27FC236}">
-                <a16:creationId xmlns="" xmlns:a16="http://schemas.microsoft.com/office/drawing/2014/main" id="{B275870F-77E9-49FE-A86F-C8DF8E077303}"/>
+                <a16:creationId xmlns:a16="http://schemas.microsoft.com/office/drawing/2014/main" id="{B275870F-77E9-49FE-A86F-C8DF8E077303}"/>
               </a:ext>
             </a:extLst>
           </p:cNvPr>
@@ -4483,7 +4516,7 @@
           <p:cNvPr id="178179" name="Notes Placeholder 2">
             <a:extLst>
               <a:ext uri="{FF2B5EF4-FFF2-40B4-BE49-F238E27FC236}">
-                <a16:creationId xmlns="" xmlns:a16="http://schemas.microsoft.com/office/drawing/2014/main" id="{B0626BF4-009A-4352-BBE5-D001A52DDCE4}"/>
+                <a16:creationId xmlns:a16="http://schemas.microsoft.com/office/drawing/2014/main" id="{B0626BF4-009A-4352-BBE5-D001A52DDCE4}"/>
               </a:ext>
             </a:extLst>
           </p:cNvPr>
@@ -4538,7 +4571,7 @@
           <p:cNvPr id="188420" name="Slide Number Placeholder 3">
             <a:extLst>
               <a:ext uri="{FF2B5EF4-FFF2-40B4-BE49-F238E27FC236}">
-                <a16:creationId xmlns="" xmlns:a16="http://schemas.microsoft.com/office/drawing/2014/main" id="{FEBA51A2-ED50-4AD3-91CC-179D553F0209}"/>
+                <a16:creationId xmlns:a16="http://schemas.microsoft.com/office/drawing/2014/main" id="{FEBA51A2-ED50-4AD3-91CC-179D553F0209}"/>
               </a:ext>
             </a:extLst>
           </p:cNvPr>
@@ -4717,7 +4750,7 @@
           <p:cNvPr id="179202" name="Slide Image Placeholder 1">
             <a:extLst>
               <a:ext uri="{FF2B5EF4-FFF2-40B4-BE49-F238E27FC236}">
-                <a16:creationId xmlns="" xmlns:a16="http://schemas.microsoft.com/office/drawing/2014/main" id="{F6C2B3E3-B678-4839-963B-ADF9374C4121}"/>
+                <a16:creationId xmlns:a16="http://schemas.microsoft.com/office/drawing/2014/main" id="{F6C2B3E3-B678-4839-963B-ADF9374C4121}"/>
               </a:ext>
             </a:extLst>
           </p:cNvPr>
@@ -4754,7 +4787,7 @@
           <p:cNvPr id="179203" name="Notes Placeholder 2">
             <a:extLst>
               <a:ext uri="{FF2B5EF4-FFF2-40B4-BE49-F238E27FC236}">
-                <a16:creationId xmlns="" xmlns:a16="http://schemas.microsoft.com/office/drawing/2014/main" id="{7461B480-BA3A-41FF-BBA6-BC06C30BA460}"/>
+                <a16:creationId xmlns:a16="http://schemas.microsoft.com/office/drawing/2014/main" id="{7461B480-BA3A-41FF-BBA6-BC06C30BA460}"/>
               </a:ext>
             </a:extLst>
           </p:cNvPr>
@@ -4809,7 +4842,7 @@
           <p:cNvPr id="191492" name="Slide Number Placeholder 3">
             <a:extLst>
               <a:ext uri="{FF2B5EF4-FFF2-40B4-BE49-F238E27FC236}">
-                <a16:creationId xmlns="" xmlns:a16="http://schemas.microsoft.com/office/drawing/2014/main" id="{A3EED4E4-AEC7-4C4A-8FE1-B2465C217405}"/>
+                <a16:creationId xmlns:a16="http://schemas.microsoft.com/office/drawing/2014/main" id="{A3EED4E4-AEC7-4C4A-8FE1-B2465C217405}"/>
               </a:ext>
             </a:extLst>
           </p:cNvPr>
@@ -4988,7 +5021,7 @@
           <p:cNvPr id="180226" name="Slide Image Placeholder 1">
             <a:extLst>
               <a:ext uri="{FF2B5EF4-FFF2-40B4-BE49-F238E27FC236}">
-                <a16:creationId xmlns="" xmlns:a16="http://schemas.microsoft.com/office/drawing/2014/main" id="{EAE78FFB-7D1F-44E0-BA89-851749EE4361}"/>
+                <a16:creationId xmlns:a16="http://schemas.microsoft.com/office/drawing/2014/main" id="{EAE78FFB-7D1F-44E0-BA89-851749EE4361}"/>
               </a:ext>
             </a:extLst>
           </p:cNvPr>
@@ -5025,7 +5058,7 @@
           <p:cNvPr id="180227" name="Notes Placeholder 2">
             <a:extLst>
               <a:ext uri="{FF2B5EF4-FFF2-40B4-BE49-F238E27FC236}">
-                <a16:creationId xmlns="" xmlns:a16="http://schemas.microsoft.com/office/drawing/2014/main" id="{EDEF38FC-E64E-451B-AF33-721906492EFA}"/>
+                <a16:creationId xmlns:a16="http://schemas.microsoft.com/office/drawing/2014/main" id="{EDEF38FC-E64E-451B-AF33-721906492EFA}"/>
               </a:ext>
             </a:extLst>
           </p:cNvPr>
@@ -5080,7 +5113,7 @@
           <p:cNvPr id="193540" name="Slide Number Placeholder 3">
             <a:extLst>
               <a:ext uri="{FF2B5EF4-FFF2-40B4-BE49-F238E27FC236}">
-                <a16:creationId xmlns="" xmlns:a16="http://schemas.microsoft.com/office/drawing/2014/main" id="{B9CAEB8E-6A4D-4452-B473-F81DDE03FF69}"/>
+                <a16:creationId xmlns:a16="http://schemas.microsoft.com/office/drawing/2014/main" id="{B9CAEB8E-6A4D-4452-B473-F81DDE03FF69}"/>
               </a:ext>
             </a:extLst>
           </p:cNvPr>
@@ -5259,7 +5292,7 @@
           <p:cNvPr id="182274" name="Slide Image Placeholder 1">
             <a:extLst>
               <a:ext uri="{FF2B5EF4-FFF2-40B4-BE49-F238E27FC236}">
-                <a16:creationId xmlns="" xmlns:a16="http://schemas.microsoft.com/office/drawing/2014/main" id="{5C138E6D-4AA3-4CFC-A68F-56C6B5842C21}"/>
+                <a16:creationId xmlns:a16="http://schemas.microsoft.com/office/drawing/2014/main" id="{5C138E6D-4AA3-4CFC-A68F-56C6B5842C21}"/>
               </a:ext>
             </a:extLst>
           </p:cNvPr>
@@ -5296,7 +5329,7 @@
           <p:cNvPr id="182275" name="Notes Placeholder 2">
             <a:extLst>
               <a:ext uri="{FF2B5EF4-FFF2-40B4-BE49-F238E27FC236}">
-                <a16:creationId xmlns="" xmlns:a16="http://schemas.microsoft.com/office/drawing/2014/main" id="{1291F6BE-507B-4CC6-8799-2FA2C97E7F84}"/>
+                <a16:creationId xmlns:a16="http://schemas.microsoft.com/office/drawing/2014/main" id="{1291F6BE-507B-4CC6-8799-2FA2C97E7F84}"/>
               </a:ext>
             </a:extLst>
           </p:cNvPr>
@@ -5351,7 +5384,7 @@
           <p:cNvPr id="194564" name="Slide Number Placeholder 3">
             <a:extLst>
               <a:ext uri="{FF2B5EF4-FFF2-40B4-BE49-F238E27FC236}">
-                <a16:creationId xmlns="" xmlns:a16="http://schemas.microsoft.com/office/drawing/2014/main" id="{66F78DFF-016D-4CAF-9D4D-938C2A07BC62}"/>
+                <a16:creationId xmlns:a16="http://schemas.microsoft.com/office/drawing/2014/main" id="{66F78DFF-016D-4CAF-9D4D-938C2A07BC62}"/>
               </a:ext>
             </a:extLst>
           </p:cNvPr>
@@ -5530,7 +5563,7 @@
           <p:cNvPr id="183298" name="Slide Image Placeholder 1">
             <a:extLst>
               <a:ext uri="{FF2B5EF4-FFF2-40B4-BE49-F238E27FC236}">
-                <a16:creationId xmlns="" xmlns:a16="http://schemas.microsoft.com/office/drawing/2014/main" id="{0D3C32B6-BECD-44BD-89DC-C8D5DCC6F3A4}"/>
+                <a16:creationId xmlns:a16="http://schemas.microsoft.com/office/drawing/2014/main" id="{0D3C32B6-BECD-44BD-89DC-C8D5DCC6F3A4}"/>
               </a:ext>
             </a:extLst>
           </p:cNvPr>
@@ -5567,7 +5600,7 @@
           <p:cNvPr id="183299" name="Notes Placeholder 2">
             <a:extLst>
               <a:ext uri="{FF2B5EF4-FFF2-40B4-BE49-F238E27FC236}">
-                <a16:creationId xmlns="" xmlns:a16="http://schemas.microsoft.com/office/drawing/2014/main" id="{3C65F6AE-1A9A-46AB-9C01-327A2C8664B0}"/>
+                <a16:creationId xmlns:a16="http://schemas.microsoft.com/office/drawing/2014/main" id="{3C65F6AE-1A9A-46AB-9C01-327A2C8664B0}"/>
               </a:ext>
             </a:extLst>
           </p:cNvPr>
@@ -5622,7 +5655,7 @@
           <p:cNvPr id="198660" name="Slide Number Placeholder 3">
             <a:extLst>
               <a:ext uri="{FF2B5EF4-FFF2-40B4-BE49-F238E27FC236}">
-                <a16:creationId xmlns="" xmlns:a16="http://schemas.microsoft.com/office/drawing/2014/main" id="{350BE05F-65F7-481D-B87A-B2EE33440C1A}"/>
+                <a16:creationId xmlns:a16="http://schemas.microsoft.com/office/drawing/2014/main" id="{350BE05F-65F7-481D-B87A-B2EE33440C1A}"/>
               </a:ext>
             </a:extLst>
           </p:cNvPr>
@@ -5801,7 +5834,7 @@
           <p:cNvPr id="184322" name="Slide Image Placeholder 1">
             <a:extLst>
               <a:ext uri="{FF2B5EF4-FFF2-40B4-BE49-F238E27FC236}">
-                <a16:creationId xmlns="" xmlns:a16="http://schemas.microsoft.com/office/drawing/2014/main" id="{C3A5F991-2179-4523-B46C-30F88E7AEDA7}"/>
+                <a16:creationId xmlns:a16="http://schemas.microsoft.com/office/drawing/2014/main" id="{C3A5F991-2179-4523-B46C-30F88E7AEDA7}"/>
               </a:ext>
             </a:extLst>
           </p:cNvPr>
@@ -5838,7 +5871,7 @@
           <p:cNvPr id="184323" name="Notes Placeholder 2">
             <a:extLst>
               <a:ext uri="{FF2B5EF4-FFF2-40B4-BE49-F238E27FC236}">
-                <a16:creationId xmlns="" xmlns:a16="http://schemas.microsoft.com/office/drawing/2014/main" id="{22AB9A0E-6CEE-4269-AE70-3DC43831CF88}"/>
+                <a16:creationId xmlns:a16="http://schemas.microsoft.com/office/drawing/2014/main" id="{22AB9A0E-6CEE-4269-AE70-3DC43831CF88}"/>
               </a:ext>
             </a:extLst>
           </p:cNvPr>
@@ -5893,7 +5926,7 @@
           <p:cNvPr id="199684" name="Slide Number Placeholder 3">
             <a:extLst>
               <a:ext uri="{FF2B5EF4-FFF2-40B4-BE49-F238E27FC236}">
-                <a16:creationId xmlns="" xmlns:a16="http://schemas.microsoft.com/office/drawing/2014/main" id="{DC86433E-089B-4DA5-9C65-CCDEC133492A}"/>
+                <a16:creationId xmlns:a16="http://schemas.microsoft.com/office/drawing/2014/main" id="{DC86433E-089B-4DA5-9C65-CCDEC133492A}"/>
               </a:ext>
             </a:extLst>
           </p:cNvPr>
@@ -6072,7 +6105,7 @@
           <p:cNvPr id="185346" name="Slide Image Placeholder 1">
             <a:extLst>
               <a:ext uri="{FF2B5EF4-FFF2-40B4-BE49-F238E27FC236}">
-                <a16:creationId xmlns="" xmlns:a16="http://schemas.microsoft.com/office/drawing/2014/main" id="{78448DE1-949A-4AA3-99E3-9BA6681AFC62}"/>
+                <a16:creationId xmlns:a16="http://schemas.microsoft.com/office/drawing/2014/main" id="{78448DE1-949A-4AA3-99E3-9BA6681AFC62}"/>
               </a:ext>
             </a:extLst>
           </p:cNvPr>
@@ -6109,7 +6142,7 @@
           <p:cNvPr id="185347" name="Notes Placeholder 2">
             <a:extLst>
               <a:ext uri="{FF2B5EF4-FFF2-40B4-BE49-F238E27FC236}">
-                <a16:creationId xmlns="" xmlns:a16="http://schemas.microsoft.com/office/drawing/2014/main" id="{0188F027-4991-46E2-9A90-F0B3618F744A}"/>
+                <a16:creationId xmlns:a16="http://schemas.microsoft.com/office/drawing/2014/main" id="{0188F027-4991-46E2-9A90-F0B3618F744A}"/>
               </a:ext>
             </a:extLst>
           </p:cNvPr>
@@ -6164,7 +6197,7 @@
           <p:cNvPr id="201732" name="Slide Number Placeholder 3">
             <a:extLst>
               <a:ext uri="{FF2B5EF4-FFF2-40B4-BE49-F238E27FC236}">
-                <a16:creationId xmlns="" xmlns:a16="http://schemas.microsoft.com/office/drawing/2014/main" id="{8F5F7E10-3A6E-421E-B615-03F1E3F338AF}"/>
+                <a16:creationId xmlns:a16="http://schemas.microsoft.com/office/drawing/2014/main" id="{8F5F7E10-3A6E-421E-B615-03F1E3F338AF}"/>
               </a:ext>
             </a:extLst>
           </p:cNvPr>
@@ -6343,7 +6376,7 @@
           <p:cNvPr id="186370" name="Slide Image Placeholder 1">
             <a:extLst>
               <a:ext uri="{FF2B5EF4-FFF2-40B4-BE49-F238E27FC236}">
-                <a16:creationId xmlns="" xmlns:a16="http://schemas.microsoft.com/office/drawing/2014/main" id="{88F27320-FE82-4CAF-ADE9-70EFB0028505}"/>
+                <a16:creationId xmlns:a16="http://schemas.microsoft.com/office/drawing/2014/main" id="{88F27320-FE82-4CAF-ADE9-70EFB0028505}"/>
               </a:ext>
             </a:extLst>
           </p:cNvPr>
@@ -6380,7 +6413,7 @@
           <p:cNvPr id="186371" name="Notes Placeholder 2">
             <a:extLst>
               <a:ext uri="{FF2B5EF4-FFF2-40B4-BE49-F238E27FC236}">
-                <a16:creationId xmlns="" xmlns:a16="http://schemas.microsoft.com/office/drawing/2014/main" id="{CC68E740-0805-458F-AFF7-A59074AAEFF4}"/>
+                <a16:creationId xmlns:a16="http://schemas.microsoft.com/office/drawing/2014/main" id="{CC68E740-0805-458F-AFF7-A59074AAEFF4}"/>
               </a:ext>
             </a:extLst>
           </p:cNvPr>
@@ -6435,7 +6468,7 @@
           <p:cNvPr id="209924" name="Slide Number Placeholder 3">
             <a:extLst>
               <a:ext uri="{FF2B5EF4-FFF2-40B4-BE49-F238E27FC236}">
-                <a16:creationId xmlns="" xmlns:a16="http://schemas.microsoft.com/office/drawing/2014/main" id="{B48D9914-25A9-49AE-AC3D-1D3480FA6489}"/>
+                <a16:creationId xmlns:a16="http://schemas.microsoft.com/office/drawing/2014/main" id="{B48D9914-25A9-49AE-AC3D-1D3480FA6489}"/>
               </a:ext>
             </a:extLst>
           </p:cNvPr>
@@ -6614,7 +6647,7 @@
           <p:cNvPr id="156674" name="Slide Image Placeholder 1">
             <a:extLst>
               <a:ext uri="{FF2B5EF4-FFF2-40B4-BE49-F238E27FC236}">
-                <a16:creationId xmlns="" xmlns:a16="http://schemas.microsoft.com/office/drawing/2014/main" id="{5872FBE7-A8E8-4058-B8F9-C72DBF9759BE}"/>
+                <a16:creationId xmlns:a16="http://schemas.microsoft.com/office/drawing/2014/main" id="{5872FBE7-A8E8-4058-B8F9-C72DBF9759BE}"/>
               </a:ext>
             </a:extLst>
           </p:cNvPr>
@@ -6651,7 +6684,7 @@
           <p:cNvPr id="156675" name="Notes Placeholder 2">
             <a:extLst>
               <a:ext uri="{FF2B5EF4-FFF2-40B4-BE49-F238E27FC236}">
-                <a16:creationId xmlns="" xmlns:a16="http://schemas.microsoft.com/office/drawing/2014/main" id="{3F5F6626-D349-4E37-985F-80A68F14E1D0}"/>
+                <a16:creationId xmlns:a16="http://schemas.microsoft.com/office/drawing/2014/main" id="{3F5F6626-D349-4E37-985F-80A68F14E1D0}"/>
               </a:ext>
             </a:extLst>
           </p:cNvPr>
@@ -6706,7 +6739,7 @@
           <p:cNvPr id="141316" name="Slide Number Placeholder 3">
             <a:extLst>
               <a:ext uri="{FF2B5EF4-FFF2-40B4-BE49-F238E27FC236}">
-                <a16:creationId xmlns="" xmlns:a16="http://schemas.microsoft.com/office/drawing/2014/main" id="{32529237-A635-4160-A343-66D3B7C84A40}"/>
+                <a16:creationId xmlns:a16="http://schemas.microsoft.com/office/drawing/2014/main" id="{32529237-A635-4160-A343-66D3B7C84A40}"/>
               </a:ext>
             </a:extLst>
           </p:cNvPr>
@@ -6885,7 +6918,7 @@
           <p:cNvPr id="188418" name="Slide Image Placeholder 1">
             <a:extLst>
               <a:ext uri="{FF2B5EF4-FFF2-40B4-BE49-F238E27FC236}">
-                <a16:creationId xmlns="" xmlns:a16="http://schemas.microsoft.com/office/drawing/2014/main" id="{B8E026EE-A995-4DE9-AA1A-57D1362853AF}"/>
+                <a16:creationId xmlns:a16="http://schemas.microsoft.com/office/drawing/2014/main" id="{B8E026EE-A995-4DE9-AA1A-57D1362853AF}"/>
               </a:ext>
             </a:extLst>
           </p:cNvPr>
@@ -6922,7 +6955,7 @@
           <p:cNvPr id="188419" name="Notes Placeholder 2">
             <a:extLst>
               <a:ext uri="{FF2B5EF4-FFF2-40B4-BE49-F238E27FC236}">
-                <a16:creationId xmlns="" xmlns:a16="http://schemas.microsoft.com/office/drawing/2014/main" id="{05C60088-B42E-4925-B882-350AB5AF3DD5}"/>
+                <a16:creationId xmlns:a16="http://schemas.microsoft.com/office/drawing/2014/main" id="{05C60088-B42E-4925-B882-350AB5AF3DD5}"/>
               </a:ext>
             </a:extLst>
           </p:cNvPr>
@@ -6977,7 +7010,7 @@
           <p:cNvPr id="215044" name="Slide Number Placeholder 3">
             <a:extLst>
               <a:ext uri="{FF2B5EF4-FFF2-40B4-BE49-F238E27FC236}">
-                <a16:creationId xmlns="" xmlns:a16="http://schemas.microsoft.com/office/drawing/2014/main" id="{2D2BE3E2-9F19-44C2-85B2-4C48CFEFDB50}"/>
+                <a16:creationId xmlns:a16="http://schemas.microsoft.com/office/drawing/2014/main" id="{2D2BE3E2-9F19-44C2-85B2-4C48CFEFDB50}"/>
               </a:ext>
             </a:extLst>
           </p:cNvPr>
@@ -7156,7 +7189,7 @@
           <p:cNvPr id="189442" name="Slide Image Placeholder 1">
             <a:extLst>
               <a:ext uri="{FF2B5EF4-FFF2-40B4-BE49-F238E27FC236}">
-                <a16:creationId xmlns="" xmlns:a16="http://schemas.microsoft.com/office/drawing/2014/main" id="{866AD583-D157-4284-9760-199BC601E388}"/>
+                <a16:creationId xmlns:a16="http://schemas.microsoft.com/office/drawing/2014/main" id="{866AD583-D157-4284-9760-199BC601E388}"/>
               </a:ext>
             </a:extLst>
           </p:cNvPr>
@@ -7193,7 +7226,7 @@
           <p:cNvPr id="189443" name="Notes Placeholder 2">
             <a:extLst>
               <a:ext uri="{FF2B5EF4-FFF2-40B4-BE49-F238E27FC236}">
-                <a16:creationId xmlns="" xmlns:a16="http://schemas.microsoft.com/office/drawing/2014/main" id="{605C840D-25B8-4C68-8E65-8BA9F245E02D}"/>
+                <a16:creationId xmlns:a16="http://schemas.microsoft.com/office/drawing/2014/main" id="{605C840D-25B8-4C68-8E65-8BA9F245E02D}"/>
               </a:ext>
             </a:extLst>
           </p:cNvPr>
@@ -7248,7 +7281,7 @@
           <p:cNvPr id="217092" name="Slide Number Placeholder 3">
             <a:extLst>
               <a:ext uri="{FF2B5EF4-FFF2-40B4-BE49-F238E27FC236}">
-                <a16:creationId xmlns="" xmlns:a16="http://schemas.microsoft.com/office/drawing/2014/main" id="{3028B8AB-F4F4-4CF0-B4CB-8B74492AF605}"/>
+                <a16:creationId xmlns:a16="http://schemas.microsoft.com/office/drawing/2014/main" id="{3028B8AB-F4F4-4CF0-B4CB-8B74492AF605}"/>
               </a:ext>
             </a:extLst>
           </p:cNvPr>
@@ -7427,7 +7460,7 @@
           <p:cNvPr id="190466" name="Slide Image Placeholder 1">
             <a:extLst>
               <a:ext uri="{FF2B5EF4-FFF2-40B4-BE49-F238E27FC236}">
-                <a16:creationId xmlns="" xmlns:a16="http://schemas.microsoft.com/office/drawing/2014/main" id="{382A3340-B805-479D-8068-BBAE56CDD91B}"/>
+                <a16:creationId xmlns:a16="http://schemas.microsoft.com/office/drawing/2014/main" id="{382A3340-B805-479D-8068-BBAE56CDD91B}"/>
               </a:ext>
             </a:extLst>
           </p:cNvPr>
@@ -7464,7 +7497,7 @@
           <p:cNvPr id="190467" name="Notes Placeholder 2">
             <a:extLst>
               <a:ext uri="{FF2B5EF4-FFF2-40B4-BE49-F238E27FC236}">
-                <a16:creationId xmlns="" xmlns:a16="http://schemas.microsoft.com/office/drawing/2014/main" id="{7654D1ED-4D74-4BA3-B730-909A7E3A4A96}"/>
+                <a16:creationId xmlns:a16="http://schemas.microsoft.com/office/drawing/2014/main" id="{7654D1ED-4D74-4BA3-B730-909A7E3A4A96}"/>
               </a:ext>
             </a:extLst>
           </p:cNvPr>
@@ -7519,7 +7552,7 @@
           <p:cNvPr id="218116" name="Slide Number Placeholder 3">
             <a:extLst>
               <a:ext uri="{FF2B5EF4-FFF2-40B4-BE49-F238E27FC236}">
-                <a16:creationId xmlns="" xmlns:a16="http://schemas.microsoft.com/office/drawing/2014/main" id="{DA162D96-2EEE-44D0-A8B1-ADED27E1C72E}"/>
+                <a16:creationId xmlns:a16="http://schemas.microsoft.com/office/drawing/2014/main" id="{DA162D96-2EEE-44D0-A8B1-ADED27E1C72E}"/>
               </a:ext>
             </a:extLst>
           </p:cNvPr>
@@ -7698,7 +7731,7 @@
           <p:cNvPr id="191490" name="Slide Image Placeholder 1">
             <a:extLst>
               <a:ext uri="{FF2B5EF4-FFF2-40B4-BE49-F238E27FC236}">
-                <a16:creationId xmlns="" xmlns:a16="http://schemas.microsoft.com/office/drawing/2014/main" id="{42DAF93D-1401-4927-81CB-D699D88B4AB5}"/>
+                <a16:creationId xmlns:a16="http://schemas.microsoft.com/office/drawing/2014/main" id="{42DAF93D-1401-4927-81CB-D699D88B4AB5}"/>
               </a:ext>
             </a:extLst>
           </p:cNvPr>
@@ -7735,7 +7768,7 @@
           <p:cNvPr id="191491" name="Notes Placeholder 2">
             <a:extLst>
               <a:ext uri="{FF2B5EF4-FFF2-40B4-BE49-F238E27FC236}">
-                <a16:creationId xmlns="" xmlns:a16="http://schemas.microsoft.com/office/drawing/2014/main" id="{41CA74FB-A69A-49EE-9180-FA05701D3E65}"/>
+                <a16:creationId xmlns:a16="http://schemas.microsoft.com/office/drawing/2014/main" id="{41CA74FB-A69A-49EE-9180-FA05701D3E65}"/>
               </a:ext>
             </a:extLst>
           </p:cNvPr>
@@ -7790,7 +7823,7 @@
           <p:cNvPr id="219140" name="Slide Number Placeholder 3">
             <a:extLst>
               <a:ext uri="{FF2B5EF4-FFF2-40B4-BE49-F238E27FC236}">
-                <a16:creationId xmlns="" xmlns:a16="http://schemas.microsoft.com/office/drawing/2014/main" id="{FA7E49DB-7690-444B-AF13-9430576F729D}"/>
+                <a16:creationId xmlns:a16="http://schemas.microsoft.com/office/drawing/2014/main" id="{FA7E49DB-7690-444B-AF13-9430576F729D}"/>
               </a:ext>
             </a:extLst>
           </p:cNvPr>
@@ -7969,7 +8002,7 @@
           <p:cNvPr id="192514" name="Slide Image Placeholder 1">
             <a:extLst>
               <a:ext uri="{FF2B5EF4-FFF2-40B4-BE49-F238E27FC236}">
-                <a16:creationId xmlns="" xmlns:a16="http://schemas.microsoft.com/office/drawing/2014/main" id="{AAB85754-D8ED-4C04-A3BC-7D261E4A39FF}"/>
+                <a16:creationId xmlns:a16="http://schemas.microsoft.com/office/drawing/2014/main" id="{AAB85754-D8ED-4C04-A3BC-7D261E4A39FF}"/>
               </a:ext>
             </a:extLst>
           </p:cNvPr>
@@ -8006,7 +8039,7 @@
           <p:cNvPr id="192515" name="Notes Placeholder 2">
             <a:extLst>
               <a:ext uri="{FF2B5EF4-FFF2-40B4-BE49-F238E27FC236}">
-                <a16:creationId xmlns="" xmlns:a16="http://schemas.microsoft.com/office/drawing/2014/main" id="{5C4CE8B3-D9BC-4752-85D9-13EBD5D572C1}"/>
+                <a16:creationId xmlns:a16="http://schemas.microsoft.com/office/drawing/2014/main" id="{5C4CE8B3-D9BC-4752-85D9-13EBD5D572C1}"/>
               </a:ext>
             </a:extLst>
           </p:cNvPr>
@@ -8061,7 +8094,7 @@
           <p:cNvPr id="220164" name="Slide Number Placeholder 3">
             <a:extLst>
               <a:ext uri="{FF2B5EF4-FFF2-40B4-BE49-F238E27FC236}">
-                <a16:creationId xmlns="" xmlns:a16="http://schemas.microsoft.com/office/drawing/2014/main" id="{78FD2BA1-54FF-48B1-AF39-092F868127E7}"/>
+                <a16:creationId xmlns:a16="http://schemas.microsoft.com/office/drawing/2014/main" id="{78FD2BA1-54FF-48B1-AF39-092F868127E7}"/>
               </a:ext>
             </a:extLst>
           </p:cNvPr>
@@ -8240,7 +8273,7 @@
           <p:cNvPr id="193538" name="Slide Image Placeholder 1">
             <a:extLst>
               <a:ext uri="{FF2B5EF4-FFF2-40B4-BE49-F238E27FC236}">
-                <a16:creationId xmlns="" xmlns:a16="http://schemas.microsoft.com/office/drawing/2014/main" id="{59B1F1DD-87C2-48B2-B199-39250FBC86CA}"/>
+                <a16:creationId xmlns:a16="http://schemas.microsoft.com/office/drawing/2014/main" id="{59B1F1DD-87C2-48B2-B199-39250FBC86CA}"/>
               </a:ext>
             </a:extLst>
           </p:cNvPr>
@@ -8277,7 +8310,7 @@
           <p:cNvPr id="193539" name="Notes Placeholder 2">
             <a:extLst>
               <a:ext uri="{FF2B5EF4-FFF2-40B4-BE49-F238E27FC236}">
-                <a16:creationId xmlns="" xmlns:a16="http://schemas.microsoft.com/office/drawing/2014/main" id="{74CA9F11-F670-439C-9493-C566A65F0AC8}"/>
+                <a16:creationId xmlns:a16="http://schemas.microsoft.com/office/drawing/2014/main" id="{74CA9F11-F670-439C-9493-C566A65F0AC8}"/>
               </a:ext>
             </a:extLst>
           </p:cNvPr>
@@ -8332,7 +8365,7 @@
           <p:cNvPr id="223236" name="Slide Number Placeholder 3">
             <a:extLst>
               <a:ext uri="{FF2B5EF4-FFF2-40B4-BE49-F238E27FC236}">
-                <a16:creationId xmlns="" xmlns:a16="http://schemas.microsoft.com/office/drawing/2014/main" id="{963AF4FF-BC26-44CA-8A26-EE02E5139CCE}"/>
+                <a16:creationId xmlns:a16="http://schemas.microsoft.com/office/drawing/2014/main" id="{963AF4FF-BC26-44CA-8A26-EE02E5139CCE}"/>
               </a:ext>
             </a:extLst>
           </p:cNvPr>
@@ -8511,7 +8544,7 @@
           <p:cNvPr id="194562" name="Slide Image Placeholder 1">
             <a:extLst>
               <a:ext uri="{FF2B5EF4-FFF2-40B4-BE49-F238E27FC236}">
-                <a16:creationId xmlns="" xmlns:a16="http://schemas.microsoft.com/office/drawing/2014/main" id="{78E081B8-6D90-4781-A543-E17697D71940}"/>
+                <a16:creationId xmlns:a16="http://schemas.microsoft.com/office/drawing/2014/main" id="{78E081B8-6D90-4781-A543-E17697D71940}"/>
               </a:ext>
             </a:extLst>
           </p:cNvPr>
@@ -8548,7 +8581,7 @@
           <p:cNvPr id="194563" name="Notes Placeholder 2">
             <a:extLst>
               <a:ext uri="{FF2B5EF4-FFF2-40B4-BE49-F238E27FC236}">
-                <a16:creationId xmlns="" xmlns:a16="http://schemas.microsoft.com/office/drawing/2014/main" id="{70791E96-9F50-4629-B305-B6A5D82DD45A}"/>
+                <a16:creationId xmlns:a16="http://schemas.microsoft.com/office/drawing/2014/main" id="{70791E96-9F50-4629-B305-B6A5D82DD45A}"/>
               </a:ext>
             </a:extLst>
           </p:cNvPr>
@@ -8603,7 +8636,7 @@
           <p:cNvPr id="236548" name="Slide Number Placeholder 3">
             <a:extLst>
               <a:ext uri="{FF2B5EF4-FFF2-40B4-BE49-F238E27FC236}">
-                <a16:creationId xmlns="" xmlns:a16="http://schemas.microsoft.com/office/drawing/2014/main" id="{37FE81A1-9837-484F-A457-4D1E951ECBEC}"/>
+                <a16:creationId xmlns:a16="http://schemas.microsoft.com/office/drawing/2014/main" id="{37FE81A1-9837-484F-A457-4D1E951ECBEC}"/>
               </a:ext>
             </a:extLst>
           </p:cNvPr>
@@ -8782,7 +8815,7 @@
           <p:cNvPr id="196610" name="Slide Image Placeholder 1">
             <a:extLst>
               <a:ext uri="{FF2B5EF4-FFF2-40B4-BE49-F238E27FC236}">
-                <a16:creationId xmlns="" xmlns:a16="http://schemas.microsoft.com/office/drawing/2014/main" id="{C50E285D-470A-4FAB-90B4-96E3158FC764}"/>
+                <a16:creationId xmlns:a16="http://schemas.microsoft.com/office/drawing/2014/main" id="{C50E285D-470A-4FAB-90B4-96E3158FC764}"/>
               </a:ext>
             </a:extLst>
           </p:cNvPr>
@@ -8819,7 +8852,7 @@
           <p:cNvPr id="196611" name="Notes Placeholder 2">
             <a:extLst>
               <a:ext uri="{FF2B5EF4-FFF2-40B4-BE49-F238E27FC236}">
-                <a16:creationId xmlns="" xmlns:a16="http://schemas.microsoft.com/office/drawing/2014/main" id="{004AF044-59AF-45F6-874C-28F71CB9DF89}"/>
+                <a16:creationId xmlns:a16="http://schemas.microsoft.com/office/drawing/2014/main" id="{004AF044-59AF-45F6-874C-28F71CB9DF89}"/>
               </a:ext>
             </a:extLst>
           </p:cNvPr>
@@ -8874,7 +8907,7 @@
           <p:cNvPr id="244740" name="Slide Number Placeholder 3">
             <a:extLst>
               <a:ext uri="{FF2B5EF4-FFF2-40B4-BE49-F238E27FC236}">
-                <a16:creationId xmlns="" xmlns:a16="http://schemas.microsoft.com/office/drawing/2014/main" id="{0FB2EED3-BBAB-4E8E-905B-F654472B414B}"/>
+                <a16:creationId xmlns:a16="http://schemas.microsoft.com/office/drawing/2014/main" id="{0FB2EED3-BBAB-4E8E-905B-F654472B414B}"/>
               </a:ext>
             </a:extLst>
           </p:cNvPr>
@@ -9053,7 +9086,7 @@
           <p:cNvPr id="198658" name="Slide Image Placeholder 1">
             <a:extLst>
               <a:ext uri="{FF2B5EF4-FFF2-40B4-BE49-F238E27FC236}">
-                <a16:creationId xmlns="" xmlns:a16="http://schemas.microsoft.com/office/drawing/2014/main" id="{3D104388-026E-48E8-BD1C-8FD5B10A01DC}"/>
+                <a16:creationId xmlns:a16="http://schemas.microsoft.com/office/drawing/2014/main" id="{3D104388-026E-48E8-BD1C-8FD5B10A01DC}"/>
               </a:ext>
             </a:extLst>
           </p:cNvPr>
@@ -9090,7 +9123,7 @@
           <p:cNvPr id="198659" name="Notes Placeholder 2">
             <a:extLst>
               <a:ext uri="{FF2B5EF4-FFF2-40B4-BE49-F238E27FC236}">
-                <a16:creationId xmlns="" xmlns:a16="http://schemas.microsoft.com/office/drawing/2014/main" id="{C040D9BB-CD54-43E6-9EA4-481D21BB74FE}"/>
+                <a16:creationId xmlns:a16="http://schemas.microsoft.com/office/drawing/2014/main" id="{C040D9BB-CD54-43E6-9EA4-481D21BB74FE}"/>
               </a:ext>
             </a:extLst>
           </p:cNvPr>
@@ -9145,7 +9178,7 @@
           <p:cNvPr id="250884" name="Slide Number Placeholder 3">
             <a:extLst>
               <a:ext uri="{FF2B5EF4-FFF2-40B4-BE49-F238E27FC236}">
-                <a16:creationId xmlns="" xmlns:a16="http://schemas.microsoft.com/office/drawing/2014/main" id="{A37722CA-DF69-4379-9620-6A6A3BA1E785}"/>
+                <a16:creationId xmlns:a16="http://schemas.microsoft.com/office/drawing/2014/main" id="{A37722CA-DF69-4379-9620-6A6A3BA1E785}"/>
               </a:ext>
             </a:extLst>
           </p:cNvPr>
@@ -9324,7 +9357,7 @@
           <p:cNvPr id="199682" name="Slide Image Placeholder 1">
             <a:extLst>
               <a:ext uri="{FF2B5EF4-FFF2-40B4-BE49-F238E27FC236}">
-                <a16:creationId xmlns="" xmlns:a16="http://schemas.microsoft.com/office/drawing/2014/main" id="{CA298DB7-B582-4DB6-95D2-F5A84E776CEC}"/>
+                <a16:creationId xmlns:a16="http://schemas.microsoft.com/office/drawing/2014/main" id="{CA298DB7-B582-4DB6-95D2-F5A84E776CEC}"/>
               </a:ext>
             </a:extLst>
           </p:cNvPr>
@@ -9361,7 +9394,7 @@
           <p:cNvPr id="199683" name="Notes Placeholder 2">
             <a:extLst>
               <a:ext uri="{FF2B5EF4-FFF2-40B4-BE49-F238E27FC236}">
-                <a16:creationId xmlns="" xmlns:a16="http://schemas.microsoft.com/office/drawing/2014/main" id="{9954867C-6557-4C08-9364-C492A6F1A536}"/>
+                <a16:creationId xmlns:a16="http://schemas.microsoft.com/office/drawing/2014/main" id="{9954867C-6557-4C08-9364-C492A6F1A536}"/>
               </a:ext>
             </a:extLst>
           </p:cNvPr>
@@ -9416,7 +9449,7 @@
           <p:cNvPr id="252932" name="Slide Number Placeholder 3">
             <a:extLst>
               <a:ext uri="{FF2B5EF4-FFF2-40B4-BE49-F238E27FC236}">
-                <a16:creationId xmlns="" xmlns:a16="http://schemas.microsoft.com/office/drawing/2014/main" id="{D2EC81C5-A39C-404F-A108-2B3311EDF574}"/>
+                <a16:creationId xmlns:a16="http://schemas.microsoft.com/office/drawing/2014/main" id="{D2EC81C5-A39C-404F-A108-2B3311EDF574}"/>
               </a:ext>
             </a:extLst>
           </p:cNvPr>
@@ -9595,7 +9628,7 @@
           <p:cNvPr id="157698" name="Slide Image Placeholder 1">
             <a:extLst>
               <a:ext uri="{FF2B5EF4-FFF2-40B4-BE49-F238E27FC236}">
-                <a16:creationId xmlns="" xmlns:a16="http://schemas.microsoft.com/office/drawing/2014/main" id="{BE27EC4B-7ACD-4167-AABD-72BF4F504C26}"/>
+                <a16:creationId xmlns:a16="http://schemas.microsoft.com/office/drawing/2014/main" id="{BE27EC4B-7ACD-4167-AABD-72BF4F504C26}"/>
               </a:ext>
             </a:extLst>
           </p:cNvPr>
@@ -9632,7 +9665,7 @@
           <p:cNvPr id="157699" name="Notes Placeholder 2">
             <a:extLst>
               <a:ext uri="{FF2B5EF4-FFF2-40B4-BE49-F238E27FC236}">
-                <a16:creationId xmlns="" xmlns:a16="http://schemas.microsoft.com/office/drawing/2014/main" id="{4A6A51CD-EDEF-4D1D-9961-BEE77BE2FE9E}"/>
+                <a16:creationId xmlns:a16="http://schemas.microsoft.com/office/drawing/2014/main" id="{4A6A51CD-EDEF-4D1D-9961-BEE77BE2FE9E}"/>
               </a:ext>
             </a:extLst>
           </p:cNvPr>
@@ -9687,7 +9720,7 @@
           <p:cNvPr id="142340" name="Slide Number Placeholder 3">
             <a:extLst>
               <a:ext uri="{FF2B5EF4-FFF2-40B4-BE49-F238E27FC236}">
-                <a16:creationId xmlns="" xmlns:a16="http://schemas.microsoft.com/office/drawing/2014/main" id="{31682EA2-84C6-41DD-8868-6738FA77A63B}"/>
+                <a16:creationId xmlns:a16="http://schemas.microsoft.com/office/drawing/2014/main" id="{31682EA2-84C6-41DD-8868-6738FA77A63B}"/>
               </a:ext>
             </a:extLst>
           </p:cNvPr>
@@ -9866,7 +9899,7 @@
           <p:cNvPr id="200706" name="Slide Image Placeholder 1">
             <a:extLst>
               <a:ext uri="{FF2B5EF4-FFF2-40B4-BE49-F238E27FC236}">
-                <a16:creationId xmlns="" xmlns:a16="http://schemas.microsoft.com/office/drawing/2014/main" id="{FD9CF428-C438-4E78-93BB-1826E5774DD7}"/>
+                <a16:creationId xmlns:a16="http://schemas.microsoft.com/office/drawing/2014/main" id="{FD9CF428-C438-4E78-93BB-1826E5774DD7}"/>
               </a:ext>
             </a:extLst>
           </p:cNvPr>
@@ -9903,7 +9936,7 @@
           <p:cNvPr id="200707" name="Notes Placeholder 2">
             <a:extLst>
               <a:ext uri="{FF2B5EF4-FFF2-40B4-BE49-F238E27FC236}">
-                <a16:creationId xmlns="" xmlns:a16="http://schemas.microsoft.com/office/drawing/2014/main" id="{4BE446CE-77DB-463F-8C5F-CFF2EBFC66A3}"/>
+                <a16:creationId xmlns:a16="http://schemas.microsoft.com/office/drawing/2014/main" id="{4BE446CE-77DB-463F-8C5F-CFF2EBFC66A3}"/>
               </a:ext>
             </a:extLst>
           </p:cNvPr>
@@ -9958,7 +9991,7 @@
           <p:cNvPr id="253956" name="Slide Number Placeholder 3">
             <a:extLst>
               <a:ext uri="{FF2B5EF4-FFF2-40B4-BE49-F238E27FC236}">
-                <a16:creationId xmlns="" xmlns:a16="http://schemas.microsoft.com/office/drawing/2014/main" id="{F76313F8-B276-499C-B52E-4CA1F06DF857}"/>
+                <a16:creationId xmlns:a16="http://schemas.microsoft.com/office/drawing/2014/main" id="{F76313F8-B276-499C-B52E-4CA1F06DF857}"/>
               </a:ext>
             </a:extLst>
           </p:cNvPr>
@@ -10137,7 +10170,7 @@
           <p:cNvPr id="201730" name="Slide Image Placeholder 1">
             <a:extLst>
               <a:ext uri="{FF2B5EF4-FFF2-40B4-BE49-F238E27FC236}">
-                <a16:creationId xmlns="" xmlns:a16="http://schemas.microsoft.com/office/drawing/2014/main" id="{27C71281-22F5-4D0C-ACEF-C585D5DA5AC5}"/>
+                <a16:creationId xmlns:a16="http://schemas.microsoft.com/office/drawing/2014/main" id="{27C71281-22F5-4D0C-ACEF-C585D5DA5AC5}"/>
               </a:ext>
             </a:extLst>
           </p:cNvPr>
@@ -10174,7 +10207,7 @@
           <p:cNvPr id="201731" name="Notes Placeholder 2">
             <a:extLst>
               <a:ext uri="{FF2B5EF4-FFF2-40B4-BE49-F238E27FC236}">
-                <a16:creationId xmlns="" xmlns:a16="http://schemas.microsoft.com/office/drawing/2014/main" id="{86C44611-BC2F-44F7-A44B-04E49BACB314}"/>
+                <a16:creationId xmlns:a16="http://schemas.microsoft.com/office/drawing/2014/main" id="{86C44611-BC2F-44F7-A44B-04E49BACB314}"/>
               </a:ext>
             </a:extLst>
           </p:cNvPr>
@@ -10229,7 +10262,7 @@
           <p:cNvPr id="253956" name="Slide Number Placeholder 3">
             <a:extLst>
               <a:ext uri="{FF2B5EF4-FFF2-40B4-BE49-F238E27FC236}">
-                <a16:creationId xmlns="" xmlns:a16="http://schemas.microsoft.com/office/drawing/2014/main" id="{609448AA-6E50-4FAD-90D6-A98C027C94AB}"/>
+                <a16:creationId xmlns:a16="http://schemas.microsoft.com/office/drawing/2014/main" id="{609448AA-6E50-4FAD-90D6-A98C027C94AB}"/>
               </a:ext>
             </a:extLst>
           </p:cNvPr>
@@ -10408,7 +10441,7 @@
           <p:cNvPr id="202754" name="Slide Image Placeholder 1">
             <a:extLst>
               <a:ext uri="{FF2B5EF4-FFF2-40B4-BE49-F238E27FC236}">
-                <a16:creationId xmlns="" xmlns:a16="http://schemas.microsoft.com/office/drawing/2014/main" id="{D9318DB6-2B1A-485D-B6A3-B59C6B7DAADA}"/>
+                <a16:creationId xmlns:a16="http://schemas.microsoft.com/office/drawing/2014/main" id="{D9318DB6-2B1A-485D-B6A3-B59C6B7DAADA}"/>
               </a:ext>
             </a:extLst>
           </p:cNvPr>
@@ -10445,7 +10478,7 @@
           <p:cNvPr id="202755" name="Notes Placeholder 2">
             <a:extLst>
               <a:ext uri="{FF2B5EF4-FFF2-40B4-BE49-F238E27FC236}">
-                <a16:creationId xmlns="" xmlns:a16="http://schemas.microsoft.com/office/drawing/2014/main" id="{E917AD57-EF9B-423E-9ED9-AC23C1EEDE15}"/>
+                <a16:creationId xmlns:a16="http://schemas.microsoft.com/office/drawing/2014/main" id="{E917AD57-EF9B-423E-9ED9-AC23C1EEDE15}"/>
               </a:ext>
             </a:extLst>
           </p:cNvPr>
@@ -10500,7 +10533,7 @@
           <p:cNvPr id="253956" name="Slide Number Placeholder 3">
             <a:extLst>
               <a:ext uri="{FF2B5EF4-FFF2-40B4-BE49-F238E27FC236}">
-                <a16:creationId xmlns="" xmlns:a16="http://schemas.microsoft.com/office/drawing/2014/main" id="{49D401D0-58BB-4176-ACDC-58471B110105}"/>
+                <a16:creationId xmlns:a16="http://schemas.microsoft.com/office/drawing/2014/main" id="{49D401D0-58BB-4176-ACDC-58471B110105}"/>
               </a:ext>
             </a:extLst>
           </p:cNvPr>
@@ -10679,7 +10712,7 @@
           <p:cNvPr id="158722" name="Slide Image Placeholder 1">
             <a:extLst>
               <a:ext uri="{FF2B5EF4-FFF2-40B4-BE49-F238E27FC236}">
-                <a16:creationId xmlns="" xmlns:a16="http://schemas.microsoft.com/office/drawing/2014/main" id="{5AF3C30F-64B3-4A91-A091-78F1FA8E493C}"/>
+                <a16:creationId xmlns:a16="http://schemas.microsoft.com/office/drawing/2014/main" id="{5AF3C30F-64B3-4A91-A091-78F1FA8E493C}"/>
               </a:ext>
             </a:extLst>
           </p:cNvPr>
@@ -10716,7 +10749,7 @@
           <p:cNvPr id="158723" name="Notes Placeholder 2">
             <a:extLst>
               <a:ext uri="{FF2B5EF4-FFF2-40B4-BE49-F238E27FC236}">
-                <a16:creationId xmlns="" xmlns:a16="http://schemas.microsoft.com/office/drawing/2014/main" id="{BE3B4DC2-4F98-4DEE-90C1-B1FB50F9C493}"/>
+                <a16:creationId xmlns:a16="http://schemas.microsoft.com/office/drawing/2014/main" id="{BE3B4DC2-4F98-4DEE-90C1-B1FB50F9C493}"/>
               </a:ext>
             </a:extLst>
           </p:cNvPr>
@@ -10771,7 +10804,7 @@
           <p:cNvPr id="144388" name="Slide Number Placeholder 3">
             <a:extLst>
               <a:ext uri="{FF2B5EF4-FFF2-40B4-BE49-F238E27FC236}">
-                <a16:creationId xmlns="" xmlns:a16="http://schemas.microsoft.com/office/drawing/2014/main" id="{5D72BC28-DE1D-4873-990D-7C3B76CB5F69}"/>
+                <a16:creationId xmlns:a16="http://schemas.microsoft.com/office/drawing/2014/main" id="{5D72BC28-DE1D-4873-990D-7C3B76CB5F69}"/>
               </a:ext>
             </a:extLst>
           </p:cNvPr>
@@ -10950,7 +10983,7 @@
           <p:cNvPr id="159746" name="Slide Image Placeholder 1">
             <a:extLst>
               <a:ext uri="{FF2B5EF4-FFF2-40B4-BE49-F238E27FC236}">
-                <a16:creationId xmlns="" xmlns:a16="http://schemas.microsoft.com/office/drawing/2014/main" id="{8968472D-8092-4D76-A8FF-91C6506A9402}"/>
+                <a16:creationId xmlns:a16="http://schemas.microsoft.com/office/drawing/2014/main" id="{8968472D-8092-4D76-A8FF-91C6506A9402}"/>
               </a:ext>
             </a:extLst>
           </p:cNvPr>
@@ -10987,7 +11020,7 @@
           <p:cNvPr id="159747" name="Notes Placeholder 2">
             <a:extLst>
               <a:ext uri="{FF2B5EF4-FFF2-40B4-BE49-F238E27FC236}">
-                <a16:creationId xmlns="" xmlns:a16="http://schemas.microsoft.com/office/drawing/2014/main" id="{DCF61CAC-5412-4187-979D-FA92A123DB17}"/>
+                <a16:creationId xmlns:a16="http://schemas.microsoft.com/office/drawing/2014/main" id="{DCF61CAC-5412-4187-979D-FA92A123DB17}"/>
               </a:ext>
             </a:extLst>
           </p:cNvPr>
@@ -11042,7 +11075,7 @@
           <p:cNvPr id="146436" name="Slide Number Placeholder 3">
             <a:extLst>
               <a:ext uri="{FF2B5EF4-FFF2-40B4-BE49-F238E27FC236}">
-                <a16:creationId xmlns="" xmlns:a16="http://schemas.microsoft.com/office/drawing/2014/main" id="{AE2A62F7-F674-4EC0-BD6B-5634E5F8BC0C}"/>
+                <a16:creationId xmlns:a16="http://schemas.microsoft.com/office/drawing/2014/main" id="{AE2A62F7-F674-4EC0-BD6B-5634E5F8BC0C}"/>
               </a:ext>
             </a:extLst>
           </p:cNvPr>
@@ -11221,7 +11254,7 @@
           <p:cNvPr id="160770" name="Slide Image Placeholder 1">
             <a:extLst>
               <a:ext uri="{FF2B5EF4-FFF2-40B4-BE49-F238E27FC236}">
-                <a16:creationId xmlns="" xmlns:a16="http://schemas.microsoft.com/office/drawing/2014/main" id="{BC987822-B43F-43EC-B82E-FADD0822D0FD}"/>
+                <a16:creationId xmlns:a16="http://schemas.microsoft.com/office/drawing/2014/main" id="{BC987822-B43F-43EC-B82E-FADD0822D0FD}"/>
               </a:ext>
             </a:extLst>
           </p:cNvPr>
@@ -11258,7 +11291,7 @@
           <p:cNvPr id="160771" name="Notes Placeholder 2">
             <a:extLst>
               <a:ext uri="{FF2B5EF4-FFF2-40B4-BE49-F238E27FC236}">
-                <a16:creationId xmlns="" xmlns:a16="http://schemas.microsoft.com/office/drawing/2014/main" id="{8FFCA90F-69E2-48E4-BF0E-FDB37BD9CD75}"/>
+                <a16:creationId xmlns:a16="http://schemas.microsoft.com/office/drawing/2014/main" id="{8FFCA90F-69E2-48E4-BF0E-FDB37BD9CD75}"/>
               </a:ext>
             </a:extLst>
           </p:cNvPr>
@@ -11313,7 +11346,7 @@
           <p:cNvPr id="147460" name="Slide Number Placeholder 3">
             <a:extLst>
               <a:ext uri="{FF2B5EF4-FFF2-40B4-BE49-F238E27FC236}">
-                <a16:creationId xmlns="" xmlns:a16="http://schemas.microsoft.com/office/drawing/2014/main" id="{9CFAA168-ED11-4006-8348-3213601F6A10}"/>
+                <a16:creationId xmlns:a16="http://schemas.microsoft.com/office/drawing/2014/main" id="{9CFAA168-ED11-4006-8348-3213601F6A10}"/>
               </a:ext>
             </a:extLst>
           </p:cNvPr>
@@ -11492,7 +11525,7 @@
           <p:cNvPr id="162818" name="Slide Image Placeholder 1">
             <a:extLst>
               <a:ext uri="{FF2B5EF4-FFF2-40B4-BE49-F238E27FC236}">
-                <a16:creationId xmlns="" xmlns:a16="http://schemas.microsoft.com/office/drawing/2014/main" id="{BD0B0322-3E6E-4790-9265-E980AC0E72B7}"/>
+                <a16:creationId xmlns:a16="http://schemas.microsoft.com/office/drawing/2014/main" id="{BD0B0322-3E6E-4790-9265-E980AC0E72B7}"/>
               </a:ext>
             </a:extLst>
           </p:cNvPr>
@@ -11529,7 +11562,7 @@
           <p:cNvPr id="162819" name="Notes Placeholder 2">
             <a:extLst>
               <a:ext uri="{FF2B5EF4-FFF2-40B4-BE49-F238E27FC236}">
-                <a16:creationId xmlns="" xmlns:a16="http://schemas.microsoft.com/office/drawing/2014/main" id="{A2343EE1-6F31-4F5C-8576-15A62870396D}"/>
+                <a16:creationId xmlns:a16="http://schemas.microsoft.com/office/drawing/2014/main" id="{A2343EE1-6F31-4F5C-8576-15A62870396D}"/>
               </a:ext>
             </a:extLst>
           </p:cNvPr>
@@ -11584,7 +11617,7 @@
           <p:cNvPr id="152580" name="Slide Number Placeholder 3">
             <a:extLst>
               <a:ext uri="{FF2B5EF4-FFF2-40B4-BE49-F238E27FC236}">
-                <a16:creationId xmlns="" xmlns:a16="http://schemas.microsoft.com/office/drawing/2014/main" id="{2E3CD4C3-C370-4E79-B7CB-E23974C928FC}"/>
+                <a16:creationId xmlns:a16="http://schemas.microsoft.com/office/drawing/2014/main" id="{2E3CD4C3-C370-4E79-B7CB-E23974C928FC}"/>
               </a:ext>
             </a:extLst>
           </p:cNvPr>
@@ -11763,7 +11796,7 @@
           <p:cNvPr id="163842" name="Slide Image Placeholder 1">
             <a:extLst>
               <a:ext uri="{FF2B5EF4-FFF2-40B4-BE49-F238E27FC236}">
-                <a16:creationId xmlns="" xmlns:a16="http://schemas.microsoft.com/office/drawing/2014/main" id="{3C715051-5EBE-4CF1-9BDA-5476F714E395}"/>
+                <a16:creationId xmlns:a16="http://schemas.microsoft.com/office/drawing/2014/main" id="{3C715051-5EBE-4CF1-9BDA-5476F714E395}"/>
               </a:ext>
             </a:extLst>
           </p:cNvPr>
@@ -11800,7 +11833,7 @@
           <p:cNvPr id="163843" name="Notes Placeholder 2">
             <a:extLst>
               <a:ext uri="{FF2B5EF4-FFF2-40B4-BE49-F238E27FC236}">
-                <a16:creationId xmlns="" xmlns:a16="http://schemas.microsoft.com/office/drawing/2014/main" id="{0B62109E-AA50-4B32-A2DD-7DA6932A3EA9}"/>
+                <a16:creationId xmlns:a16="http://schemas.microsoft.com/office/drawing/2014/main" id="{0B62109E-AA50-4B32-A2DD-7DA6932A3EA9}"/>
               </a:ext>
             </a:extLst>
           </p:cNvPr>
@@ -11855,7 +11888,7 @@
           <p:cNvPr id="153604" name="Slide Number Placeholder 3">
             <a:extLst>
               <a:ext uri="{FF2B5EF4-FFF2-40B4-BE49-F238E27FC236}">
-                <a16:creationId xmlns="" xmlns:a16="http://schemas.microsoft.com/office/drawing/2014/main" id="{9059B870-60D2-4C85-9383-C8D1418AE4B3}"/>
+                <a16:creationId xmlns:a16="http://schemas.microsoft.com/office/drawing/2014/main" id="{9059B870-60D2-4C85-9383-C8D1418AE4B3}"/>
               </a:ext>
             </a:extLst>
           </p:cNvPr>
@@ -12671,7 +12704,7 @@
           <a:p>
             <a:fld id="{D4AC8B9E-46DE-4FE1-8FCE-2B35FD58A45E}" type="datetime1">
               <a:rPr lang="en-US" smtClean="0"/>
-              <a:t>11/11/2017</a:t>
+              <a:t>3/6/2020</a:t>
             </a:fld>
             <a:endParaRPr lang="en-US"/>
           </a:p>
@@ -12875,7 +12908,7 @@
           <a:p>
             <a:fld id="{7D089948-B234-42A7-A075-C2DCE2874E6B}" type="datetime1">
               <a:rPr lang="en-US" smtClean="0"/>
-              <a:t>11/11/2017</a:t>
+              <a:t>3/6/2020</a:t>
             </a:fld>
             <a:endParaRPr lang="en-US"/>
           </a:p>
@@ -13068,7 +13101,7 @@
           <a:p>
             <a:fld id="{B93C48EF-5F39-412F-86DF-44F5B5EEBB35}" type="datetime1">
               <a:rPr lang="en-US" smtClean="0"/>
-              <a:t>11/11/2017</a:t>
+              <a:t>3/6/2020</a:t>
             </a:fld>
             <a:endParaRPr lang="en-US"/>
           </a:p>
@@ -13426,7 +13459,7 @@
           <a:p>
             <a:fld id="{8137A2E8-CA7D-4ED5-B4CF-B3D33FC2B39B}" type="datetime1">
               <a:rPr lang="en-US" smtClean="0"/>
-              <a:t>11/11/2017</a:t>
+              <a:t>3/6/2020</a:t>
             </a:fld>
             <a:endParaRPr lang="en-US"/>
           </a:p>
@@ -13850,7 +13883,7 @@
           <a:p>
             <a:fld id="{585814E9-AF05-4878-A6D5-3736AF8157CC}" type="datetime1">
               <a:rPr lang="en-US" smtClean="0"/>
-              <a:t>11/11/2017</a:t>
+              <a:t>3/6/2020</a:t>
             </a:fld>
             <a:endParaRPr lang="en-US"/>
           </a:p>
@@ -14142,7 +14175,7 @@
           <a:p>
             <a:fld id="{F39ECC4A-466A-4F3C-B115-72F999F52C52}" type="datetime1">
               <a:rPr lang="en-US" smtClean="0"/>
-              <a:t>11/11/2017</a:t>
+              <a:t>3/6/2020</a:t>
             </a:fld>
             <a:endParaRPr lang="en-US"/>
           </a:p>
@@ -14583,7 +14616,7 @@
           <a:p>
             <a:fld id="{0378D821-8759-4D9D-8D0C-0555276E1400}" type="datetime1">
               <a:rPr lang="en-US" smtClean="0"/>
-              <a:t>11/11/2017</a:t>
+              <a:t>3/6/2020</a:t>
             </a:fld>
             <a:endParaRPr lang="en-US"/>
           </a:p>
@@ -14729,7 +14762,7 @@
           <a:p>
             <a:fld id="{A3736A59-623A-45FD-8668-AAF368304DE5}" type="datetime1">
               <a:rPr lang="en-US" smtClean="0"/>
-              <a:t>11/11/2017</a:t>
+              <a:t>3/6/2020</a:t>
             </a:fld>
             <a:endParaRPr lang="en-US"/>
           </a:p>
@@ -14840,7 +14873,7 @@
           <a:p>
             <a:fld id="{AC8C6E92-4880-408B-879B-CEA1490FF0B2}" type="datetime1">
               <a:rPr lang="en-US" smtClean="0"/>
-              <a:t>11/11/2017</a:t>
+              <a:t>3/6/2020</a:t>
             </a:fld>
             <a:endParaRPr lang="en-US"/>
           </a:p>
@@ -15130,7 +15163,7 @@
           <a:p>
             <a:fld id="{2C03C764-C9C3-4327-BAE4-FA023E35C7A7}" type="datetime1">
               <a:rPr lang="en-US" smtClean="0"/>
-              <a:t>11/11/2017</a:t>
+              <a:t>3/6/2020</a:t>
             </a:fld>
             <a:endParaRPr lang="en-US"/>
           </a:p>
@@ -15944,7 +15977,7 @@
           <a:p>
             <a:fld id="{6AAE244C-3DE8-416D-9CD1-E852C5DB8F55}" type="datetime1">
               <a:rPr lang="en-US" smtClean="0"/>
-              <a:t>11/11/2017</a:t>
+              <a:t>3/6/2020</a:t>
             </a:fld>
             <a:endParaRPr lang="en-US"/>
           </a:p>
@@ -16219,7 +16252,7 @@
           <a:p>
             <a:fld id="{5FF1973E-0857-4F94-9DC0-690CF7157FB9}" type="datetime1">
               <a:rPr lang="en-US" smtClean="0"/>
-              <a:t>11/11/2017</a:t>
+              <a:t>3/6/2020</a:t>
             </a:fld>
             <a:endParaRPr lang="en-US"/>
           </a:p>
@@ -16774,7 +16807,7 @@
           <p:cNvPr id="2" name="Title 1">
             <a:extLst>
               <a:ext uri="{FF2B5EF4-FFF2-40B4-BE49-F238E27FC236}">
-                <a16:creationId xmlns="" xmlns:a16="http://schemas.microsoft.com/office/drawing/2014/main" id="{2E743A9B-6CA6-479C-8486-279A49E0ECB2}"/>
+                <a16:creationId xmlns:a16="http://schemas.microsoft.com/office/drawing/2014/main" id="{2E743A9B-6CA6-479C-8486-279A49E0ECB2}"/>
               </a:ext>
             </a:extLst>
           </p:cNvPr>
@@ -16845,7 +16878,7 @@
           <p:cNvPr id="10243" name="Subtitle 3">
             <a:extLst>
               <a:ext uri="{FF2B5EF4-FFF2-40B4-BE49-F238E27FC236}">
-                <a16:creationId xmlns="" xmlns:a16="http://schemas.microsoft.com/office/drawing/2014/main" id="{FD2CB768-4B5E-42EC-A405-976DA4C0B9E4}"/>
+                <a16:creationId xmlns:a16="http://schemas.microsoft.com/office/drawing/2014/main" id="{FD2CB768-4B5E-42EC-A405-976DA4C0B9E4}"/>
               </a:ext>
             </a:extLst>
           </p:cNvPr>
@@ -16868,13 +16901,8 @@
           <a:p>
             <a:r>
               <a:rPr lang="en-US" altLang="en-US" dirty="0"/>
-              <a:t>Java How to Program, </a:t>
-            </a:r>
-            <a:r>
-              <a:rPr lang="en-US" altLang="en-US" dirty="0" smtClean="0"/>
-              <a:t>11/e</a:t>
-            </a:r>
-            <a:endParaRPr lang="en-US" altLang="en-US" dirty="0"/>
+              <a:t>Java How to Program, 11/e</a:t>
+            </a:r>
           </a:p>
         </p:txBody>
       </p:sp>
@@ -16883,7 +16911,7 @@
           <p:cNvPr id="4" name="Footer Placeholder 3">
             <a:extLst>
               <a:ext uri="{FF2B5EF4-FFF2-40B4-BE49-F238E27FC236}">
-                <a16:creationId xmlns="" xmlns:a16="http://schemas.microsoft.com/office/drawing/2014/main" id="{97DADB96-7424-45AB-AB6F-860DEE020DB9}"/>
+                <a16:creationId xmlns:a16="http://schemas.microsoft.com/office/drawing/2014/main" id="{97DADB96-7424-45AB-AB6F-860DEE020DB9}"/>
               </a:ext>
             </a:extLst>
           </p:cNvPr>
@@ -16944,7 +16972,7 @@
           <p:cNvPr id="2" name="Title 1">
             <a:extLst>
               <a:ext uri="{FF2B5EF4-FFF2-40B4-BE49-F238E27FC236}">
-                <a16:creationId xmlns="" xmlns:a16="http://schemas.microsoft.com/office/drawing/2014/main" id="{8246963A-02A0-4B2C-9D6D-CEB6711B49C1}"/>
+                <a16:creationId xmlns:a16="http://schemas.microsoft.com/office/drawing/2014/main" id="{8246963A-02A0-4B2C-9D6D-CEB6711B49C1}"/>
               </a:ext>
             </a:extLst>
           </p:cNvPr>
@@ -16994,7 +17022,7 @@
           <p:cNvPr id="21507" name="Text Placeholder 2">
             <a:extLst>
               <a:ext uri="{FF2B5EF4-FFF2-40B4-BE49-F238E27FC236}">
-                <a16:creationId xmlns="" xmlns:a16="http://schemas.microsoft.com/office/drawing/2014/main" id="{4ADFA729-4CC8-4DD8-9D23-316DE86B04E2}"/>
+                <a16:creationId xmlns:a16="http://schemas.microsoft.com/office/drawing/2014/main" id="{4ADFA729-4CC8-4DD8-9D23-316DE86B04E2}"/>
               </a:ext>
             </a:extLst>
           </p:cNvPr>
@@ -17132,7 +17160,7 @@
           <p:cNvPr id="4" name="Footer Placeholder 3">
             <a:extLst>
               <a:ext uri="{FF2B5EF4-FFF2-40B4-BE49-F238E27FC236}">
-                <a16:creationId xmlns="" xmlns:a16="http://schemas.microsoft.com/office/drawing/2014/main" id="{A161AAB4-2306-449E-BC12-F25DFDD32B57}"/>
+                <a16:creationId xmlns:a16="http://schemas.microsoft.com/office/drawing/2014/main" id="{A161AAB4-2306-449E-BC12-F25DFDD32B57}"/>
               </a:ext>
             </a:extLst>
           </p:cNvPr>
@@ -17193,7 +17221,7 @@
           <p:cNvPr id="3" name="Picture 2" descr="jhtp_07_Arrays_Page_079">
             <a:extLst>
               <a:ext uri="{FF2B5EF4-FFF2-40B4-BE49-F238E27FC236}">
-                <a16:creationId xmlns="" xmlns:a16="http://schemas.microsoft.com/office/drawing/2014/main" id="{8D448B78-CC73-4668-8059-44C5B51C3CA6}"/>
+                <a16:creationId xmlns:a16="http://schemas.microsoft.com/office/drawing/2014/main" id="{8D448B78-CC73-4668-8059-44C5B51C3CA6}"/>
               </a:ext>
             </a:extLst>
           </p:cNvPr>
@@ -17230,7 +17258,7 @@
           <p:cNvPr id="2" name="Footer Placeholder 1">
             <a:extLst>
               <a:ext uri="{FF2B5EF4-FFF2-40B4-BE49-F238E27FC236}">
-                <a16:creationId xmlns="" xmlns:a16="http://schemas.microsoft.com/office/drawing/2014/main" id="{8CB7E38C-CC3D-4AEF-A658-599D052500F6}"/>
+                <a16:creationId xmlns:a16="http://schemas.microsoft.com/office/drawing/2014/main" id="{8CB7E38C-CC3D-4AEF-A658-599D052500F6}"/>
               </a:ext>
             </a:extLst>
           </p:cNvPr>
@@ -17288,7 +17316,7 @@
           <p:cNvPr id="2" name="Title 1">
             <a:extLst>
               <a:ext uri="{FF2B5EF4-FFF2-40B4-BE49-F238E27FC236}">
-                <a16:creationId xmlns="" xmlns:a16="http://schemas.microsoft.com/office/drawing/2014/main" id="{2F9BD7AA-2A18-48D7-ADAA-F0A050D47290}"/>
+                <a16:creationId xmlns:a16="http://schemas.microsoft.com/office/drawing/2014/main" id="{2F9BD7AA-2A18-48D7-ADAA-F0A050D47290}"/>
               </a:ext>
             </a:extLst>
           </p:cNvPr>
@@ -17354,7 +17382,7 @@
           <p:cNvPr id="131075" name="Text Placeholder 2">
             <a:extLst>
               <a:ext uri="{FF2B5EF4-FFF2-40B4-BE49-F238E27FC236}">
-                <a16:creationId xmlns="" xmlns:a16="http://schemas.microsoft.com/office/drawing/2014/main" id="{69E29564-8720-4222-876A-B90E538DCB05}"/>
+                <a16:creationId xmlns:a16="http://schemas.microsoft.com/office/drawing/2014/main" id="{69E29564-8720-4222-876A-B90E538DCB05}"/>
               </a:ext>
             </a:extLst>
           </p:cNvPr>
@@ -17639,7 +17667,7 @@
           <p:cNvPr id="4" name="Footer Placeholder 3">
             <a:extLst>
               <a:ext uri="{FF2B5EF4-FFF2-40B4-BE49-F238E27FC236}">
-                <a16:creationId xmlns="" xmlns:a16="http://schemas.microsoft.com/office/drawing/2014/main" id="{F992BFF7-DDE2-4680-A8E4-8920DD1E8297}"/>
+                <a16:creationId xmlns:a16="http://schemas.microsoft.com/office/drawing/2014/main" id="{F992BFF7-DDE2-4680-A8E4-8920DD1E8297}"/>
               </a:ext>
             </a:extLst>
           </p:cNvPr>
@@ -17700,7 +17728,7 @@
           <p:cNvPr id="3" name="Picture 2" descr="jhtp_07_Arrays_Page_084">
             <a:extLst>
               <a:ext uri="{FF2B5EF4-FFF2-40B4-BE49-F238E27FC236}">
-                <a16:creationId xmlns="" xmlns:a16="http://schemas.microsoft.com/office/drawing/2014/main" id="{DF2F9785-926C-418F-AE0D-079CF32171EB}"/>
+                <a16:creationId xmlns:a16="http://schemas.microsoft.com/office/drawing/2014/main" id="{DF2F9785-926C-418F-AE0D-079CF32171EB}"/>
               </a:ext>
             </a:extLst>
           </p:cNvPr>
@@ -17737,7 +17765,7 @@
           <p:cNvPr id="2" name="Footer Placeholder 1">
             <a:extLst>
               <a:ext uri="{FF2B5EF4-FFF2-40B4-BE49-F238E27FC236}">
-                <a16:creationId xmlns="" xmlns:a16="http://schemas.microsoft.com/office/drawing/2014/main" id="{017DB4C0-CE60-4988-8A8E-F5B1062C3040}"/>
+                <a16:creationId xmlns:a16="http://schemas.microsoft.com/office/drawing/2014/main" id="{017DB4C0-CE60-4988-8A8E-F5B1062C3040}"/>
               </a:ext>
             </a:extLst>
           </p:cNvPr>
@@ -17795,7 +17823,7 @@
           <p:cNvPr id="3" name="Picture 2" descr="jhtp_07_Arrays_Page_085">
             <a:extLst>
               <a:ext uri="{FF2B5EF4-FFF2-40B4-BE49-F238E27FC236}">
-                <a16:creationId xmlns="" xmlns:a16="http://schemas.microsoft.com/office/drawing/2014/main" id="{58A11F39-8E3C-4774-9C40-41B52C0D4483}"/>
+                <a16:creationId xmlns:a16="http://schemas.microsoft.com/office/drawing/2014/main" id="{58A11F39-8E3C-4774-9C40-41B52C0D4483}"/>
               </a:ext>
             </a:extLst>
           </p:cNvPr>
@@ -17832,7 +17860,7 @@
           <p:cNvPr id="2" name="Footer Placeholder 1">
             <a:extLst>
               <a:ext uri="{FF2B5EF4-FFF2-40B4-BE49-F238E27FC236}">
-                <a16:creationId xmlns="" xmlns:a16="http://schemas.microsoft.com/office/drawing/2014/main" id="{F3944FC2-3D2F-4EC0-84C9-5EF6A51D8469}"/>
+                <a16:creationId xmlns:a16="http://schemas.microsoft.com/office/drawing/2014/main" id="{F3944FC2-3D2F-4EC0-84C9-5EF6A51D8469}"/>
               </a:ext>
             </a:extLst>
           </p:cNvPr>
@@ -17890,7 +17918,7 @@
           <p:cNvPr id="3" name="Picture 2" descr="jhtp_07_Arrays_Page_086">
             <a:extLst>
               <a:ext uri="{FF2B5EF4-FFF2-40B4-BE49-F238E27FC236}">
-                <a16:creationId xmlns="" xmlns:a16="http://schemas.microsoft.com/office/drawing/2014/main" id="{073CC88C-D1A2-4ABE-BB86-B105FAB137DD}"/>
+                <a16:creationId xmlns:a16="http://schemas.microsoft.com/office/drawing/2014/main" id="{073CC88C-D1A2-4ABE-BB86-B105FAB137DD}"/>
               </a:ext>
             </a:extLst>
           </p:cNvPr>
@@ -17927,7 +17955,7 @@
           <p:cNvPr id="2" name="Footer Placeholder 1">
             <a:extLst>
               <a:ext uri="{FF2B5EF4-FFF2-40B4-BE49-F238E27FC236}">
-                <a16:creationId xmlns="" xmlns:a16="http://schemas.microsoft.com/office/drawing/2014/main" id="{2F77CC26-E818-46EB-B860-A3AF2A51D11C}"/>
+                <a16:creationId xmlns:a16="http://schemas.microsoft.com/office/drawing/2014/main" id="{2F77CC26-E818-46EB-B860-A3AF2A51D11C}"/>
               </a:ext>
             </a:extLst>
           </p:cNvPr>
@@ -17985,7 +18013,7 @@
           <p:cNvPr id="3" name="Picture 2" descr="jhtp_07_Arrays_Page_087">
             <a:extLst>
               <a:ext uri="{FF2B5EF4-FFF2-40B4-BE49-F238E27FC236}">
-                <a16:creationId xmlns="" xmlns:a16="http://schemas.microsoft.com/office/drawing/2014/main" id="{FB313F6B-A4B9-47CA-A040-8ADB50A1C2F4}"/>
+                <a16:creationId xmlns:a16="http://schemas.microsoft.com/office/drawing/2014/main" id="{FB313F6B-A4B9-47CA-A040-8ADB50A1C2F4}"/>
               </a:ext>
             </a:extLst>
           </p:cNvPr>
@@ -18022,7 +18050,7 @@
           <p:cNvPr id="2" name="Footer Placeholder 1">
             <a:extLst>
               <a:ext uri="{FF2B5EF4-FFF2-40B4-BE49-F238E27FC236}">
-                <a16:creationId xmlns="" xmlns:a16="http://schemas.microsoft.com/office/drawing/2014/main" id="{B46A5DDE-A826-4F17-B889-DC82AC171B28}"/>
+                <a16:creationId xmlns:a16="http://schemas.microsoft.com/office/drawing/2014/main" id="{B46A5DDE-A826-4F17-B889-DC82AC171B28}"/>
               </a:ext>
             </a:extLst>
           </p:cNvPr>
@@ -18080,7 +18108,7 @@
           <p:cNvPr id="3" name="Picture 2" descr="jhtp_07_Arrays_Page_088">
             <a:extLst>
               <a:ext uri="{FF2B5EF4-FFF2-40B4-BE49-F238E27FC236}">
-                <a16:creationId xmlns="" xmlns:a16="http://schemas.microsoft.com/office/drawing/2014/main" id="{DEDA903D-8AC7-462F-B6E0-4E5FA5053E7C}"/>
+                <a16:creationId xmlns:a16="http://schemas.microsoft.com/office/drawing/2014/main" id="{DEDA903D-8AC7-462F-B6E0-4E5FA5053E7C}"/>
               </a:ext>
             </a:extLst>
           </p:cNvPr>
@@ -18117,7 +18145,7 @@
           <p:cNvPr id="2" name="Footer Placeholder 1">
             <a:extLst>
               <a:ext uri="{FF2B5EF4-FFF2-40B4-BE49-F238E27FC236}">
-                <a16:creationId xmlns="" xmlns:a16="http://schemas.microsoft.com/office/drawing/2014/main" id="{7171AC59-6D76-4555-9760-24FFE5342DB3}"/>
+                <a16:creationId xmlns:a16="http://schemas.microsoft.com/office/drawing/2014/main" id="{7171AC59-6D76-4555-9760-24FFE5342DB3}"/>
               </a:ext>
             </a:extLst>
           </p:cNvPr>
@@ -18175,7 +18203,7 @@
           <p:cNvPr id="2" name="Title 1">
             <a:extLst>
               <a:ext uri="{FF2B5EF4-FFF2-40B4-BE49-F238E27FC236}">
-                <a16:creationId xmlns="" xmlns:a16="http://schemas.microsoft.com/office/drawing/2014/main" id="{43D7AE41-3AAC-4A87-9776-2BAD445C7BCB}"/>
+                <a16:creationId xmlns:a16="http://schemas.microsoft.com/office/drawing/2014/main" id="{43D7AE41-3AAC-4A87-9776-2BAD445C7BCB}"/>
               </a:ext>
             </a:extLst>
           </p:cNvPr>
@@ -18215,42 +18243,24 @@
                 </a:solidFill>
                 <a:latin typeface="Calibri" panose="020F0502020204030204" pitchFamily="34" charset="0"/>
               </a:rPr>
-              <a:t>Introduction </a:t>
-            </a:r>
-            <a:r>
-              <a:rPr lang="en-US" dirty="0" smtClean="0">
+              <a:t>Introduction to Collections and Class </a:t>
+            </a:r>
+            <a:r>
+              <a:rPr lang="en-US" dirty="0" err="1">
                 <a:solidFill>
                   <a:srgbClr val="3380E6"/>
                 </a:solidFill>
+                <a:latin typeface="Consolas" panose="020B0609020204030204" pitchFamily="49" charset="0"/>
+              </a:rPr>
+              <a:t>ArrayList</a:t>
+            </a:r>
+            <a:r>
+              <a:rPr lang="en-US" dirty="0">
+                <a:solidFill>
+                  <a:srgbClr val="3380E6"/>
+                </a:solidFill>
                 <a:latin typeface="Calibri" panose="020F0502020204030204" pitchFamily="34" charset="0"/>
               </a:rPr>
-              <a:t>to Collections </a:t>
-            </a:r>
-            <a:r>
-              <a:rPr lang="en-US" dirty="0">
-                <a:solidFill>
-                  <a:srgbClr val="3380E6"/>
-                </a:solidFill>
-                <a:latin typeface="Calibri" panose="020F0502020204030204" pitchFamily="34" charset="0"/>
-              </a:rPr>
-              <a:t>and Class </a:t>
-            </a:r>
-            <a:r>
-              <a:rPr lang="en-US" dirty="0" err="1">
-                <a:solidFill>
-                  <a:srgbClr val="3380E6"/>
-                </a:solidFill>
-                <a:latin typeface="Consolas" panose="020B0609020204030204" pitchFamily="49" charset="0"/>
-              </a:rPr>
-              <a:t>ArrayList</a:t>
-            </a:r>
-            <a:r>
-              <a:rPr lang="en-US" dirty="0">
-                <a:solidFill>
-                  <a:srgbClr val="3380E6"/>
-                </a:solidFill>
-                <a:latin typeface="Calibri" panose="020F0502020204030204" pitchFamily="34" charset="0"/>
-              </a:rPr>
               <a:t> </a:t>
             </a:r>
           </a:p>
@@ -18261,7 +18271,7 @@
           <p:cNvPr id="139267" name="Text Placeholder 2">
             <a:extLst>
               <a:ext uri="{FF2B5EF4-FFF2-40B4-BE49-F238E27FC236}">
-                <a16:creationId xmlns="" xmlns:a16="http://schemas.microsoft.com/office/drawing/2014/main" id="{17F1D30D-C8BF-4DED-BFE3-317153A0AFE7}"/>
+                <a16:creationId xmlns:a16="http://schemas.microsoft.com/office/drawing/2014/main" id="{17F1D30D-C8BF-4DED-BFE3-317153A0AFE7}"/>
               </a:ext>
             </a:extLst>
           </p:cNvPr>
@@ -18469,7 +18479,7 @@
           <p:cNvPr id="4" name="Footer Placeholder 3">
             <a:extLst>
               <a:ext uri="{FF2B5EF4-FFF2-40B4-BE49-F238E27FC236}">
-                <a16:creationId xmlns="" xmlns:a16="http://schemas.microsoft.com/office/drawing/2014/main" id="{F6E466A8-F3D7-4317-8646-EB03182C0799}"/>
+                <a16:creationId xmlns:a16="http://schemas.microsoft.com/office/drawing/2014/main" id="{F6E466A8-F3D7-4317-8646-EB03182C0799}"/>
               </a:ext>
             </a:extLst>
           </p:cNvPr>
@@ -18530,7 +18540,7 @@
           <p:cNvPr id="3" name="Picture 2" descr="jhtp_07_Arrays_Page_091">
             <a:extLst>
               <a:ext uri="{FF2B5EF4-FFF2-40B4-BE49-F238E27FC236}">
-                <a16:creationId xmlns="" xmlns:a16="http://schemas.microsoft.com/office/drawing/2014/main" id="{09B38C36-BE12-4D0A-A347-122BF82007A7}"/>
+                <a16:creationId xmlns:a16="http://schemas.microsoft.com/office/drawing/2014/main" id="{09B38C36-BE12-4D0A-A347-122BF82007A7}"/>
               </a:ext>
             </a:extLst>
           </p:cNvPr>
@@ -18567,7 +18577,7 @@
           <p:cNvPr id="2" name="Footer Placeholder 1">
             <a:extLst>
               <a:ext uri="{FF2B5EF4-FFF2-40B4-BE49-F238E27FC236}">
-                <a16:creationId xmlns="" xmlns:a16="http://schemas.microsoft.com/office/drawing/2014/main" id="{6A2FE8D1-EE1E-4498-B919-665551D1A382}"/>
+                <a16:creationId xmlns:a16="http://schemas.microsoft.com/office/drawing/2014/main" id="{6A2FE8D1-EE1E-4498-B919-665551D1A382}"/>
               </a:ext>
             </a:extLst>
           </p:cNvPr>
@@ -18625,7 +18635,7 @@
           <p:cNvPr id="2" name="Title 1">
             <a:extLst>
               <a:ext uri="{FF2B5EF4-FFF2-40B4-BE49-F238E27FC236}">
-                <a16:creationId xmlns="" xmlns:a16="http://schemas.microsoft.com/office/drawing/2014/main" id="{B47F2AC6-7F3A-4FE1-92FB-DC689782A835}"/>
+                <a16:creationId xmlns:a16="http://schemas.microsoft.com/office/drawing/2014/main" id="{B47F2AC6-7F3A-4FE1-92FB-DC689782A835}"/>
               </a:ext>
             </a:extLst>
           </p:cNvPr>
@@ -18693,7 +18703,7 @@
           <p:cNvPr id="141315" name="Text Placeholder 2">
             <a:extLst>
               <a:ext uri="{FF2B5EF4-FFF2-40B4-BE49-F238E27FC236}">
-                <a16:creationId xmlns="" xmlns:a16="http://schemas.microsoft.com/office/drawing/2014/main" id="{76045AE7-25C1-497F-8ACD-63A6E195CEC7}"/>
+                <a16:creationId xmlns:a16="http://schemas.microsoft.com/office/drawing/2014/main" id="{76045AE7-25C1-497F-8ACD-63A6E195CEC7}"/>
               </a:ext>
             </a:extLst>
           </p:cNvPr>
@@ -18863,7 +18873,7 @@
           <p:cNvPr id="4" name="Footer Placeholder 3">
             <a:extLst>
               <a:ext uri="{FF2B5EF4-FFF2-40B4-BE49-F238E27FC236}">
-                <a16:creationId xmlns="" xmlns:a16="http://schemas.microsoft.com/office/drawing/2014/main" id="{225ACC39-319E-401A-8DA8-C4CFEB6A219D}"/>
+                <a16:creationId xmlns:a16="http://schemas.microsoft.com/office/drawing/2014/main" id="{225ACC39-319E-401A-8DA8-C4CFEB6A219D}"/>
               </a:ext>
             </a:extLst>
           </p:cNvPr>
@@ -18924,7 +18934,7 @@
           <p:cNvPr id="2" name="Title 1">
             <a:extLst>
               <a:ext uri="{FF2B5EF4-FFF2-40B4-BE49-F238E27FC236}">
-                <a16:creationId xmlns="" xmlns:a16="http://schemas.microsoft.com/office/drawing/2014/main" id="{6859D90F-5597-4C89-975A-A96FB06F0D9B}"/>
+                <a16:creationId xmlns:a16="http://schemas.microsoft.com/office/drawing/2014/main" id="{6859D90F-5597-4C89-975A-A96FB06F0D9B}"/>
               </a:ext>
             </a:extLst>
           </p:cNvPr>
@@ -18974,7 +18984,7 @@
           <p:cNvPr id="26627" name="Text Placeholder 2">
             <a:extLst>
               <a:ext uri="{FF2B5EF4-FFF2-40B4-BE49-F238E27FC236}">
-                <a16:creationId xmlns="" xmlns:a16="http://schemas.microsoft.com/office/drawing/2014/main" id="{80B23DDD-7D53-42A6-A594-B35E2DD5DDB6}"/>
+                <a16:creationId xmlns:a16="http://schemas.microsoft.com/office/drawing/2014/main" id="{80B23DDD-7D53-42A6-A594-B35E2DD5DDB6}"/>
               </a:ext>
             </a:extLst>
           </p:cNvPr>
@@ -19108,7 +19118,7 @@
           <p:cNvPr id="4" name="Footer Placeholder 3">
             <a:extLst>
               <a:ext uri="{FF2B5EF4-FFF2-40B4-BE49-F238E27FC236}">
-                <a16:creationId xmlns="" xmlns:a16="http://schemas.microsoft.com/office/drawing/2014/main" id="{64BD2BAF-E970-410B-BCD7-4D40F67FE50C}"/>
+                <a16:creationId xmlns:a16="http://schemas.microsoft.com/office/drawing/2014/main" id="{64BD2BAF-E970-410B-BCD7-4D40F67FE50C}"/>
               </a:ext>
             </a:extLst>
           </p:cNvPr>
@@ -19169,7 +19179,7 @@
           <p:cNvPr id="2" name="Title 1">
             <a:extLst>
               <a:ext uri="{FF2B5EF4-FFF2-40B4-BE49-F238E27FC236}">
-                <a16:creationId xmlns="" xmlns:a16="http://schemas.microsoft.com/office/drawing/2014/main" id="{0D1495BF-5917-43F9-B13F-177BAFC48C40}"/>
+                <a16:creationId xmlns:a16="http://schemas.microsoft.com/office/drawing/2014/main" id="{0D1495BF-5917-43F9-B13F-177BAFC48C40}"/>
               </a:ext>
             </a:extLst>
           </p:cNvPr>
@@ -19237,7 +19247,7 @@
           <p:cNvPr id="142339" name="Text Placeholder 2">
             <a:extLst>
               <a:ext uri="{FF2B5EF4-FFF2-40B4-BE49-F238E27FC236}">
-                <a16:creationId xmlns="" xmlns:a16="http://schemas.microsoft.com/office/drawing/2014/main" id="{88D57E77-9C2D-4E9D-AFF4-1B035126F5A6}"/>
+                <a16:creationId xmlns:a16="http://schemas.microsoft.com/office/drawing/2014/main" id="{88D57E77-9C2D-4E9D-AFF4-1B035126F5A6}"/>
               </a:ext>
             </a:extLst>
           </p:cNvPr>
@@ -19556,7 +19566,7 @@
           <p:cNvPr id="4" name="Footer Placeholder 3">
             <a:extLst>
               <a:ext uri="{FF2B5EF4-FFF2-40B4-BE49-F238E27FC236}">
-                <a16:creationId xmlns="" xmlns:a16="http://schemas.microsoft.com/office/drawing/2014/main" id="{B60E7C9D-7062-46BD-AF5B-3C6A9092D88B}"/>
+                <a16:creationId xmlns:a16="http://schemas.microsoft.com/office/drawing/2014/main" id="{B60E7C9D-7062-46BD-AF5B-3C6A9092D88B}"/>
               </a:ext>
             </a:extLst>
           </p:cNvPr>
@@ -19617,7 +19627,7 @@
           <p:cNvPr id="3" name="Picture 2" descr="jhtp_07_Arrays_Page_092">
             <a:extLst>
               <a:ext uri="{FF2B5EF4-FFF2-40B4-BE49-F238E27FC236}">
-                <a16:creationId xmlns="" xmlns:a16="http://schemas.microsoft.com/office/drawing/2014/main" id="{6FEE7E57-3AA4-49D5-9D01-51C5ADE1C5C6}"/>
+                <a16:creationId xmlns:a16="http://schemas.microsoft.com/office/drawing/2014/main" id="{6FEE7E57-3AA4-49D5-9D01-51C5ADE1C5C6}"/>
               </a:ext>
             </a:extLst>
           </p:cNvPr>
@@ -19654,7 +19664,7 @@
           <p:cNvPr id="2" name="Footer Placeholder 1">
             <a:extLst>
               <a:ext uri="{FF2B5EF4-FFF2-40B4-BE49-F238E27FC236}">
-                <a16:creationId xmlns="" xmlns:a16="http://schemas.microsoft.com/office/drawing/2014/main" id="{DCF54A46-A0A8-4B8D-A4C9-E56AF2511E2A}"/>
+                <a16:creationId xmlns:a16="http://schemas.microsoft.com/office/drawing/2014/main" id="{DCF54A46-A0A8-4B8D-A4C9-E56AF2511E2A}"/>
               </a:ext>
             </a:extLst>
           </p:cNvPr>
@@ -19687,13 +19697,6 @@
   <p:clrMapOvr>
     <a:masterClrMapping/>
   </p:clrMapOvr>
-  <p:timing>
-    <p:tnLst>
-      <p:par>
-        <p:cTn id="1" dur="indefinite" restart="never" nodeType="tmRoot"/>
-      </p:par>
-    </p:tnLst>
-  </p:timing>
 </p:sld>
 </file>
 
@@ -19719,7 +19722,7 @@
           <p:cNvPr id="3" name="Picture 2" descr="jhtp_07_Arrays_Page_093">
             <a:extLst>
               <a:ext uri="{FF2B5EF4-FFF2-40B4-BE49-F238E27FC236}">
-                <a16:creationId xmlns="" xmlns:a16="http://schemas.microsoft.com/office/drawing/2014/main" id="{D155CD5D-71F8-432E-8C0F-172F89C6D555}"/>
+                <a16:creationId xmlns:a16="http://schemas.microsoft.com/office/drawing/2014/main" id="{D155CD5D-71F8-432E-8C0F-172F89C6D555}"/>
               </a:ext>
             </a:extLst>
           </p:cNvPr>
@@ -19756,7 +19759,7 @@
           <p:cNvPr id="2" name="Footer Placeholder 1">
             <a:extLst>
               <a:ext uri="{FF2B5EF4-FFF2-40B4-BE49-F238E27FC236}">
-                <a16:creationId xmlns="" xmlns:a16="http://schemas.microsoft.com/office/drawing/2014/main" id="{18AC1775-A206-4F76-9FB9-86D02B5C3BBA}"/>
+                <a16:creationId xmlns:a16="http://schemas.microsoft.com/office/drawing/2014/main" id="{18AC1775-A206-4F76-9FB9-86D02B5C3BBA}"/>
               </a:ext>
             </a:extLst>
           </p:cNvPr>
@@ -19789,13 +19792,6 @@
   <p:clrMapOvr>
     <a:masterClrMapping/>
   </p:clrMapOvr>
-  <p:timing>
-    <p:tnLst>
-      <p:par>
-        <p:cTn id="1" dur="indefinite" restart="never" nodeType="tmRoot"/>
-      </p:par>
-    </p:tnLst>
-  </p:timing>
 </p:sld>
 </file>
 
@@ -19821,7 +19817,7 @@
           <p:cNvPr id="3" name="Picture 2" descr="jhtp_07_Arrays_Page_094">
             <a:extLst>
               <a:ext uri="{FF2B5EF4-FFF2-40B4-BE49-F238E27FC236}">
-                <a16:creationId xmlns="" xmlns:a16="http://schemas.microsoft.com/office/drawing/2014/main" id="{F4495731-32B2-4458-97B1-8BD3AF535922}"/>
+                <a16:creationId xmlns:a16="http://schemas.microsoft.com/office/drawing/2014/main" id="{F4495731-32B2-4458-97B1-8BD3AF535922}"/>
               </a:ext>
             </a:extLst>
           </p:cNvPr>
@@ -19858,7 +19854,7 @@
           <p:cNvPr id="2" name="Footer Placeholder 1">
             <a:extLst>
               <a:ext uri="{FF2B5EF4-FFF2-40B4-BE49-F238E27FC236}">
-                <a16:creationId xmlns="" xmlns:a16="http://schemas.microsoft.com/office/drawing/2014/main" id="{9C8D06E6-A254-439B-A3EE-82D875B7AF21}"/>
+                <a16:creationId xmlns:a16="http://schemas.microsoft.com/office/drawing/2014/main" id="{9C8D06E6-A254-439B-A3EE-82D875B7AF21}"/>
               </a:ext>
             </a:extLst>
           </p:cNvPr>
@@ -19891,13 +19887,6 @@
   <p:clrMapOvr>
     <a:masterClrMapping/>
   </p:clrMapOvr>
-  <p:timing>
-    <p:tnLst>
-      <p:par>
-        <p:cTn id="1" dur="indefinite" restart="never" nodeType="tmRoot"/>
-      </p:par>
-    </p:tnLst>
-  </p:timing>
 </p:sld>
 </file>
 
@@ -19923,7 +19912,7 @@
           <p:cNvPr id="3" name="Picture 2" descr="jhtp_07_Arrays_Page_095">
             <a:extLst>
               <a:ext uri="{FF2B5EF4-FFF2-40B4-BE49-F238E27FC236}">
-                <a16:creationId xmlns="" xmlns:a16="http://schemas.microsoft.com/office/drawing/2014/main" id="{4568E53E-BF79-49AB-81E2-66B7D8A444E9}"/>
+                <a16:creationId xmlns:a16="http://schemas.microsoft.com/office/drawing/2014/main" id="{4568E53E-BF79-49AB-81E2-66B7D8A444E9}"/>
               </a:ext>
             </a:extLst>
           </p:cNvPr>
@@ -19960,7 +19949,7 @@
           <p:cNvPr id="2" name="Footer Placeholder 1">
             <a:extLst>
               <a:ext uri="{FF2B5EF4-FFF2-40B4-BE49-F238E27FC236}">
-                <a16:creationId xmlns="" xmlns:a16="http://schemas.microsoft.com/office/drawing/2014/main" id="{B3C77ED6-8F47-42CD-A845-8084358AB858}"/>
+                <a16:creationId xmlns:a16="http://schemas.microsoft.com/office/drawing/2014/main" id="{B3C77ED6-8F47-42CD-A845-8084358AB858}"/>
               </a:ext>
             </a:extLst>
           </p:cNvPr>
@@ -19993,13 +19982,6 @@
   <p:clrMapOvr>
     <a:masterClrMapping/>
   </p:clrMapOvr>
-  <p:timing>
-    <p:tnLst>
-      <p:par>
-        <p:cTn id="1" dur="indefinite" restart="never" nodeType="tmRoot"/>
-      </p:par>
-    </p:tnLst>
-  </p:timing>
 </p:sld>
 </file>
 
@@ -20025,7 +20007,7 @@
           <p:cNvPr id="2" name="Title 1">
             <a:extLst>
               <a:ext uri="{FF2B5EF4-FFF2-40B4-BE49-F238E27FC236}">
-                <a16:creationId xmlns="" xmlns:a16="http://schemas.microsoft.com/office/drawing/2014/main" id="{33F3321E-0520-45DF-A5B1-E6B8986396F3}"/>
+                <a16:creationId xmlns:a16="http://schemas.microsoft.com/office/drawing/2014/main" id="{33F3321E-0520-45DF-A5B1-E6B8986396F3}"/>
               </a:ext>
             </a:extLst>
           </p:cNvPr>
@@ -20093,7 +20075,7 @@
           <p:cNvPr id="132099" name="Text Placeholder 2">
             <a:extLst>
               <a:ext uri="{FF2B5EF4-FFF2-40B4-BE49-F238E27FC236}">
-                <a16:creationId xmlns="" xmlns:a16="http://schemas.microsoft.com/office/drawing/2014/main" id="{09B9EFC6-92FE-438C-A68A-54EDA36CE874}"/>
+                <a16:creationId xmlns:a16="http://schemas.microsoft.com/office/drawing/2014/main" id="{09B9EFC6-92FE-438C-A68A-54EDA36CE874}"/>
               </a:ext>
             </a:extLst>
           </p:cNvPr>
@@ -20310,7 +20292,7 @@
           <p:cNvPr id="4" name="Footer Placeholder 3">
             <a:extLst>
               <a:ext uri="{FF2B5EF4-FFF2-40B4-BE49-F238E27FC236}">
-                <a16:creationId xmlns="" xmlns:a16="http://schemas.microsoft.com/office/drawing/2014/main" id="{D9B51807-D7DC-4EE9-A641-EC4E7F4C832C}"/>
+                <a16:creationId xmlns:a16="http://schemas.microsoft.com/office/drawing/2014/main" id="{D9B51807-D7DC-4EE9-A641-EC4E7F4C832C}"/>
               </a:ext>
             </a:extLst>
           </p:cNvPr>
@@ -20346,13 +20328,6 @@
   <p:clrMapOvr>
     <a:masterClrMapping/>
   </p:clrMapOvr>
-  <p:timing>
-    <p:tnLst>
-      <p:par>
-        <p:cTn id="1" dur="indefinite" restart="never" nodeType="tmRoot"/>
-      </p:par>
-    </p:tnLst>
-  </p:timing>
 </p:sld>
 </file>
 
@@ -20378,7 +20353,7 @@
           <p:cNvPr id="2" name="Title 1">
             <a:extLst>
               <a:ext uri="{FF2B5EF4-FFF2-40B4-BE49-F238E27FC236}">
-                <a16:creationId xmlns="" xmlns:a16="http://schemas.microsoft.com/office/drawing/2014/main" id="{3B73BC9E-7F6D-4BFA-B379-057D6BF8D098}"/>
+                <a16:creationId xmlns:a16="http://schemas.microsoft.com/office/drawing/2014/main" id="{3B73BC9E-7F6D-4BFA-B379-057D6BF8D098}"/>
               </a:ext>
             </a:extLst>
           </p:cNvPr>
@@ -20446,7 +20421,7 @@
           <p:cNvPr id="151555" name="Text Placeholder 2">
             <a:extLst>
               <a:ext uri="{FF2B5EF4-FFF2-40B4-BE49-F238E27FC236}">
-                <a16:creationId xmlns="" xmlns:a16="http://schemas.microsoft.com/office/drawing/2014/main" id="{DCC0A1EE-473F-4D30-A26E-FF6B5DA9D05B}"/>
+                <a16:creationId xmlns:a16="http://schemas.microsoft.com/office/drawing/2014/main" id="{DCC0A1EE-473F-4D30-A26E-FF6B5DA9D05B}"/>
               </a:ext>
             </a:extLst>
           </p:cNvPr>
@@ -20522,7 +20497,7 @@
               <a:t>ArrayList</a:t>
             </a:r>
             <a:r>
-              <a:rPr lang="en-US" altLang="en-US" sz="1800" dirty="0" smtClean="0">
+              <a:rPr lang="en-US" altLang="en-US" sz="1800" dirty="0">
                 <a:solidFill>
                   <a:srgbClr val="000000"/>
                 </a:solidFill>
@@ -20629,7 +20604,7 @@
           <p:cNvPr id="4" name="Footer Placeholder 3">
             <a:extLst>
               <a:ext uri="{FF2B5EF4-FFF2-40B4-BE49-F238E27FC236}">
-                <a16:creationId xmlns="" xmlns:a16="http://schemas.microsoft.com/office/drawing/2014/main" id="{B5761B49-5847-4003-9EBA-A7A15F66B0A8}"/>
+                <a16:creationId xmlns:a16="http://schemas.microsoft.com/office/drawing/2014/main" id="{B5761B49-5847-4003-9EBA-A7A15F66B0A8}"/>
               </a:ext>
             </a:extLst>
           </p:cNvPr>
@@ -20665,13 +20640,6 @@
   <p:clrMapOvr>
     <a:masterClrMapping/>
   </p:clrMapOvr>
-  <p:timing>
-    <p:tnLst>
-      <p:par>
-        <p:cTn id="1" dur="indefinite" restart="never" nodeType="tmRoot"/>
-      </p:par>
-    </p:tnLst>
-  </p:timing>
 </p:sld>
 </file>
 
@@ -20697,7 +20665,7 @@
           <p:cNvPr id="2" name="Title 1">
             <a:extLst>
               <a:ext uri="{FF2B5EF4-FFF2-40B4-BE49-F238E27FC236}">
-                <a16:creationId xmlns="" xmlns:a16="http://schemas.microsoft.com/office/drawing/2014/main" id="{9FB1ECF4-433B-40E7-952B-CA77A4E73D56}"/>
+                <a16:creationId xmlns:a16="http://schemas.microsoft.com/office/drawing/2014/main" id="{9FB1ECF4-433B-40E7-952B-CA77A4E73D56}"/>
               </a:ext>
             </a:extLst>
           </p:cNvPr>
@@ -20720,7 +20688,7 @@
               <a:defRPr/>
             </a:pPr>
             <a:r>
-              <a:rPr lang="en-US" smtClean="0">
+              <a:rPr lang="en-US">
                 <a:solidFill>
                   <a:srgbClr val="3380E6"/>
                 </a:solidFill>
@@ -20729,7 +20697,7 @@
               <a:t>Chapter Objectives </a:t>
             </a:r>
             <a:r>
-              <a:rPr lang="en-US" dirty="0" smtClean="0">
+              <a:rPr lang="en-US" dirty="0">
                 <a:solidFill>
                   <a:srgbClr val="3380E6"/>
                 </a:solidFill>
@@ -20738,7 +20706,7 @@
               <a:t>– </a:t>
             </a:r>
             <a:r>
-              <a:rPr lang="en-US" i="1" dirty="0" smtClean="0">
+              <a:rPr lang="en-US" i="1" dirty="0">
                 <a:solidFill>
                   <a:srgbClr val="3380E6"/>
                 </a:solidFill>
@@ -20746,12 +20714,6 @@
               </a:rPr>
               <a:t>What we covered</a:t>
             </a:r>
-            <a:endParaRPr lang="en-US" i="1" dirty="0">
-              <a:solidFill>
-                <a:srgbClr val="3380E6"/>
-              </a:solidFill>
-              <a:latin typeface="Calibri" panose="020F0502020204030204" pitchFamily="34" charset="0"/>
-            </a:endParaRPr>
           </a:p>
         </p:txBody>
       </p:sp>
@@ -20760,7 +20722,7 @@
           <p:cNvPr id="14339" name="Text Placeholder 2">
             <a:extLst>
               <a:ext uri="{FF2B5EF4-FFF2-40B4-BE49-F238E27FC236}">
-                <a16:creationId xmlns="" xmlns:a16="http://schemas.microsoft.com/office/drawing/2014/main" id="{A5674EEA-A6AA-4737-ADE0-15E069D87C6E}"/>
+                <a16:creationId xmlns:a16="http://schemas.microsoft.com/office/drawing/2014/main" id="{A5674EEA-A6AA-4737-ADE0-15E069D87C6E}"/>
               </a:ext>
             </a:extLst>
           </p:cNvPr>
@@ -20893,21 +20855,8 @@
                   <a:srgbClr val="000000"/>
                 </a:solidFill>
               </a:rPr>
-              <a:t> and how to manipulate a dynamically resizable array-like data structure</a:t>
-            </a:r>
-            <a:r>
-              <a:rPr lang="en-US" altLang="en-US" dirty="0" smtClean="0">
-                <a:solidFill>
-                  <a:srgbClr val="000000"/>
-                </a:solidFill>
-              </a:rPr>
-              <a:t>. </a:t>
-            </a:r>
-            <a:endParaRPr lang="en-US" altLang="en-US" dirty="0">
-              <a:solidFill>
-                <a:srgbClr val="000000"/>
-              </a:solidFill>
-            </a:endParaRPr>
+              <a:t> and how to manipulate a dynamically resizable array-like data structure. </a:t>
+            </a:r>
           </a:p>
         </p:txBody>
       </p:sp>
@@ -20916,7 +20865,7 @@
           <p:cNvPr id="4" name="Footer Placeholder 3">
             <a:extLst>
               <a:ext uri="{FF2B5EF4-FFF2-40B4-BE49-F238E27FC236}">
-                <a16:creationId xmlns="" xmlns:a16="http://schemas.microsoft.com/office/drawing/2014/main" id="{912A59BC-2C51-47DC-9CE9-C93F65A523C8}"/>
+                <a16:creationId xmlns:a16="http://schemas.microsoft.com/office/drawing/2014/main" id="{912A59BC-2C51-47DC-9CE9-C93F65A523C8}"/>
               </a:ext>
             </a:extLst>
           </p:cNvPr>
@@ -20952,13 +20901,6 @@
   <p:clrMapOvr>
     <a:masterClrMapping/>
   </p:clrMapOvr>
-  <p:timing>
-    <p:tnLst>
-      <p:par>
-        <p:cTn id="1" dur="indefinite" restart="never" nodeType="tmRoot"/>
-      </p:par>
-    </p:tnLst>
-  </p:timing>
 </p:sld>
 </file>
 
@@ -20984,7 +20926,7 @@
           <p:cNvPr id="2" name="Title 1">
             <a:extLst>
               <a:ext uri="{FF2B5EF4-FFF2-40B4-BE49-F238E27FC236}">
-                <a16:creationId xmlns="" xmlns:a16="http://schemas.microsoft.com/office/drawing/2014/main" id="{8A81ABCB-B57C-433C-A810-070122A8229A}"/>
+                <a16:creationId xmlns:a16="http://schemas.microsoft.com/office/drawing/2014/main" id="{8A81ABCB-B57C-433C-A810-070122A8229A}"/>
               </a:ext>
             </a:extLst>
           </p:cNvPr>
@@ -21023,7 +20965,7 @@
           <p:cNvPr id="3" name="Footer Placeholder 2">
             <a:extLst>
               <a:ext uri="{FF2B5EF4-FFF2-40B4-BE49-F238E27FC236}">
-                <a16:creationId xmlns="" xmlns:a16="http://schemas.microsoft.com/office/drawing/2014/main" id="{6C6139E5-441C-4BB7-A680-0DCE5778E178}"/>
+                <a16:creationId xmlns:a16="http://schemas.microsoft.com/office/drawing/2014/main" id="{6C6139E5-441C-4BB7-A680-0DCE5778E178}"/>
               </a:ext>
             </a:extLst>
           </p:cNvPr>
@@ -21081,7 +21023,7 @@
           <p:cNvPr id="2" name="Title 1">
             <a:extLst>
               <a:ext uri="{FF2B5EF4-FFF2-40B4-BE49-F238E27FC236}">
-                <a16:creationId xmlns="" xmlns:a16="http://schemas.microsoft.com/office/drawing/2014/main" id="{2368102E-AC68-4D81-B3F2-143227E6CED7}"/>
+                <a16:creationId xmlns:a16="http://schemas.microsoft.com/office/drawing/2014/main" id="{2368102E-AC68-4D81-B3F2-143227E6CED7}"/>
               </a:ext>
             </a:extLst>
           </p:cNvPr>
@@ -21129,7 +21071,7 @@
           <p:cNvPr id="27651" name="Text Placeholder 2">
             <a:extLst>
               <a:ext uri="{FF2B5EF4-FFF2-40B4-BE49-F238E27FC236}">
-                <a16:creationId xmlns="" xmlns:a16="http://schemas.microsoft.com/office/drawing/2014/main" id="{5C533274-1FE9-44A2-B037-0553CA42DBD9}"/>
+                <a16:creationId xmlns:a16="http://schemas.microsoft.com/office/drawing/2014/main" id="{5C533274-1FE9-44A2-B037-0553CA42DBD9}"/>
               </a:ext>
             </a:extLst>
           </p:cNvPr>
@@ -21162,7 +21104,7 @@
           <p:cNvPr id="4" name="Footer Placeholder 3">
             <a:extLst>
               <a:ext uri="{FF2B5EF4-FFF2-40B4-BE49-F238E27FC236}">
-                <a16:creationId xmlns="" xmlns:a16="http://schemas.microsoft.com/office/drawing/2014/main" id="{FDBE2D2C-5114-46D9-A5A5-91106D1C277A}"/>
+                <a16:creationId xmlns:a16="http://schemas.microsoft.com/office/drawing/2014/main" id="{FDBE2D2C-5114-46D9-A5A5-91106D1C277A}"/>
               </a:ext>
             </a:extLst>
           </p:cNvPr>
@@ -21223,7 +21165,7 @@
           <p:cNvPr id="2" name="Title 1">
             <a:extLst>
               <a:ext uri="{FF2B5EF4-FFF2-40B4-BE49-F238E27FC236}">
-                <a16:creationId xmlns="" xmlns:a16="http://schemas.microsoft.com/office/drawing/2014/main" id="{E05C079B-6ABE-4261-A85B-97B01BF0105B}"/>
+                <a16:creationId xmlns:a16="http://schemas.microsoft.com/office/drawing/2014/main" id="{E05C079B-6ABE-4261-A85B-97B01BF0105B}"/>
               </a:ext>
             </a:extLst>
           </p:cNvPr>
@@ -21270,7 +21212,7 @@
           <p:cNvPr id="28675" name="Text Placeholder 2">
             <a:extLst>
               <a:ext uri="{FF2B5EF4-FFF2-40B4-BE49-F238E27FC236}">
-                <a16:creationId xmlns="" xmlns:a16="http://schemas.microsoft.com/office/drawing/2014/main" id="{51B1C9F9-1DB9-45BC-9D55-860F8E86D39E}"/>
+                <a16:creationId xmlns:a16="http://schemas.microsoft.com/office/drawing/2014/main" id="{51B1C9F9-1DB9-45BC-9D55-860F8E86D39E}"/>
               </a:ext>
             </a:extLst>
           </p:cNvPr>
@@ -21354,7 +21296,7 @@
           <p:cNvPr id="4" name="Footer Placeholder 3">
             <a:extLst>
               <a:ext uri="{FF2B5EF4-FFF2-40B4-BE49-F238E27FC236}">
-                <a16:creationId xmlns="" xmlns:a16="http://schemas.microsoft.com/office/drawing/2014/main" id="{1FDB0888-640C-4411-B90C-4E48F5679053}"/>
+                <a16:creationId xmlns:a16="http://schemas.microsoft.com/office/drawing/2014/main" id="{1FDB0888-640C-4411-B90C-4E48F5679053}"/>
               </a:ext>
             </a:extLst>
           </p:cNvPr>
@@ -21415,7 +21357,7 @@
           <p:cNvPr id="3" name="Picture 2" descr="jhtp_07_Arrays_Page_014">
             <a:extLst>
               <a:ext uri="{FF2B5EF4-FFF2-40B4-BE49-F238E27FC236}">
-                <a16:creationId xmlns="" xmlns:a16="http://schemas.microsoft.com/office/drawing/2014/main" id="{BC4EB798-28F5-4C59-9357-4BA031CB504B}"/>
+                <a16:creationId xmlns:a16="http://schemas.microsoft.com/office/drawing/2014/main" id="{BC4EB798-28F5-4C59-9357-4BA031CB504B}"/>
               </a:ext>
             </a:extLst>
           </p:cNvPr>
@@ -21452,7 +21394,7 @@
           <p:cNvPr id="2" name="Footer Placeholder 1">
             <a:extLst>
               <a:ext uri="{FF2B5EF4-FFF2-40B4-BE49-F238E27FC236}">
-                <a16:creationId xmlns="" xmlns:a16="http://schemas.microsoft.com/office/drawing/2014/main" id="{6A5A3339-9646-4A37-8477-DEFA8C53A0AD}"/>
+                <a16:creationId xmlns:a16="http://schemas.microsoft.com/office/drawing/2014/main" id="{6A5A3339-9646-4A37-8477-DEFA8C53A0AD}"/>
               </a:ext>
             </a:extLst>
           </p:cNvPr>
@@ -21510,7 +21452,7 @@
           <p:cNvPr id="3" name="Picture 2" descr="jhtp_07_Arrays_Page_015">
             <a:extLst>
               <a:ext uri="{FF2B5EF4-FFF2-40B4-BE49-F238E27FC236}">
-                <a16:creationId xmlns="" xmlns:a16="http://schemas.microsoft.com/office/drawing/2014/main" id="{6BEC73D8-050B-4B7B-A22D-FAC4FAC76FA0}"/>
+                <a16:creationId xmlns:a16="http://schemas.microsoft.com/office/drawing/2014/main" id="{6BEC73D8-050B-4B7B-A22D-FAC4FAC76FA0}"/>
               </a:ext>
             </a:extLst>
           </p:cNvPr>
@@ -21547,7 +21489,7 @@
           <p:cNvPr id="2" name="Footer Placeholder 1">
             <a:extLst>
               <a:ext uri="{FF2B5EF4-FFF2-40B4-BE49-F238E27FC236}">
-                <a16:creationId xmlns="" xmlns:a16="http://schemas.microsoft.com/office/drawing/2014/main" id="{61C4F5E0-2A9B-4D82-97B4-6B01F3048ED8}"/>
+                <a16:creationId xmlns:a16="http://schemas.microsoft.com/office/drawing/2014/main" id="{61C4F5E0-2A9B-4D82-97B4-6B01F3048ED8}"/>
               </a:ext>
             </a:extLst>
           </p:cNvPr>
@@ -21605,7 +21547,7 @@
           <p:cNvPr id="2" name="Title 1">
             <a:extLst>
               <a:ext uri="{FF2B5EF4-FFF2-40B4-BE49-F238E27FC236}">
-                <a16:creationId xmlns="" xmlns:a16="http://schemas.microsoft.com/office/drawing/2014/main" id="{38BAD743-7C06-4CF3-87FA-FFF4C383FDB6}"/>
+                <a16:creationId xmlns:a16="http://schemas.microsoft.com/office/drawing/2014/main" id="{38BAD743-7C06-4CF3-87FA-FFF4C383FDB6}"/>
               </a:ext>
             </a:extLst>
           </p:cNvPr>
@@ -21650,7 +21592,7 @@
           <p:cNvPr id="31747" name="Text Placeholder 2">
             <a:extLst>
               <a:ext uri="{FF2B5EF4-FFF2-40B4-BE49-F238E27FC236}">
-                <a16:creationId xmlns="" xmlns:a16="http://schemas.microsoft.com/office/drawing/2014/main" id="{F92E5215-710F-4B62-A5ED-307049F076D0}"/>
+                <a16:creationId xmlns:a16="http://schemas.microsoft.com/office/drawing/2014/main" id="{F92E5215-710F-4B62-A5ED-307049F076D0}"/>
               </a:ext>
             </a:extLst>
           </p:cNvPr>
@@ -21935,7 +21877,7 @@
           <p:cNvPr id="4" name="Footer Placeholder 3">
             <a:extLst>
               <a:ext uri="{FF2B5EF4-FFF2-40B4-BE49-F238E27FC236}">
-                <a16:creationId xmlns="" xmlns:a16="http://schemas.microsoft.com/office/drawing/2014/main" id="{8BA20447-BAE4-4F59-843B-8EE7A2EE37DD}"/>
+                <a16:creationId xmlns:a16="http://schemas.microsoft.com/office/drawing/2014/main" id="{8BA20447-BAE4-4F59-843B-8EE7A2EE37DD}"/>
               </a:ext>
             </a:extLst>
           </p:cNvPr>
@@ -21996,7 +21938,7 @@
           <p:cNvPr id="3" name="Picture 2" descr="jhtp_07_Arrays_Page_016">
             <a:extLst>
               <a:ext uri="{FF2B5EF4-FFF2-40B4-BE49-F238E27FC236}">
-                <a16:creationId xmlns="" xmlns:a16="http://schemas.microsoft.com/office/drawing/2014/main" id="{0700C19D-8EBD-4FE1-9711-9F9547D90DDA}"/>
+                <a16:creationId xmlns:a16="http://schemas.microsoft.com/office/drawing/2014/main" id="{0700C19D-8EBD-4FE1-9711-9F9547D90DDA}"/>
               </a:ext>
             </a:extLst>
           </p:cNvPr>
@@ -22033,7 +21975,7 @@
           <p:cNvPr id="2" name="Footer Placeholder 1">
             <a:extLst>
               <a:ext uri="{FF2B5EF4-FFF2-40B4-BE49-F238E27FC236}">
-                <a16:creationId xmlns="" xmlns:a16="http://schemas.microsoft.com/office/drawing/2014/main" id="{75834B06-2515-40F1-8467-0263DB4B452D}"/>
+                <a16:creationId xmlns:a16="http://schemas.microsoft.com/office/drawing/2014/main" id="{75834B06-2515-40F1-8467-0263DB4B452D}"/>
               </a:ext>
             </a:extLst>
           </p:cNvPr>
@@ -22091,7 +22033,7 @@
           <p:cNvPr id="3" name="Picture 2" descr="jhtp_07_Arrays_Page_017">
             <a:extLst>
               <a:ext uri="{FF2B5EF4-FFF2-40B4-BE49-F238E27FC236}">
-                <a16:creationId xmlns="" xmlns:a16="http://schemas.microsoft.com/office/drawing/2014/main" id="{9AD9271A-ACA3-4939-B9F9-777A0AA07F18}"/>
+                <a16:creationId xmlns:a16="http://schemas.microsoft.com/office/drawing/2014/main" id="{9AD9271A-ACA3-4939-B9F9-777A0AA07F18}"/>
               </a:ext>
             </a:extLst>
           </p:cNvPr>
@@ -22128,7 +22070,7 @@
           <p:cNvPr id="2" name="Footer Placeholder 1">
             <a:extLst>
               <a:ext uri="{FF2B5EF4-FFF2-40B4-BE49-F238E27FC236}">
-                <a16:creationId xmlns="" xmlns:a16="http://schemas.microsoft.com/office/drawing/2014/main" id="{E766EC17-4050-469E-BBF6-707770BBE5EA}"/>
+                <a16:creationId xmlns:a16="http://schemas.microsoft.com/office/drawing/2014/main" id="{E766EC17-4050-469E-BBF6-707770BBE5EA}"/>
               </a:ext>
             </a:extLst>
           </p:cNvPr>
@@ -22186,7 +22128,7 @@
           <p:cNvPr id="2" name="Title 1">
             <a:extLst>
               <a:ext uri="{FF2B5EF4-FFF2-40B4-BE49-F238E27FC236}">
-                <a16:creationId xmlns="" xmlns:a16="http://schemas.microsoft.com/office/drawing/2014/main" id="{05CDD510-2358-401C-8F2F-70EB8250E5EF}"/>
+                <a16:creationId xmlns:a16="http://schemas.microsoft.com/office/drawing/2014/main" id="{05CDD510-2358-401C-8F2F-70EB8250E5EF}"/>
               </a:ext>
             </a:extLst>
           </p:cNvPr>
@@ -22233,7 +22175,7 @@
           <p:cNvPr id="34819" name="Text Placeholder 2">
             <a:extLst>
               <a:ext uri="{FF2B5EF4-FFF2-40B4-BE49-F238E27FC236}">
-                <a16:creationId xmlns="" xmlns:a16="http://schemas.microsoft.com/office/drawing/2014/main" id="{11EA784E-D731-482B-B526-89D10A652628}"/>
+                <a16:creationId xmlns:a16="http://schemas.microsoft.com/office/drawing/2014/main" id="{11EA784E-D731-482B-B526-89D10A652628}"/>
               </a:ext>
             </a:extLst>
           </p:cNvPr>
@@ -22334,7 +22276,7 @@
           <p:cNvPr id="4" name="Footer Placeholder 3">
             <a:extLst>
               <a:ext uri="{FF2B5EF4-FFF2-40B4-BE49-F238E27FC236}">
-                <a16:creationId xmlns="" xmlns:a16="http://schemas.microsoft.com/office/drawing/2014/main" id="{2EA84A85-2067-4191-81F4-C32E6A58CB5A}"/>
+                <a16:creationId xmlns:a16="http://schemas.microsoft.com/office/drawing/2014/main" id="{2EA84A85-2067-4191-81F4-C32E6A58CB5A}"/>
               </a:ext>
             </a:extLst>
           </p:cNvPr>
@@ -22395,7 +22337,7 @@
           <p:cNvPr id="2" name="Title 1">
             <a:extLst>
               <a:ext uri="{FF2B5EF4-FFF2-40B4-BE49-F238E27FC236}">
-                <a16:creationId xmlns="" xmlns:a16="http://schemas.microsoft.com/office/drawing/2014/main" id="{9FB1ECF4-433B-40E7-952B-CA77A4E73D56}"/>
+                <a16:creationId xmlns:a16="http://schemas.microsoft.com/office/drawing/2014/main" id="{9FB1ECF4-433B-40E7-952B-CA77A4E73D56}"/>
               </a:ext>
             </a:extLst>
           </p:cNvPr>
@@ -22418,7 +22360,7 @@
               <a:defRPr/>
             </a:pPr>
             <a:r>
-              <a:rPr lang="en-US" dirty="0" smtClean="0">
+              <a:rPr lang="en-US" dirty="0">
                 <a:solidFill>
                   <a:srgbClr val="3380E6"/>
                 </a:solidFill>
@@ -22426,12 +22368,6 @@
               </a:rPr>
               <a:t>Course Objectives</a:t>
             </a:r>
-            <a:endParaRPr lang="en-US" dirty="0">
-              <a:solidFill>
-                <a:srgbClr val="3380E6"/>
-              </a:solidFill>
-              <a:latin typeface="Calibri" panose="020F0502020204030204" pitchFamily="34" charset="0"/>
-            </a:endParaRPr>
           </a:p>
         </p:txBody>
       </p:sp>
@@ -22440,7 +22376,7 @@
           <p:cNvPr id="14339" name="Text Placeholder 2">
             <a:extLst>
               <a:ext uri="{FF2B5EF4-FFF2-40B4-BE49-F238E27FC236}">
-                <a16:creationId xmlns="" xmlns:a16="http://schemas.microsoft.com/office/drawing/2014/main" id="{A5674EEA-A6AA-4737-ADE0-15E069D87C6E}"/>
+                <a16:creationId xmlns:a16="http://schemas.microsoft.com/office/drawing/2014/main" id="{A5674EEA-A6AA-4737-ADE0-15E069D87C6E}"/>
               </a:ext>
             </a:extLst>
           </p:cNvPr>
@@ -22458,7 +22394,7 @@
           <a:p>
             <a:pPr eaLnBrk="1" hangingPunct="1"/>
             <a:r>
-              <a:rPr lang="en-US" altLang="en-US" dirty="0" smtClean="0">
+              <a:rPr lang="en-US" altLang="en-US" dirty="0">
                 <a:solidFill>
                   <a:srgbClr val="000000"/>
                 </a:solidFill>
@@ -22469,7 +22405,7 @@
           <a:p>
             <a:pPr eaLnBrk="1" hangingPunct="1"/>
             <a:r>
-              <a:rPr lang="en-US" altLang="en-US" dirty="0" smtClean="0">
+              <a:rPr lang="en-US" altLang="en-US" dirty="0">
                 <a:solidFill>
                   <a:srgbClr val="000000"/>
                 </a:solidFill>
@@ -22480,7 +22416,7 @@
           <a:p>
             <a:pPr eaLnBrk="1" hangingPunct="1"/>
             <a:r>
-              <a:rPr lang="en-US" altLang="en-US" dirty="0" smtClean="0">
+              <a:rPr lang="en-US" altLang="en-US" dirty="0">
                 <a:solidFill>
                   <a:srgbClr val="000000"/>
                 </a:solidFill>
@@ -22488,20 +22424,12 @@
               <a:t>Understand and use the basics of software </a:t>
             </a:r>
             <a:r>
-              <a:rPr lang="en-US" altLang="en-US" smtClean="0">
-                <a:solidFill>
-                  <a:srgbClr val="000000"/>
-                </a:solidFill>
-              </a:rPr>
-              <a:t>development </a:t>
-            </a:r>
-            <a:r>
-              <a:rPr lang="en-US" altLang="en-US" smtClean="0">
-                <a:solidFill>
-                  <a:srgbClr val="000000"/>
-                </a:solidFill>
-              </a:rPr>
-              <a:t>principles.</a:t>
+              <a:rPr lang="en-US" altLang="en-US">
+                <a:solidFill>
+                  <a:srgbClr val="000000"/>
+                </a:solidFill>
+              </a:rPr>
+              <a:t>development principles.</a:t>
             </a:r>
             <a:endParaRPr lang="en-US" altLang="en-US" dirty="0">
               <a:solidFill>
@@ -22516,7 +22444,7 @@
           <p:cNvPr id="4" name="Footer Placeholder 3">
             <a:extLst>
               <a:ext uri="{FF2B5EF4-FFF2-40B4-BE49-F238E27FC236}">
-                <a16:creationId xmlns="" xmlns:a16="http://schemas.microsoft.com/office/drawing/2014/main" id="{912A59BC-2C51-47DC-9CE9-C93F65A523C8}"/>
+                <a16:creationId xmlns:a16="http://schemas.microsoft.com/office/drawing/2014/main" id="{912A59BC-2C51-47DC-9CE9-C93F65A523C8}"/>
               </a:ext>
             </a:extLst>
           </p:cNvPr>
@@ -22577,7 +22505,7 @@
           <p:cNvPr id="3" name="Picture 2" descr="jhtp_07_Arrays_Page_018">
             <a:extLst>
               <a:ext uri="{FF2B5EF4-FFF2-40B4-BE49-F238E27FC236}">
-                <a16:creationId xmlns="" xmlns:a16="http://schemas.microsoft.com/office/drawing/2014/main" id="{1777CEE7-C733-4B80-8212-AC36BB96D3C7}"/>
+                <a16:creationId xmlns:a16="http://schemas.microsoft.com/office/drawing/2014/main" id="{1777CEE7-C733-4B80-8212-AC36BB96D3C7}"/>
               </a:ext>
             </a:extLst>
           </p:cNvPr>
@@ -22614,7 +22542,7 @@
           <p:cNvPr id="2" name="Footer Placeholder 1">
             <a:extLst>
               <a:ext uri="{FF2B5EF4-FFF2-40B4-BE49-F238E27FC236}">
-                <a16:creationId xmlns="" xmlns:a16="http://schemas.microsoft.com/office/drawing/2014/main" id="{7F9BA467-EEC3-4BD1-94F9-1C2D616B877E}"/>
+                <a16:creationId xmlns:a16="http://schemas.microsoft.com/office/drawing/2014/main" id="{7F9BA467-EEC3-4BD1-94F9-1C2D616B877E}"/>
               </a:ext>
             </a:extLst>
           </p:cNvPr>
@@ -22672,7 +22600,7 @@
           <p:cNvPr id="3" name="Picture 2" descr="jhtp_07_Arrays_Page_019">
             <a:extLst>
               <a:ext uri="{FF2B5EF4-FFF2-40B4-BE49-F238E27FC236}">
-                <a16:creationId xmlns="" xmlns:a16="http://schemas.microsoft.com/office/drawing/2014/main" id="{40747ABC-A39E-4F56-8060-43BF899269C9}"/>
+                <a16:creationId xmlns:a16="http://schemas.microsoft.com/office/drawing/2014/main" id="{40747ABC-A39E-4F56-8060-43BF899269C9}"/>
               </a:ext>
             </a:extLst>
           </p:cNvPr>
@@ -22709,7 +22637,7 @@
           <p:cNvPr id="2" name="Footer Placeholder 1">
             <a:extLst>
               <a:ext uri="{FF2B5EF4-FFF2-40B4-BE49-F238E27FC236}">
-                <a16:creationId xmlns="" xmlns:a16="http://schemas.microsoft.com/office/drawing/2014/main" id="{F65AF023-F216-49FF-A395-A25AED71AAC7}"/>
+                <a16:creationId xmlns:a16="http://schemas.microsoft.com/office/drawing/2014/main" id="{F65AF023-F216-49FF-A395-A25AED71AAC7}"/>
               </a:ext>
             </a:extLst>
           </p:cNvPr>
@@ -22767,7 +22695,7 @@
           <p:cNvPr id="2" name="Title 1">
             <a:extLst>
               <a:ext uri="{FF2B5EF4-FFF2-40B4-BE49-F238E27FC236}">
-                <a16:creationId xmlns="" xmlns:a16="http://schemas.microsoft.com/office/drawing/2014/main" id="{7E884F02-AC98-46CF-A54E-CA616312ADA8}"/>
+                <a16:creationId xmlns:a16="http://schemas.microsoft.com/office/drawing/2014/main" id="{7E884F02-AC98-46CF-A54E-CA616312ADA8}"/>
               </a:ext>
             </a:extLst>
           </p:cNvPr>
@@ -22815,7 +22743,7 @@
           <p:cNvPr id="37891" name="Text Placeholder 2">
             <a:extLst>
               <a:ext uri="{FF2B5EF4-FFF2-40B4-BE49-F238E27FC236}">
-                <a16:creationId xmlns="" xmlns:a16="http://schemas.microsoft.com/office/drawing/2014/main" id="{EFFA6FF6-2DD7-4FFE-8C6D-7D76D48E6283}"/>
+                <a16:creationId xmlns:a16="http://schemas.microsoft.com/office/drawing/2014/main" id="{EFFA6FF6-2DD7-4FFE-8C6D-7D76D48E6283}"/>
               </a:ext>
             </a:extLst>
           </p:cNvPr>
@@ -22976,7 +22904,7 @@
           <p:cNvPr id="4" name="Footer Placeholder 3">
             <a:extLst>
               <a:ext uri="{FF2B5EF4-FFF2-40B4-BE49-F238E27FC236}">
-                <a16:creationId xmlns="" xmlns:a16="http://schemas.microsoft.com/office/drawing/2014/main" id="{21A1D377-F415-4B18-BADA-191C5A6CC489}"/>
+                <a16:creationId xmlns:a16="http://schemas.microsoft.com/office/drawing/2014/main" id="{21A1D377-F415-4B18-BADA-191C5A6CC489}"/>
               </a:ext>
             </a:extLst>
           </p:cNvPr>
@@ -23037,7 +22965,7 @@
           <p:cNvPr id="2" name="Title 1">
             <a:extLst>
               <a:ext uri="{FF2B5EF4-FFF2-40B4-BE49-F238E27FC236}">
-                <a16:creationId xmlns="" xmlns:a16="http://schemas.microsoft.com/office/drawing/2014/main" id="{AD9B7C10-181D-40E7-A76C-652799A5D05B}"/>
+                <a16:creationId xmlns:a16="http://schemas.microsoft.com/office/drawing/2014/main" id="{AD9B7C10-181D-40E7-A76C-652799A5D05B}"/>
               </a:ext>
             </a:extLst>
           </p:cNvPr>
@@ -23084,7 +23012,7 @@
           <p:cNvPr id="41987" name="Text Placeholder 2">
             <a:extLst>
               <a:ext uri="{FF2B5EF4-FFF2-40B4-BE49-F238E27FC236}">
-                <a16:creationId xmlns="" xmlns:a16="http://schemas.microsoft.com/office/drawing/2014/main" id="{5F63BA40-E869-498A-9251-DB7698147B4C}"/>
+                <a16:creationId xmlns:a16="http://schemas.microsoft.com/office/drawing/2014/main" id="{5F63BA40-E869-498A-9251-DB7698147B4C}"/>
               </a:ext>
             </a:extLst>
           </p:cNvPr>
@@ -23128,7 +23056,7 @@
           <p:cNvPr id="4" name="Footer Placeholder 3">
             <a:extLst>
               <a:ext uri="{FF2B5EF4-FFF2-40B4-BE49-F238E27FC236}">
-                <a16:creationId xmlns="" xmlns:a16="http://schemas.microsoft.com/office/drawing/2014/main" id="{19694B07-25F7-4802-88DA-30D9AA255C64}"/>
+                <a16:creationId xmlns:a16="http://schemas.microsoft.com/office/drawing/2014/main" id="{19694B07-25F7-4802-88DA-30D9AA255C64}"/>
               </a:ext>
             </a:extLst>
           </p:cNvPr>
@@ -23189,7 +23117,7 @@
           <p:cNvPr id="3" name="Picture 2" descr="jhtp_07_Arrays_Page_023">
             <a:extLst>
               <a:ext uri="{FF2B5EF4-FFF2-40B4-BE49-F238E27FC236}">
-                <a16:creationId xmlns="" xmlns:a16="http://schemas.microsoft.com/office/drawing/2014/main" id="{3099A839-0958-4692-96A7-EEA86C79133F}"/>
+                <a16:creationId xmlns:a16="http://schemas.microsoft.com/office/drawing/2014/main" id="{3099A839-0958-4692-96A7-EEA86C79133F}"/>
               </a:ext>
             </a:extLst>
           </p:cNvPr>
@@ -23226,7 +23154,7 @@
           <p:cNvPr id="2" name="Footer Placeholder 1">
             <a:extLst>
               <a:ext uri="{FF2B5EF4-FFF2-40B4-BE49-F238E27FC236}">
-                <a16:creationId xmlns="" xmlns:a16="http://schemas.microsoft.com/office/drawing/2014/main" id="{A47567F0-AD24-4242-82EA-A2F77903984D}"/>
+                <a16:creationId xmlns:a16="http://schemas.microsoft.com/office/drawing/2014/main" id="{A47567F0-AD24-4242-82EA-A2F77903984D}"/>
               </a:ext>
             </a:extLst>
           </p:cNvPr>
@@ -23284,7 +23212,7 @@
           <p:cNvPr id="2" name="Title 1">
             <a:extLst>
               <a:ext uri="{FF2B5EF4-FFF2-40B4-BE49-F238E27FC236}">
-                <a16:creationId xmlns="" xmlns:a16="http://schemas.microsoft.com/office/drawing/2014/main" id="{377CB12B-E2E9-482D-987B-D629658F9784}"/>
+                <a16:creationId xmlns:a16="http://schemas.microsoft.com/office/drawing/2014/main" id="{377CB12B-E2E9-482D-987B-D629658F9784}"/>
               </a:ext>
             </a:extLst>
           </p:cNvPr>
@@ -23331,7 +23259,7 @@
           <p:cNvPr id="47107" name="Text Placeholder 2">
             <a:extLst>
               <a:ext uri="{FF2B5EF4-FFF2-40B4-BE49-F238E27FC236}">
-                <a16:creationId xmlns="" xmlns:a16="http://schemas.microsoft.com/office/drawing/2014/main" id="{0E59C9C7-2736-47D0-9EA0-22F852804094}"/>
+                <a16:creationId xmlns:a16="http://schemas.microsoft.com/office/drawing/2014/main" id="{0E59C9C7-2736-47D0-9EA0-22F852804094}"/>
               </a:ext>
             </a:extLst>
           </p:cNvPr>
@@ -23503,7 +23431,7 @@
           <p:cNvPr id="4" name="Footer Placeholder 3">
             <a:extLst>
               <a:ext uri="{FF2B5EF4-FFF2-40B4-BE49-F238E27FC236}">
-                <a16:creationId xmlns="" xmlns:a16="http://schemas.microsoft.com/office/drawing/2014/main" id="{0DD32DC1-7D11-4DF2-B0FF-F519F3D3E989}"/>
+                <a16:creationId xmlns:a16="http://schemas.microsoft.com/office/drawing/2014/main" id="{0DD32DC1-7D11-4DF2-B0FF-F519F3D3E989}"/>
               </a:ext>
             </a:extLst>
           </p:cNvPr>
@@ -23564,7 +23492,7 @@
           <p:cNvPr id="3" name="Picture 2" descr="jhtp_07_Arrays_Page_026">
             <a:extLst>
               <a:ext uri="{FF2B5EF4-FFF2-40B4-BE49-F238E27FC236}">
-                <a16:creationId xmlns="" xmlns:a16="http://schemas.microsoft.com/office/drawing/2014/main" id="{C80BABD9-5BC5-4CEB-B07A-CCE62153EE01}"/>
+                <a16:creationId xmlns:a16="http://schemas.microsoft.com/office/drawing/2014/main" id="{C80BABD9-5BC5-4CEB-B07A-CCE62153EE01}"/>
               </a:ext>
             </a:extLst>
           </p:cNvPr>
@@ -23601,7 +23529,7 @@
           <p:cNvPr id="2" name="Footer Placeholder 1">
             <a:extLst>
               <a:ext uri="{FF2B5EF4-FFF2-40B4-BE49-F238E27FC236}">
-                <a16:creationId xmlns="" xmlns:a16="http://schemas.microsoft.com/office/drawing/2014/main" id="{15E2162A-0A86-43C7-A5FC-E2E2E9943B77}"/>
+                <a16:creationId xmlns:a16="http://schemas.microsoft.com/office/drawing/2014/main" id="{15E2162A-0A86-43C7-A5FC-E2E2E9943B77}"/>
               </a:ext>
             </a:extLst>
           </p:cNvPr>
@@ -23659,7 +23587,7 @@
           <p:cNvPr id="3" name="Picture 2" descr="jhtp_07_Arrays_Page_027">
             <a:extLst>
               <a:ext uri="{FF2B5EF4-FFF2-40B4-BE49-F238E27FC236}">
-                <a16:creationId xmlns="" xmlns:a16="http://schemas.microsoft.com/office/drawing/2014/main" id="{964F0F53-F053-4025-94D4-6D59EDF4F1BB}"/>
+                <a16:creationId xmlns:a16="http://schemas.microsoft.com/office/drawing/2014/main" id="{964F0F53-F053-4025-94D4-6D59EDF4F1BB}"/>
               </a:ext>
             </a:extLst>
           </p:cNvPr>
@@ -23696,7 +23624,7 @@
           <p:cNvPr id="2" name="Footer Placeholder 1">
             <a:extLst>
               <a:ext uri="{FF2B5EF4-FFF2-40B4-BE49-F238E27FC236}">
-                <a16:creationId xmlns="" xmlns:a16="http://schemas.microsoft.com/office/drawing/2014/main" id="{173D6D2C-2843-4188-98DA-502FB9804ED2}"/>
+                <a16:creationId xmlns:a16="http://schemas.microsoft.com/office/drawing/2014/main" id="{173D6D2C-2843-4188-98DA-502FB9804ED2}"/>
               </a:ext>
             </a:extLst>
           </p:cNvPr>
@@ -23754,7 +23682,7 @@
           <p:cNvPr id="2" name="Title 1">
             <a:extLst>
               <a:ext uri="{FF2B5EF4-FFF2-40B4-BE49-F238E27FC236}">
-                <a16:creationId xmlns="" xmlns:a16="http://schemas.microsoft.com/office/drawing/2014/main" id="{6DFC89FF-7713-429F-8346-4C3CF8E81B67}"/>
+                <a16:creationId xmlns:a16="http://schemas.microsoft.com/office/drawing/2014/main" id="{6DFC89FF-7713-429F-8346-4C3CF8E81B67}"/>
               </a:ext>
             </a:extLst>
           </p:cNvPr>
@@ -23801,7 +23729,7 @@
           <p:cNvPr id="50179" name="Text Placeholder 2">
             <a:extLst>
               <a:ext uri="{FF2B5EF4-FFF2-40B4-BE49-F238E27FC236}">
-                <a16:creationId xmlns="" xmlns:a16="http://schemas.microsoft.com/office/drawing/2014/main" id="{5BF48011-7AF2-41F9-96FE-BE9ED9BBA0EC}"/>
+                <a16:creationId xmlns:a16="http://schemas.microsoft.com/office/drawing/2014/main" id="{5BF48011-7AF2-41F9-96FE-BE9ED9BBA0EC}"/>
               </a:ext>
             </a:extLst>
           </p:cNvPr>
@@ -23982,7 +23910,7 @@
           <p:cNvPr id="4" name="Footer Placeholder 3">
             <a:extLst>
               <a:ext uri="{FF2B5EF4-FFF2-40B4-BE49-F238E27FC236}">
-                <a16:creationId xmlns="" xmlns:a16="http://schemas.microsoft.com/office/drawing/2014/main" id="{4B0EA683-4E53-47B7-8AAC-B20CE33B26AF}"/>
+                <a16:creationId xmlns:a16="http://schemas.microsoft.com/office/drawing/2014/main" id="{4B0EA683-4E53-47B7-8AAC-B20CE33B26AF}"/>
               </a:ext>
             </a:extLst>
           </p:cNvPr>
@@ -24043,7 +23971,7 @@
           <p:cNvPr id="3" name="Picture 2" descr="jhtp_07_Arrays_Page_028">
             <a:extLst>
               <a:ext uri="{FF2B5EF4-FFF2-40B4-BE49-F238E27FC236}">
-                <a16:creationId xmlns="" xmlns:a16="http://schemas.microsoft.com/office/drawing/2014/main" id="{CB536A0C-C6BB-4A17-BF5F-3643FD03EA64}"/>
+                <a16:creationId xmlns:a16="http://schemas.microsoft.com/office/drawing/2014/main" id="{CB536A0C-C6BB-4A17-BF5F-3643FD03EA64}"/>
               </a:ext>
             </a:extLst>
           </p:cNvPr>
@@ -24080,7 +24008,7 @@
           <p:cNvPr id="2" name="Footer Placeholder 1">
             <a:extLst>
               <a:ext uri="{FF2B5EF4-FFF2-40B4-BE49-F238E27FC236}">
-                <a16:creationId xmlns="" xmlns:a16="http://schemas.microsoft.com/office/drawing/2014/main" id="{2DCB76AD-7E9C-4636-A409-DD47F77F06C8}"/>
+                <a16:creationId xmlns:a16="http://schemas.microsoft.com/office/drawing/2014/main" id="{2DCB76AD-7E9C-4636-A409-DD47F77F06C8}"/>
               </a:ext>
             </a:extLst>
           </p:cNvPr>
@@ -24138,7 +24066,7 @@
           <p:cNvPr id="2" name="Title 1">
             <a:extLst>
               <a:ext uri="{FF2B5EF4-FFF2-40B4-BE49-F238E27FC236}">
-                <a16:creationId xmlns="" xmlns:a16="http://schemas.microsoft.com/office/drawing/2014/main" id="{9FB1ECF4-433B-40E7-952B-CA77A4E73D56}"/>
+                <a16:creationId xmlns:a16="http://schemas.microsoft.com/office/drawing/2014/main" id="{9FB1ECF4-433B-40E7-952B-CA77A4E73D56}"/>
               </a:ext>
             </a:extLst>
           </p:cNvPr>
@@ -24161,7 +24089,7 @@
               <a:defRPr/>
             </a:pPr>
             <a:r>
-              <a:rPr lang="en-US" dirty="0" smtClean="0">
+              <a:rPr lang="en-US" dirty="0">
                 <a:solidFill>
                   <a:srgbClr val="3380E6"/>
                 </a:solidFill>
@@ -24169,12 +24097,6 @@
               </a:rPr>
               <a:t>Chapter Objectives</a:t>
             </a:r>
-            <a:endParaRPr lang="en-US" dirty="0">
-              <a:solidFill>
-                <a:srgbClr val="3380E6"/>
-              </a:solidFill>
-              <a:latin typeface="Calibri" panose="020F0502020204030204" pitchFamily="34" charset="0"/>
-            </a:endParaRPr>
           </a:p>
         </p:txBody>
       </p:sp>
@@ -24183,7 +24105,7 @@
           <p:cNvPr id="14339" name="Text Placeholder 2">
             <a:extLst>
               <a:ext uri="{FF2B5EF4-FFF2-40B4-BE49-F238E27FC236}">
-                <a16:creationId xmlns="" xmlns:a16="http://schemas.microsoft.com/office/drawing/2014/main" id="{A5674EEA-A6AA-4737-ADE0-15E069D87C6E}"/>
+                <a16:creationId xmlns:a16="http://schemas.microsoft.com/office/drawing/2014/main" id="{A5674EEA-A6AA-4737-ADE0-15E069D87C6E}"/>
               </a:ext>
             </a:extLst>
           </p:cNvPr>
@@ -24201,7 +24123,7 @@
           <a:p>
             <a:pPr eaLnBrk="1" hangingPunct="1"/>
             <a:r>
-              <a:rPr lang="en-US" altLang="en-US" dirty="0" smtClean="0">
+              <a:rPr lang="en-US" altLang="en-US" dirty="0">
                 <a:solidFill>
                   <a:srgbClr val="000000"/>
                 </a:solidFill>
@@ -24212,7 +24134,7 @@
           <a:p>
             <a:pPr eaLnBrk="1" hangingPunct="1"/>
             <a:r>
-              <a:rPr lang="en-US" altLang="en-US" dirty="0" smtClean="0">
+              <a:rPr lang="en-US" altLang="en-US" dirty="0">
                 <a:solidFill>
                   <a:srgbClr val="000000"/>
                 </a:solidFill>
@@ -24223,7 +24145,7 @@
           <a:p>
             <a:pPr eaLnBrk="1" hangingPunct="1"/>
             <a:r>
-              <a:rPr lang="en-US" altLang="en-US" dirty="0" smtClean="0">
+              <a:rPr lang="en-US" altLang="en-US" dirty="0">
                 <a:solidFill>
                   <a:srgbClr val="000000"/>
                 </a:solidFill>
@@ -24234,7 +24156,7 @@
           <a:p>
             <a:pPr eaLnBrk="1" hangingPunct="1"/>
             <a:r>
-              <a:rPr lang="en-US" altLang="en-US" dirty="0" smtClean="0">
+              <a:rPr lang="en-US" altLang="en-US" dirty="0">
                 <a:solidFill>
                   <a:srgbClr val="000000"/>
                 </a:solidFill>
@@ -24251,7 +24173,7 @@
               <a:t>for</a:t>
             </a:r>
             <a:r>
-              <a:rPr lang="en-US" altLang="en-US" dirty="0" smtClean="0">
+              <a:rPr lang="en-US" altLang="en-US" dirty="0">
                 <a:solidFill>
                   <a:srgbClr val="000000"/>
                 </a:solidFill>
@@ -24262,7 +24184,7 @@
           <a:p>
             <a:pPr eaLnBrk="1" hangingPunct="1"/>
             <a:r>
-              <a:rPr lang="en-US" altLang="en-US" dirty="0" smtClean="0">
+              <a:rPr lang="en-US" altLang="en-US" dirty="0">
                 <a:solidFill>
                   <a:srgbClr val="000000"/>
                 </a:solidFill>
@@ -24273,7 +24195,7 @@
           <a:p>
             <a:pPr eaLnBrk="1" hangingPunct="1"/>
             <a:r>
-              <a:rPr lang="en-US" altLang="en-US" dirty="0" smtClean="0">
+              <a:rPr lang="en-US" altLang="en-US" dirty="0">
                 <a:solidFill>
                   <a:srgbClr val="000000"/>
                 </a:solidFill>
@@ -24290,7 +24212,7 @@
               <a:t>Arrays</a:t>
             </a:r>
             <a:r>
-              <a:rPr lang="en-US" altLang="en-US" dirty="0" smtClean="0">
+              <a:rPr lang="en-US" altLang="en-US" dirty="0">
                 <a:solidFill>
                   <a:srgbClr val="000000"/>
                 </a:solidFill>
@@ -24301,7 +24223,7 @@
           <a:p>
             <a:pPr eaLnBrk="1" hangingPunct="1"/>
             <a:r>
-              <a:rPr lang="en-US" altLang="en-US" dirty="0" smtClean="0">
+              <a:rPr lang="en-US" altLang="en-US" dirty="0">
                 <a:solidFill>
                   <a:srgbClr val="000000"/>
                 </a:solidFill>
@@ -24318,7 +24240,7 @@
               <a:t>ArrayList</a:t>
             </a:r>
             <a:r>
-              <a:rPr lang="en-US" altLang="en-US" dirty="0" smtClean="0">
+              <a:rPr lang="en-US" altLang="en-US" dirty="0">
                 <a:solidFill>
                   <a:srgbClr val="000000"/>
                 </a:solidFill>
@@ -24326,7 +24248,7 @@
               <a:t> and how to manipulate a dynamically resizable array-like data </a:t>
             </a:r>
             <a:r>
-              <a:rPr lang="en-US" altLang="en-US" smtClean="0">
+              <a:rPr lang="en-US" altLang="en-US">
                 <a:solidFill>
                   <a:srgbClr val="000000"/>
                 </a:solidFill>
@@ -24346,7 +24268,7 @@
           <p:cNvPr id="4" name="Footer Placeholder 3">
             <a:extLst>
               <a:ext uri="{FF2B5EF4-FFF2-40B4-BE49-F238E27FC236}">
-                <a16:creationId xmlns="" xmlns:a16="http://schemas.microsoft.com/office/drawing/2014/main" id="{912A59BC-2C51-47DC-9CE9-C93F65A523C8}"/>
+                <a16:creationId xmlns:a16="http://schemas.microsoft.com/office/drawing/2014/main" id="{912A59BC-2C51-47DC-9CE9-C93F65A523C8}"/>
               </a:ext>
             </a:extLst>
           </p:cNvPr>
@@ -24407,7 +24329,7 @@
           <p:cNvPr id="3" name="Picture 2" descr="jhtp_07_Arrays_Page_029">
             <a:extLst>
               <a:ext uri="{FF2B5EF4-FFF2-40B4-BE49-F238E27FC236}">
-                <a16:creationId xmlns="" xmlns:a16="http://schemas.microsoft.com/office/drawing/2014/main" id="{A618B029-6F56-483F-BEFB-63FB87EC250B}"/>
+                <a16:creationId xmlns:a16="http://schemas.microsoft.com/office/drawing/2014/main" id="{A618B029-6F56-483F-BEFB-63FB87EC250B}"/>
               </a:ext>
             </a:extLst>
           </p:cNvPr>
@@ -24444,7 +24366,7 @@
           <p:cNvPr id="2" name="Footer Placeholder 1">
             <a:extLst>
               <a:ext uri="{FF2B5EF4-FFF2-40B4-BE49-F238E27FC236}">
-                <a16:creationId xmlns="" xmlns:a16="http://schemas.microsoft.com/office/drawing/2014/main" id="{9C11BFF1-D8A6-4294-80D8-6246A582464D}"/>
+                <a16:creationId xmlns:a16="http://schemas.microsoft.com/office/drawing/2014/main" id="{9C11BFF1-D8A6-4294-80D8-6246A582464D}"/>
               </a:ext>
             </a:extLst>
           </p:cNvPr>
@@ -24502,7 +24424,7 @@
           <p:cNvPr id="3" name="Picture 2" descr="jhtp_07_Arrays_Page_030">
             <a:extLst>
               <a:ext uri="{FF2B5EF4-FFF2-40B4-BE49-F238E27FC236}">
-                <a16:creationId xmlns="" xmlns:a16="http://schemas.microsoft.com/office/drawing/2014/main" id="{D60DDB9B-565E-4612-B6A6-4C0E0F872EFD}"/>
+                <a16:creationId xmlns:a16="http://schemas.microsoft.com/office/drawing/2014/main" id="{D60DDB9B-565E-4612-B6A6-4C0E0F872EFD}"/>
               </a:ext>
             </a:extLst>
           </p:cNvPr>
@@ -24539,7 +24461,7 @@
           <p:cNvPr id="2" name="Footer Placeholder 1">
             <a:extLst>
               <a:ext uri="{FF2B5EF4-FFF2-40B4-BE49-F238E27FC236}">
-                <a16:creationId xmlns="" xmlns:a16="http://schemas.microsoft.com/office/drawing/2014/main" id="{7FF693FA-499D-4CA7-9DC9-801F651A295F}"/>
+                <a16:creationId xmlns:a16="http://schemas.microsoft.com/office/drawing/2014/main" id="{7FF693FA-499D-4CA7-9DC9-801F651A295F}"/>
               </a:ext>
             </a:extLst>
           </p:cNvPr>
@@ -24597,7 +24519,7 @@
           <p:cNvPr id="2" name="Title 1">
             <a:extLst>
               <a:ext uri="{FF2B5EF4-FFF2-40B4-BE49-F238E27FC236}">
-                <a16:creationId xmlns="" xmlns:a16="http://schemas.microsoft.com/office/drawing/2014/main" id="{DEFD64F7-7109-4B4A-986D-EDE02F420655}"/>
+                <a16:creationId xmlns:a16="http://schemas.microsoft.com/office/drawing/2014/main" id="{DEFD64F7-7109-4B4A-986D-EDE02F420655}"/>
               </a:ext>
             </a:extLst>
           </p:cNvPr>
@@ -24644,7 +24566,7 @@
           <p:cNvPr id="54275" name="Text Placeholder 2">
             <a:extLst>
               <a:ext uri="{FF2B5EF4-FFF2-40B4-BE49-F238E27FC236}">
-                <a16:creationId xmlns="" xmlns:a16="http://schemas.microsoft.com/office/drawing/2014/main" id="{BF1F21CD-7167-41A7-9229-15CE48548518}"/>
+                <a16:creationId xmlns:a16="http://schemas.microsoft.com/office/drawing/2014/main" id="{BF1F21CD-7167-41A7-9229-15CE48548518}"/>
               </a:ext>
             </a:extLst>
           </p:cNvPr>
@@ -24777,7 +24699,7 @@
           <p:cNvPr id="4" name="Footer Placeholder 3">
             <a:extLst>
               <a:ext uri="{FF2B5EF4-FFF2-40B4-BE49-F238E27FC236}">
-                <a16:creationId xmlns="" xmlns:a16="http://schemas.microsoft.com/office/drawing/2014/main" id="{AF47E33E-C16B-4707-9AC0-75B0D0669E8A}"/>
+                <a16:creationId xmlns:a16="http://schemas.microsoft.com/office/drawing/2014/main" id="{AF47E33E-C16B-4707-9AC0-75B0D0669E8A}"/>
               </a:ext>
             </a:extLst>
           </p:cNvPr>
@@ -24838,7 +24760,7 @@
           <p:cNvPr id="2" name="Title 1">
             <a:extLst>
               <a:ext uri="{FF2B5EF4-FFF2-40B4-BE49-F238E27FC236}">
-                <a16:creationId xmlns="" xmlns:a16="http://schemas.microsoft.com/office/drawing/2014/main" id="{9A6EF588-C62D-458D-9660-332A9FE313E0}"/>
+                <a16:creationId xmlns:a16="http://schemas.microsoft.com/office/drawing/2014/main" id="{9A6EF588-C62D-458D-9660-332A9FE313E0}"/>
               </a:ext>
             </a:extLst>
           </p:cNvPr>
@@ -24886,7 +24808,7 @@
           <p:cNvPr id="55299" name="Text Placeholder 2">
             <a:extLst>
               <a:ext uri="{FF2B5EF4-FFF2-40B4-BE49-F238E27FC236}">
-                <a16:creationId xmlns="" xmlns:a16="http://schemas.microsoft.com/office/drawing/2014/main" id="{1ACFD853-605B-40C4-AEE8-8D13CED3148C}"/>
+                <a16:creationId xmlns:a16="http://schemas.microsoft.com/office/drawing/2014/main" id="{1ACFD853-605B-40C4-AEE8-8D13CED3148C}"/>
               </a:ext>
             </a:extLst>
           </p:cNvPr>
@@ -24971,7 +24893,7 @@
           <p:cNvPr id="4" name="Footer Placeholder 3">
             <a:extLst>
               <a:ext uri="{FF2B5EF4-FFF2-40B4-BE49-F238E27FC236}">
-                <a16:creationId xmlns="" xmlns:a16="http://schemas.microsoft.com/office/drawing/2014/main" id="{C653C072-4638-4D6B-A79C-3CB0FBA6D5E4}"/>
+                <a16:creationId xmlns:a16="http://schemas.microsoft.com/office/drawing/2014/main" id="{C653C072-4638-4D6B-A79C-3CB0FBA6D5E4}"/>
               </a:ext>
             </a:extLst>
           </p:cNvPr>
@@ -25032,7 +24954,7 @@
           <p:cNvPr id="2" name="Title 1">
             <a:extLst>
               <a:ext uri="{FF2B5EF4-FFF2-40B4-BE49-F238E27FC236}">
-                <a16:creationId xmlns="" xmlns:a16="http://schemas.microsoft.com/office/drawing/2014/main" id="{5E3FCF39-07D1-46A6-B5E5-A2961E9F3809}"/>
+                <a16:creationId xmlns:a16="http://schemas.microsoft.com/office/drawing/2014/main" id="{5E3FCF39-07D1-46A6-B5E5-A2961E9F3809}"/>
               </a:ext>
             </a:extLst>
           </p:cNvPr>
@@ -25080,7 +25002,7 @@
           <p:cNvPr id="56323" name="Text Placeholder 2">
             <a:extLst>
               <a:ext uri="{FF2B5EF4-FFF2-40B4-BE49-F238E27FC236}">
-                <a16:creationId xmlns="" xmlns:a16="http://schemas.microsoft.com/office/drawing/2014/main" id="{4B82025A-A8E6-4D87-BB0C-4525AFBF757A}"/>
+                <a16:creationId xmlns:a16="http://schemas.microsoft.com/office/drawing/2014/main" id="{4B82025A-A8E6-4D87-BB0C-4525AFBF757A}"/>
               </a:ext>
             </a:extLst>
           </p:cNvPr>
@@ -25125,7 +25047,7 @@
           <p:cNvPr id="4" name="Footer Placeholder 3">
             <a:extLst>
               <a:ext uri="{FF2B5EF4-FFF2-40B4-BE49-F238E27FC236}">
-                <a16:creationId xmlns="" xmlns:a16="http://schemas.microsoft.com/office/drawing/2014/main" id="{B72C1853-1C4A-4A99-9175-FD4A20C960E6}"/>
+                <a16:creationId xmlns:a16="http://schemas.microsoft.com/office/drawing/2014/main" id="{B72C1853-1C4A-4A99-9175-FD4A20C960E6}"/>
               </a:ext>
             </a:extLst>
           </p:cNvPr>
@@ -25186,7 +25108,7 @@
           <p:cNvPr id="2" name="Title 1">
             <a:extLst>
               <a:ext uri="{FF2B5EF4-FFF2-40B4-BE49-F238E27FC236}">
-                <a16:creationId xmlns="" xmlns:a16="http://schemas.microsoft.com/office/drawing/2014/main" id="{DAC279C3-AA01-4668-898C-F703330D26E6}"/>
+                <a16:creationId xmlns:a16="http://schemas.microsoft.com/office/drawing/2014/main" id="{DAC279C3-AA01-4668-898C-F703330D26E6}"/>
               </a:ext>
             </a:extLst>
           </p:cNvPr>
@@ -25241,7 +25163,7 @@
           <p:cNvPr id="57347" name="Text Placeholder 2">
             <a:extLst>
               <a:ext uri="{FF2B5EF4-FFF2-40B4-BE49-F238E27FC236}">
-                <a16:creationId xmlns="" xmlns:a16="http://schemas.microsoft.com/office/drawing/2014/main" id="{B8559828-02B0-41F5-8F32-28D8209F6CCD}"/>
+                <a16:creationId xmlns:a16="http://schemas.microsoft.com/office/drawing/2014/main" id="{B8559828-02B0-41F5-8F32-28D8209F6CCD}"/>
               </a:ext>
             </a:extLst>
           </p:cNvPr>
@@ -25400,7 +25322,7 @@
           <p:cNvPr id="4" name="Footer Placeholder 3">
             <a:extLst>
               <a:ext uri="{FF2B5EF4-FFF2-40B4-BE49-F238E27FC236}">
-                <a16:creationId xmlns="" xmlns:a16="http://schemas.microsoft.com/office/drawing/2014/main" id="{BF41347C-3660-47FC-86A0-41D25EFC525A}"/>
+                <a16:creationId xmlns:a16="http://schemas.microsoft.com/office/drawing/2014/main" id="{BF41347C-3660-47FC-86A0-41D25EFC525A}"/>
               </a:ext>
             </a:extLst>
           </p:cNvPr>
@@ -25461,7 +25383,7 @@
           <p:cNvPr id="2" name="Title 1">
             <a:extLst>
               <a:ext uri="{FF2B5EF4-FFF2-40B4-BE49-F238E27FC236}">
-                <a16:creationId xmlns="" xmlns:a16="http://schemas.microsoft.com/office/drawing/2014/main" id="{84622435-8DF4-4C53-9BD9-1917E906BF7E}"/>
+                <a16:creationId xmlns:a16="http://schemas.microsoft.com/office/drawing/2014/main" id="{84622435-8DF4-4C53-9BD9-1917E906BF7E}"/>
               </a:ext>
             </a:extLst>
           </p:cNvPr>
@@ -25516,7 +25438,7 @@
           <p:cNvPr id="58371" name="Text Placeholder 2">
             <a:extLst>
               <a:ext uri="{FF2B5EF4-FFF2-40B4-BE49-F238E27FC236}">
-                <a16:creationId xmlns="" xmlns:a16="http://schemas.microsoft.com/office/drawing/2014/main" id="{FF466075-60BB-484B-BA6F-C6A24CFDA86F}"/>
+                <a16:creationId xmlns:a16="http://schemas.microsoft.com/office/drawing/2014/main" id="{FF466075-60BB-484B-BA6F-C6A24CFDA86F}"/>
               </a:ext>
             </a:extLst>
           </p:cNvPr>
@@ -25676,7 +25598,7 @@
           <p:cNvPr id="4" name="Footer Placeholder 3">
             <a:extLst>
               <a:ext uri="{FF2B5EF4-FFF2-40B4-BE49-F238E27FC236}">
-                <a16:creationId xmlns="" xmlns:a16="http://schemas.microsoft.com/office/drawing/2014/main" id="{8582AC93-4229-44C1-AC06-2C17897C1982}"/>
+                <a16:creationId xmlns:a16="http://schemas.microsoft.com/office/drawing/2014/main" id="{8582AC93-4229-44C1-AC06-2C17897C1982}"/>
               </a:ext>
             </a:extLst>
           </p:cNvPr>
@@ -25737,7 +25659,7 @@
           <p:cNvPr id="2" name="Title 1">
             <a:extLst>
               <a:ext uri="{FF2B5EF4-FFF2-40B4-BE49-F238E27FC236}">
-                <a16:creationId xmlns="" xmlns:a16="http://schemas.microsoft.com/office/drawing/2014/main" id="{7E4E5AEE-CCCF-4402-964D-B99E5365C408}"/>
+                <a16:creationId xmlns:a16="http://schemas.microsoft.com/office/drawing/2014/main" id="{7E4E5AEE-CCCF-4402-964D-B99E5365C408}"/>
               </a:ext>
             </a:extLst>
           </p:cNvPr>
@@ -25794,7 +25716,7 @@
           <p:cNvPr id="59395" name="Text Placeholder 2">
             <a:extLst>
               <a:ext uri="{FF2B5EF4-FFF2-40B4-BE49-F238E27FC236}">
-                <a16:creationId xmlns="" xmlns:a16="http://schemas.microsoft.com/office/drawing/2014/main" id="{593FA732-798B-422A-A71B-9334CE16C829}"/>
+                <a16:creationId xmlns:a16="http://schemas.microsoft.com/office/drawing/2014/main" id="{593FA732-798B-422A-A71B-9334CE16C829}"/>
               </a:ext>
             </a:extLst>
           </p:cNvPr>
@@ -25871,7 +25793,7 @@
           <p:cNvPr id="4" name="Footer Placeholder 3">
             <a:extLst>
               <a:ext uri="{FF2B5EF4-FFF2-40B4-BE49-F238E27FC236}">
-                <a16:creationId xmlns="" xmlns:a16="http://schemas.microsoft.com/office/drawing/2014/main" id="{1F8F7697-4FAA-4C23-95F6-41EEA54E2548}"/>
+                <a16:creationId xmlns:a16="http://schemas.microsoft.com/office/drawing/2014/main" id="{1F8F7697-4FAA-4C23-95F6-41EEA54E2548}"/>
               </a:ext>
             </a:extLst>
           </p:cNvPr>
@@ -25932,7 +25854,7 @@
           <p:cNvPr id="2" name="Title 1">
             <a:extLst>
               <a:ext uri="{FF2B5EF4-FFF2-40B4-BE49-F238E27FC236}">
-                <a16:creationId xmlns="" xmlns:a16="http://schemas.microsoft.com/office/drawing/2014/main" id="{088B9C4F-DA11-448D-B32A-28AA9BBDA30D}"/>
+                <a16:creationId xmlns:a16="http://schemas.microsoft.com/office/drawing/2014/main" id="{088B9C4F-DA11-448D-B32A-28AA9BBDA30D}"/>
               </a:ext>
             </a:extLst>
           </p:cNvPr>
@@ -25998,7 +25920,7 @@
           <p:cNvPr id="62467" name="Text Placeholder 2">
             <a:extLst>
               <a:ext uri="{FF2B5EF4-FFF2-40B4-BE49-F238E27FC236}">
-                <a16:creationId xmlns="" xmlns:a16="http://schemas.microsoft.com/office/drawing/2014/main" id="{C0575458-21D8-4F0A-884D-81483A99C2C9}"/>
+                <a16:creationId xmlns:a16="http://schemas.microsoft.com/office/drawing/2014/main" id="{C0575458-21D8-4F0A-884D-81483A99C2C9}"/>
               </a:ext>
             </a:extLst>
           </p:cNvPr>
@@ -26062,7 +25984,7 @@
           <p:cNvPr id="4" name="Footer Placeholder 3">
             <a:extLst>
               <a:ext uri="{FF2B5EF4-FFF2-40B4-BE49-F238E27FC236}">
-                <a16:creationId xmlns="" xmlns:a16="http://schemas.microsoft.com/office/drawing/2014/main" id="{F53B14C6-6F26-4B76-AD89-B04C1A4B3BFF}"/>
+                <a16:creationId xmlns:a16="http://schemas.microsoft.com/office/drawing/2014/main" id="{F53B14C6-6F26-4B76-AD89-B04C1A4B3BFF}"/>
               </a:ext>
             </a:extLst>
           </p:cNvPr>
@@ -26123,7 +26045,7 @@
           <p:cNvPr id="2" name="Title 1">
             <a:extLst>
               <a:ext uri="{FF2B5EF4-FFF2-40B4-BE49-F238E27FC236}">
-                <a16:creationId xmlns="" xmlns:a16="http://schemas.microsoft.com/office/drawing/2014/main" id="{3722CD7C-147F-4513-8DFA-3631B04D404A}"/>
+                <a16:creationId xmlns:a16="http://schemas.microsoft.com/office/drawing/2014/main" id="{3722CD7C-147F-4513-8DFA-3631B04D404A}"/>
               </a:ext>
             </a:extLst>
           </p:cNvPr>
@@ -26148,7 +26070,7 @@
               <a:defRPr/>
             </a:pPr>
             <a:r>
-              <a:rPr lang="en-US" dirty="0" smtClean="0">
+              <a:rPr lang="en-US" dirty="0">
                 <a:solidFill>
                   <a:srgbClr val="24B5A1"/>
                 </a:solidFill>
@@ -26157,22 +26079,13 @@
               <a:t>7.6	</a:t>
             </a:r>
             <a:r>
-              <a:rPr lang="en-US" dirty="0" smtClean="0">
+              <a:rPr lang="en-US" dirty="0">
                 <a:solidFill>
                   <a:srgbClr val="3380E6"/>
                 </a:solidFill>
                 <a:latin typeface="Calibri" panose="020F0502020204030204" pitchFamily="34" charset="0"/>
               </a:rPr>
-              <a:t>Case </a:t>
-            </a:r>
-            <a:r>
-              <a:rPr lang="en-US" dirty="0">
-                <a:solidFill>
-                  <a:srgbClr val="3380E6"/>
-                </a:solidFill>
-                <a:latin typeface="Calibri" panose="020F0502020204030204" pitchFamily="34" charset="0"/>
-              </a:rPr>
-              <a:t>Study: Card Shuffling and Dealing Simulation</a:t>
+              <a:t>Case Study: Card Shuffling and Dealing Simulation</a:t>
             </a:r>
           </a:p>
         </p:txBody>
@@ -26182,7 +26095,7 @@
           <p:cNvPr id="63491" name="Text Placeholder 2">
             <a:extLst>
               <a:ext uri="{FF2B5EF4-FFF2-40B4-BE49-F238E27FC236}">
-                <a16:creationId xmlns="" xmlns:a16="http://schemas.microsoft.com/office/drawing/2014/main" id="{DEF0C5C1-D30E-4307-9494-63FB7CFA411E}"/>
+                <a16:creationId xmlns:a16="http://schemas.microsoft.com/office/drawing/2014/main" id="{DEF0C5C1-D30E-4307-9494-63FB7CFA411E}"/>
               </a:ext>
             </a:extLst>
           </p:cNvPr>
@@ -26237,7 +26150,7 @@
           <p:cNvPr id="4" name="Footer Placeholder 3">
             <a:extLst>
               <a:ext uri="{FF2B5EF4-FFF2-40B4-BE49-F238E27FC236}">
-                <a16:creationId xmlns="" xmlns:a16="http://schemas.microsoft.com/office/drawing/2014/main" id="{C4D440E0-7C28-4151-BB07-2A8F8EBB9700}"/>
+                <a16:creationId xmlns:a16="http://schemas.microsoft.com/office/drawing/2014/main" id="{C4D440E0-7C28-4151-BB07-2A8F8EBB9700}"/>
               </a:ext>
             </a:extLst>
           </p:cNvPr>
@@ -26298,7 +26211,7 @@
           <p:cNvPr id="2" name="Title 1">
             <a:extLst>
               <a:ext uri="{FF2B5EF4-FFF2-40B4-BE49-F238E27FC236}">
-                <a16:creationId xmlns="" xmlns:a16="http://schemas.microsoft.com/office/drawing/2014/main" id="{E97FC1F0-978B-485F-B169-8632000B7513}"/>
+                <a16:creationId xmlns:a16="http://schemas.microsoft.com/office/drawing/2014/main" id="{E97FC1F0-978B-485F-B169-8632000B7513}"/>
               </a:ext>
             </a:extLst>
           </p:cNvPr>
@@ -26346,7 +26259,7 @@
           <p:cNvPr id="14339" name="Text Placeholder 2">
             <a:extLst>
               <a:ext uri="{FF2B5EF4-FFF2-40B4-BE49-F238E27FC236}">
-                <a16:creationId xmlns="" xmlns:a16="http://schemas.microsoft.com/office/drawing/2014/main" id="{4DF7F767-3EAA-4AE2-8319-5A388192D9D7}"/>
+                <a16:creationId xmlns:a16="http://schemas.microsoft.com/office/drawing/2014/main" id="{4DF7F767-3EAA-4AE2-8319-5A388192D9D7}"/>
               </a:ext>
             </a:extLst>
           </p:cNvPr>
@@ -26403,21 +26316,8 @@
                   <a:srgbClr val="000000"/>
                 </a:solidFill>
               </a:rPr>
-              <a:t>Discussed in depth in Chapters </a:t>
-            </a:r>
-            <a:r>
-              <a:rPr lang="en-US" altLang="en-US" sz="2100" dirty="0" smtClean="0">
-                <a:solidFill>
-                  <a:srgbClr val="000000"/>
-                </a:solidFill>
-              </a:rPr>
-              <a:t>16.</a:t>
-            </a:r>
-            <a:endParaRPr lang="en-US" altLang="en-US" sz="2100" dirty="0">
-              <a:solidFill>
-                <a:srgbClr val="000000"/>
-              </a:solidFill>
-            </a:endParaRPr>
+              <a:t>Discussed in depth in Chapters 16.</a:t>
+            </a:r>
           </a:p>
           <a:p>
             <a:pPr eaLnBrk="1" hangingPunct="1">
@@ -26546,15 +26446,7 @@
                   <a:srgbClr val="000000"/>
                 </a:solidFill>
               </a:rPr>
-              <a:t>Can create methods are with varying numbers of arguments</a:t>
-            </a:r>
-            <a:r>
-              <a:rPr lang="en-US" altLang="en-US" sz="2100" dirty="0" smtClean="0">
-                <a:solidFill>
-                  <a:srgbClr val="000000"/>
-                </a:solidFill>
-              </a:rPr>
-              <a:t>.</a:t>
+              <a:t>Can create methods are with varying numbers of arguments.</a:t>
             </a:r>
             <a:endParaRPr lang="en-US" altLang="en-US" sz="2500" dirty="0">
               <a:solidFill>
@@ -26569,7 +26461,7 @@
           <p:cNvPr id="4" name="Footer Placeholder 3">
             <a:extLst>
               <a:ext uri="{FF2B5EF4-FFF2-40B4-BE49-F238E27FC236}">
-                <a16:creationId xmlns="" xmlns:a16="http://schemas.microsoft.com/office/drawing/2014/main" id="{C23B16AA-4FFC-4129-B7D2-34E97C0217D4}"/>
+                <a16:creationId xmlns:a16="http://schemas.microsoft.com/office/drawing/2014/main" id="{C23B16AA-4FFC-4129-B7D2-34E97C0217D4}"/>
               </a:ext>
             </a:extLst>
           </p:cNvPr>
@@ -26630,7 +26522,7 @@
           <p:cNvPr id="2" name="Title 1">
             <a:extLst>
               <a:ext uri="{FF2B5EF4-FFF2-40B4-BE49-F238E27FC236}">
-                <a16:creationId xmlns="" xmlns:a16="http://schemas.microsoft.com/office/drawing/2014/main" id="{909E0032-F415-44BA-9F8D-50F8BE480CF7}"/>
+                <a16:creationId xmlns:a16="http://schemas.microsoft.com/office/drawing/2014/main" id="{909E0032-F415-44BA-9F8D-50F8BE480CF7}"/>
               </a:ext>
             </a:extLst>
           </p:cNvPr>
@@ -26660,7 +26552,7 @@
               <a:defRPr/>
             </a:pPr>
             <a:r>
-              <a:rPr lang="en-US" dirty="0" smtClean="0">
+              <a:rPr lang="en-US" dirty="0">
                 <a:solidFill>
                   <a:srgbClr val="24B5A1"/>
                 </a:solidFill>
@@ -26669,22 +26561,13 @@
               <a:t>7.6   </a:t>
             </a:r>
             <a:r>
-              <a:rPr lang="en-US" dirty="0" smtClean="0">
+              <a:rPr lang="en-US" dirty="0">
                 <a:solidFill>
                   <a:srgbClr val="3380E6"/>
                 </a:solidFill>
                 <a:latin typeface="Calibri" panose="020F0502020204030204" pitchFamily="34" charset="0"/>
               </a:rPr>
-              <a:t>Case </a:t>
-            </a:r>
-            <a:r>
-              <a:rPr lang="en-US" dirty="0">
-                <a:solidFill>
-                  <a:srgbClr val="3380E6"/>
-                </a:solidFill>
-                <a:latin typeface="Calibri" panose="020F0502020204030204" pitchFamily="34" charset="0"/>
-              </a:rPr>
-              <a:t>Study: Card Shuffling and Dealing Simulation (Cont.)</a:t>
+              <a:t>Case Study: Card Shuffling and Dealing Simulation (Cont.)</a:t>
             </a:r>
           </a:p>
         </p:txBody>
@@ -26694,7 +26577,7 @@
           <p:cNvPr id="64515" name="Text Placeholder 2">
             <a:extLst>
               <a:ext uri="{FF2B5EF4-FFF2-40B4-BE49-F238E27FC236}">
-                <a16:creationId xmlns="" xmlns:a16="http://schemas.microsoft.com/office/drawing/2014/main" id="{E74D3F70-030E-4454-92F0-4052BC0FB463}"/>
+                <a16:creationId xmlns:a16="http://schemas.microsoft.com/office/drawing/2014/main" id="{E74D3F70-030E-4454-92F0-4052BC0FB463}"/>
               </a:ext>
             </a:extLst>
           </p:cNvPr>
@@ -27020,7 +26903,7 @@
           <p:cNvPr id="4" name="Footer Placeholder 3">
             <a:extLst>
               <a:ext uri="{FF2B5EF4-FFF2-40B4-BE49-F238E27FC236}">
-                <a16:creationId xmlns="" xmlns:a16="http://schemas.microsoft.com/office/drawing/2014/main" id="{375FA658-AD9A-4FAD-B782-20D952B0D7DB}"/>
+                <a16:creationId xmlns:a16="http://schemas.microsoft.com/office/drawing/2014/main" id="{375FA658-AD9A-4FAD-B782-20D952B0D7DB}"/>
               </a:ext>
             </a:extLst>
           </p:cNvPr>
@@ -27081,7 +26964,7 @@
           <p:cNvPr id="3" name="Picture 2" descr="jhtp_07_Arrays_Page_033">
             <a:extLst>
               <a:ext uri="{FF2B5EF4-FFF2-40B4-BE49-F238E27FC236}">
-                <a16:creationId xmlns="" xmlns:a16="http://schemas.microsoft.com/office/drawing/2014/main" id="{31D3FEFA-43AE-4C64-9954-810AE784DD15}"/>
+                <a16:creationId xmlns:a16="http://schemas.microsoft.com/office/drawing/2014/main" id="{31D3FEFA-43AE-4C64-9954-810AE784DD15}"/>
               </a:ext>
             </a:extLst>
           </p:cNvPr>
@@ -27118,7 +27001,7 @@
           <p:cNvPr id="2" name="Footer Placeholder 1">
             <a:extLst>
               <a:ext uri="{FF2B5EF4-FFF2-40B4-BE49-F238E27FC236}">
-                <a16:creationId xmlns="" xmlns:a16="http://schemas.microsoft.com/office/drawing/2014/main" id="{7E67CE28-B343-40E2-B8E0-2C94CAEB6CA8}"/>
+                <a16:creationId xmlns:a16="http://schemas.microsoft.com/office/drawing/2014/main" id="{7E67CE28-B343-40E2-B8E0-2C94CAEB6CA8}"/>
               </a:ext>
             </a:extLst>
           </p:cNvPr>
@@ -27176,7 +27059,7 @@
           <p:cNvPr id="2" name="Title 1">
             <a:extLst>
               <a:ext uri="{FF2B5EF4-FFF2-40B4-BE49-F238E27FC236}">
-                <a16:creationId xmlns="" xmlns:a16="http://schemas.microsoft.com/office/drawing/2014/main" id="{1DCF0D1E-9108-4836-8A46-740E3C064082}"/>
+                <a16:creationId xmlns:a16="http://schemas.microsoft.com/office/drawing/2014/main" id="{1DCF0D1E-9108-4836-8A46-740E3C064082}"/>
               </a:ext>
             </a:extLst>
           </p:cNvPr>
@@ -27231,7 +27114,7 @@
           <p:cNvPr id="66563" name="Text Placeholder 2">
             <a:extLst>
               <a:ext uri="{FF2B5EF4-FFF2-40B4-BE49-F238E27FC236}">
-                <a16:creationId xmlns="" xmlns:a16="http://schemas.microsoft.com/office/drawing/2014/main" id="{D09C930E-C601-44D7-BC97-3D78B8157596}"/>
+                <a16:creationId xmlns:a16="http://schemas.microsoft.com/office/drawing/2014/main" id="{D09C930E-C601-44D7-BC97-3D78B8157596}"/>
               </a:ext>
             </a:extLst>
           </p:cNvPr>
@@ -27649,7 +27532,7 @@
           <p:cNvPr id="4" name="Footer Placeholder 3">
             <a:extLst>
               <a:ext uri="{FF2B5EF4-FFF2-40B4-BE49-F238E27FC236}">
-                <a16:creationId xmlns="" xmlns:a16="http://schemas.microsoft.com/office/drawing/2014/main" id="{E399005A-A994-4BFB-994A-4C860EDBE52E}"/>
+                <a16:creationId xmlns:a16="http://schemas.microsoft.com/office/drawing/2014/main" id="{E399005A-A994-4BFB-994A-4C860EDBE52E}"/>
               </a:ext>
             </a:extLst>
           </p:cNvPr>
@@ -27710,7 +27593,7 @@
           <p:cNvPr id="3" name="Picture 2" descr="jhtp_07_Arrays_Page_034">
             <a:extLst>
               <a:ext uri="{FF2B5EF4-FFF2-40B4-BE49-F238E27FC236}">
-                <a16:creationId xmlns="" xmlns:a16="http://schemas.microsoft.com/office/drawing/2014/main" id="{E5D29AB0-17D8-4D9A-B1A4-AA013BBBFC13}"/>
+                <a16:creationId xmlns:a16="http://schemas.microsoft.com/office/drawing/2014/main" id="{E5D29AB0-17D8-4D9A-B1A4-AA013BBBFC13}"/>
               </a:ext>
             </a:extLst>
           </p:cNvPr>
@@ -27747,7 +27630,7 @@
           <p:cNvPr id="2" name="Footer Placeholder 1">
             <a:extLst>
               <a:ext uri="{FF2B5EF4-FFF2-40B4-BE49-F238E27FC236}">
-                <a16:creationId xmlns="" xmlns:a16="http://schemas.microsoft.com/office/drawing/2014/main" id="{544C29F8-F752-4B8A-BEEC-3DAE8137DD31}"/>
+                <a16:creationId xmlns:a16="http://schemas.microsoft.com/office/drawing/2014/main" id="{544C29F8-F752-4B8A-BEEC-3DAE8137DD31}"/>
               </a:ext>
             </a:extLst>
           </p:cNvPr>
@@ -27805,7 +27688,7 @@
           <p:cNvPr id="3" name="Picture 2" descr="jhtp_07_Arrays_Page_035">
             <a:extLst>
               <a:ext uri="{FF2B5EF4-FFF2-40B4-BE49-F238E27FC236}">
-                <a16:creationId xmlns="" xmlns:a16="http://schemas.microsoft.com/office/drawing/2014/main" id="{6E4812A5-834E-427E-8C6E-E3A3B1E2CA9F}"/>
+                <a16:creationId xmlns:a16="http://schemas.microsoft.com/office/drawing/2014/main" id="{6E4812A5-834E-427E-8C6E-E3A3B1E2CA9F}"/>
               </a:ext>
             </a:extLst>
           </p:cNvPr>
@@ -27842,7 +27725,7 @@
           <p:cNvPr id="2" name="Footer Placeholder 1">
             <a:extLst>
               <a:ext uri="{FF2B5EF4-FFF2-40B4-BE49-F238E27FC236}">
-                <a16:creationId xmlns="" xmlns:a16="http://schemas.microsoft.com/office/drawing/2014/main" id="{678807EA-DBD3-430E-B868-288B2C12B0BC}"/>
+                <a16:creationId xmlns:a16="http://schemas.microsoft.com/office/drawing/2014/main" id="{678807EA-DBD3-430E-B868-288B2C12B0BC}"/>
               </a:ext>
             </a:extLst>
           </p:cNvPr>
@@ -27900,7 +27783,7 @@
           <p:cNvPr id="3" name="Picture 2" descr="jhtp_07_Arrays_Page_036">
             <a:extLst>
               <a:ext uri="{FF2B5EF4-FFF2-40B4-BE49-F238E27FC236}">
-                <a16:creationId xmlns="" xmlns:a16="http://schemas.microsoft.com/office/drawing/2014/main" id="{3D921338-3E7C-4D07-AD57-45FA54FC300A}"/>
+                <a16:creationId xmlns:a16="http://schemas.microsoft.com/office/drawing/2014/main" id="{3D921338-3E7C-4D07-AD57-45FA54FC300A}"/>
               </a:ext>
             </a:extLst>
           </p:cNvPr>
@@ -27937,7 +27820,7 @@
           <p:cNvPr id="2" name="Footer Placeholder 1">
             <a:extLst>
               <a:ext uri="{FF2B5EF4-FFF2-40B4-BE49-F238E27FC236}">
-                <a16:creationId xmlns="" xmlns:a16="http://schemas.microsoft.com/office/drawing/2014/main" id="{867BCDBA-C66D-47D5-BCA9-3B80EB3A8404}"/>
+                <a16:creationId xmlns:a16="http://schemas.microsoft.com/office/drawing/2014/main" id="{867BCDBA-C66D-47D5-BCA9-3B80EB3A8404}"/>
               </a:ext>
             </a:extLst>
           </p:cNvPr>
@@ -27995,7 +27878,7 @@
           <p:cNvPr id="3" name="Picture 2" descr="jhtp_07_Arrays_Page_037">
             <a:extLst>
               <a:ext uri="{FF2B5EF4-FFF2-40B4-BE49-F238E27FC236}">
-                <a16:creationId xmlns="" xmlns:a16="http://schemas.microsoft.com/office/drawing/2014/main" id="{5CD11870-AF85-40AF-B0F7-203B4772282B}"/>
+                <a16:creationId xmlns:a16="http://schemas.microsoft.com/office/drawing/2014/main" id="{5CD11870-AF85-40AF-B0F7-203B4772282B}"/>
               </a:ext>
             </a:extLst>
           </p:cNvPr>
@@ -28032,7 +27915,7 @@
           <p:cNvPr id="2" name="Footer Placeholder 1">
             <a:extLst>
               <a:ext uri="{FF2B5EF4-FFF2-40B4-BE49-F238E27FC236}">
-                <a16:creationId xmlns="" xmlns:a16="http://schemas.microsoft.com/office/drawing/2014/main" id="{F9E0CF51-7686-467D-A016-3BFEF51CCF98}"/>
+                <a16:creationId xmlns:a16="http://schemas.microsoft.com/office/drawing/2014/main" id="{F9E0CF51-7686-467D-A016-3BFEF51CCF98}"/>
               </a:ext>
             </a:extLst>
           </p:cNvPr>
@@ -28090,7 +27973,7 @@
           <p:cNvPr id="2" name="Title 1">
             <a:extLst>
               <a:ext uri="{FF2B5EF4-FFF2-40B4-BE49-F238E27FC236}">
-                <a16:creationId xmlns="" xmlns:a16="http://schemas.microsoft.com/office/drawing/2014/main" id="{F66BA33E-2F72-4F67-A415-7917ACE4A967}"/>
+                <a16:creationId xmlns:a16="http://schemas.microsoft.com/office/drawing/2014/main" id="{F66BA33E-2F72-4F67-A415-7917ACE4A967}"/>
               </a:ext>
             </a:extLst>
           </p:cNvPr>
@@ -28140,7 +28023,7 @@
           <p:cNvPr id="70659" name="Text Placeholder 2">
             <a:extLst>
               <a:ext uri="{FF2B5EF4-FFF2-40B4-BE49-F238E27FC236}">
-                <a16:creationId xmlns="" xmlns:a16="http://schemas.microsoft.com/office/drawing/2014/main" id="{011A6B6A-9BF1-437A-B7F6-C8EAC30FBF12}"/>
+                <a16:creationId xmlns:a16="http://schemas.microsoft.com/office/drawing/2014/main" id="{011A6B6A-9BF1-437A-B7F6-C8EAC30FBF12}"/>
               </a:ext>
             </a:extLst>
           </p:cNvPr>
@@ -28269,7 +28152,7 @@
           <p:cNvPr id="4" name="Footer Placeholder 3">
             <a:extLst>
               <a:ext uri="{FF2B5EF4-FFF2-40B4-BE49-F238E27FC236}">
-                <a16:creationId xmlns="" xmlns:a16="http://schemas.microsoft.com/office/drawing/2014/main" id="{181E6397-D36D-4DF2-97F1-BDC2505806A0}"/>
+                <a16:creationId xmlns:a16="http://schemas.microsoft.com/office/drawing/2014/main" id="{181E6397-D36D-4DF2-97F1-BDC2505806A0}"/>
               </a:ext>
             </a:extLst>
           </p:cNvPr>
@@ -28330,7 +28213,7 @@
           <p:cNvPr id="3" name="Picture 2" descr="jhtp_07_Arrays_Page_038">
             <a:extLst>
               <a:ext uri="{FF2B5EF4-FFF2-40B4-BE49-F238E27FC236}">
-                <a16:creationId xmlns="" xmlns:a16="http://schemas.microsoft.com/office/drawing/2014/main" id="{C4E0E0A2-9A57-4E8D-A1B7-E1F047132F87}"/>
+                <a16:creationId xmlns:a16="http://schemas.microsoft.com/office/drawing/2014/main" id="{C4E0E0A2-9A57-4E8D-A1B7-E1F047132F87}"/>
               </a:ext>
             </a:extLst>
           </p:cNvPr>
@@ -28367,7 +28250,7 @@
           <p:cNvPr id="2" name="Footer Placeholder 1">
             <a:extLst>
               <a:ext uri="{FF2B5EF4-FFF2-40B4-BE49-F238E27FC236}">
-                <a16:creationId xmlns="" xmlns:a16="http://schemas.microsoft.com/office/drawing/2014/main" id="{BC80B9EC-7221-4B4C-8378-BFA7B1F21C54}"/>
+                <a16:creationId xmlns:a16="http://schemas.microsoft.com/office/drawing/2014/main" id="{BC80B9EC-7221-4B4C-8378-BFA7B1F21C54}"/>
               </a:ext>
             </a:extLst>
           </p:cNvPr>
@@ -28425,7 +28308,7 @@
           <p:cNvPr id="3" name="Picture 2" descr="jhtp_07_Arrays_Page_039">
             <a:extLst>
               <a:ext uri="{FF2B5EF4-FFF2-40B4-BE49-F238E27FC236}">
-                <a16:creationId xmlns="" xmlns:a16="http://schemas.microsoft.com/office/drawing/2014/main" id="{22B38F22-80EE-431A-819C-E5604AB02F8F}"/>
+                <a16:creationId xmlns:a16="http://schemas.microsoft.com/office/drawing/2014/main" id="{22B38F22-80EE-431A-819C-E5604AB02F8F}"/>
               </a:ext>
             </a:extLst>
           </p:cNvPr>
@@ -28462,7 +28345,7 @@
           <p:cNvPr id="2" name="Footer Placeholder 1">
             <a:extLst>
               <a:ext uri="{FF2B5EF4-FFF2-40B4-BE49-F238E27FC236}">
-                <a16:creationId xmlns="" xmlns:a16="http://schemas.microsoft.com/office/drawing/2014/main" id="{EEB8661E-9370-4370-BD61-62FDBD19597A}"/>
+                <a16:creationId xmlns:a16="http://schemas.microsoft.com/office/drawing/2014/main" id="{EEB8661E-9370-4370-BD61-62FDBD19597A}"/>
               </a:ext>
             </a:extLst>
           </p:cNvPr>
@@ -28520,7 +28403,7 @@
           <p:cNvPr id="2" name="Title 1">
             <a:extLst>
               <a:ext uri="{FF2B5EF4-FFF2-40B4-BE49-F238E27FC236}">
-                <a16:creationId xmlns="" xmlns:a16="http://schemas.microsoft.com/office/drawing/2014/main" id="{3A01590C-8A47-4B19-9178-E920C11A840C}"/>
+                <a16:creationId xmlns:a16="http://schemas.microsoft.com/office/drawing/2014/main" id="{3A01590C-8A47-4B19-9178-E920C11A840C}"/>
               </a:ext>
             </a:extLst>
           </p:cNvPr>
@@ -28568,7 +28451,7 @@
           <p:cNvPr id="15363" name="Text Placeholder 2">
             <a:extLst>
               <a:ext uri="{FF2B5EF4-FFF2-40B4-BE49-F238E27FC236}">
-                <a16:creationId xmlns="" xmlns:a16="http://schemas.microsoft.com/office/drawing/2014/main" id="{762656D8-2F65-48C5-8A33-AA927A567BC5}"/>
+                <a16:creationId xmlns:a16="http://schemas.microsoft.com/office/drawing/2014/main" id="{762656D8-2F65-48C5-8A33-AA927A567BC5}"/>
               </a:ext>
             </a:extLst>
           </p:cNvPr>
@@ -28715,7 +28598,7 @@
           <p:cNvPr id="4" name="Footer Placeholder 3">
             <a:extLst>
               <a:ext uri="{FF2B5EF4-FFF2-40B4-BE49-F238E27FC236}">
-                <a16:creationId xmlns="" xmlns:a16="http://schemas.microsoft.com/office/drawing/2014/main" id="{26B8883D-81F2-4881-8FCA-A370428A2E9F}"/>
+                <a16:creationId xmlns:a16="http://schemas.microsoft.com/office/drawing/2014/main" id="{26B8883D-81F2-4881-8FCA-A370428A2E9F}"/>
               </a:ext>
             </a:extLst>
           </p:cNvPr>
@@ -28776,7 +28659,7 @@
           <p:cNvPr id="2" name="Title 1">
             <a:extLst>
               <a:ext uri="{FF2B5EF4-FFF2-40B4-BE49-F238E27FC236}">
-                <a16:creationId xmlns="" xmlns:a16="http://schemas.microsoft.com/office/drawing/2014/main" id="{BF0E1385-135E-44FC-BB5F-023256470ED9}"/>
+                <a16:creationId xmlns:a16="http://schemas.microsoft.com/office/drawing/2014/main" id="{BF0E1385-135E-44FC-BB5F-023256470ED9}"/>
               </a:ext>
             </a:extLst>
           </p:cNvPr>
@@ -28826,7 +28709,7 @@
           <p:cNvPr id="65539" name="Text Placeholder 2">
             <a:extLst>
               <a:ext uri="{FF2B5EF4-FFF2-40B4-BE49-F238E27FC236}">
-                <a16:creationId xmlns="" xmlns:a16="http://schemas.microsoft.com/office/drawing/2014/main" id="{A3FDF2BB-A88B-4277-923D-C34BA21FD3CB}"/>
+                <a16:creationId xmlns:a16="http://schemas.microsoft.com/office/drawing/2014/main" id="{A3FDF2BB-A88B-4277-923D-C34BA21FD3CB}"/>
               </a:ext>
             </a:extLst>
           </p:cNvPr>
@@ -29028,7 +28911,7 @@
           <p:cNvPr id="4" name="Footer Placeholder 3">
             <a:extLst>
               <a:ext uri="{FF2B5EF4-FFF2-40B4-BE49-F238E27FC236}">
-                <a16:creationId xmlns="" xmlns:a16="http://schemas.microsoft.com/office/drawing/2014/main" id="{C982B88E-8908-4835-AC3D-089AFC81BDF9}"/>
+                <a16:creationId xmlns:a16="http://schemas.microsoft.com/office/drawing/2014/main" id="{C982B88E-8908-4835-AC3D-089AFC81BDF9}"/>
               </a:ext>
             </a:extLst>
           </p:cNvPr>
@@ -29089,7 +28972,7 @@
           <p:cNvPr id="2" name="Title 1">
             <a:extLst>
               <a:ext uri="{FF2B5EF4-FFF2-40B4-BE49-F238E27FC236}">
-                <a16:creationId xmlns="" xmlns:a16="http://schemas.microsoft.com/office/drawing/2014/main" id="{B43D12DB-313C-4167-883A-089529E57701}"/>
+                <a16:creationId xmlns:a16="http://schemas.microsoft.com/office/drawing/2014/main" id="{B43D12DB-313C-4167-883A-089529E57701}"/>
               </a:ext>
             </a:extLst>
           </p:cNvPr>
@@ -29155,7 +29038,7 @@
           <p:cNvPr id="74755" name="Text Placeholder 2">
             <a:extLst>
               <a:ext uri="{FF2B5EF4-FFF2-40B4-BE49-F238E27FC236}">
-                <a16:creationId xmlns="" xmlns:a16="http://schemas.microsoft.com/office/drawing/2014/main" id="{162D2B28-AA3C-4A50-9705-7CEA242F5040}"/>
+                <a16:creationId xmlns:a16="http://schemas.microsoft.com/office/drawing/2014/main" id="{162D2B28-AA3C-4A50-9705-7CEA242F5040}"/>
               </a:ext>
             </a:extLst>
           </p:cNvPr>
@@ -29328,15 +29211,6 @@
                 <a:latin typeface="Consolas" panose="020B0609020204030204" pitchFamily="49" charset="0"/>
               </a:rPr>
               <a:t>) {</a:t>
-            </a:r>
-            <a:r>
-              <a:rPr lang="en-US" altLang="en-US" sz="1900" i="1" dirty="0">
-                <a:solidFill>
-                  <a:srgbClr val="000000"/>
-                </a:solidFill>
-                <a:latin typeface="Consolas" panose="020B0609020204030204" pitchFamily="49" charset="0"/>
-              </a:rPr>
-              <a:t/>
             </a:r>
             <a:br>
               <a:rPr lang="en-US" altLang="en-US" sz="1900" i="1" dirty="0">
@@ -29514,7 +29388,7 @@
           <p:cNvPr id="4" name="Footer Placeholder 3">
             <a:extLst>
               <a:ext uri="{FF2B5EF4-FFF2-40B4-BE49-F238E27FC236}">
-                <a16:creationId xmlns="" xmlns:a16="http://schemas.microsoft.com/office/drawing/2014/main" id="{AAEDF6CD-D296-41CE-A6BF-5C80138376B6}"/>
+                <a16:creationId xmlns:a16="http://schemas.microsoft.com/office/drawing/2014/main" id="{AAEDF6CD-D296-41CE-A6BF-5C80138376B6}"/>
               </a:ext>
             </a:extLst>
           </p:cNvPr>
@@ -29575,7 +29449,7 @@
           <p:cNvPr id="3" name="Picture 2" descr="jhtp_07_Arrays_Page_040">
             <a:extLst>
               <a:ext uri="{FF2B5EF4-FFF2-40B4-BE49-F238E27FC236}">
-                <a16:creationId xmlns="" xmlns:a16="http://schemas.microsoft.com/office/drawing/2014/main" id="{61343A15-8F0B-4270-84D0-72FF3A908BEA}"/>
+                <a16:creationId xmlns:a16="http://schemas.microsoft.com/office/drawing/2014/main" id="{61343A15-8F0B-4270-84D0-72FF3A908BEA}"/>
               </a:ext>
             </a:extLst>
           </p:cNvPr>
@@ -29612,7 +29486,7 @@
           <p:cNvPr id="2" name="Footer Placeholder 1">
             <a:extLst>
               <a:ext uri="{FF2B5EF4-FFF2-40B4-BE49-F238E27FC236}">
-                <a16:creationId xmlns="" xmlns:a16="http://schemas.microsoft.com/office/drawing/2014/main" id="{07E5A658-335F-40CE-BB16-C70A6CDDDF0C}"/>
+                <a16:creationId xmlns:a16="http://schemas.microsoft.com/office/drawing/2014/main" id="{07E5A658-335F-40CE-BB16-C70A6CDDDF0C}"/>
               </a:ext>
             </a:extLst>
           </p:cNvPr>
@@ -29670,7 +29544,7 @@
           <p:cNvPr id="2" name="Title 1">
             <a:extLst>
               <a:ext uri="{FF2B5EF4-FFF2-40B4-BE49-F238E27FC236}">
-                <a16:creationId xmlns="" xmlns:a16="http://schemas.microsoft.com/office/drawing/2014/main" id="{A61BF8EE-3ABD-4A8E-8A24-23233854E97C}"/>
+                <a16:creationId xmlns:a16="http://schemas.microsoft.com/office/drawing/2014/main" id="{A61BF8EE-3ABD-4A8E-8A24-23233854E97C}"/>
               </a:ext>
             </a:extLst>
           </p:cNvPr>
@@ -29736,7 +29610,7 @@
           <p:cNvPr id="76803" name="Text Placeholder 2">
             <a:extLst>
               <a:ext uri="{FF2B5EF4-FFF2-40B4-BE49-F238E27FC236}">
-                <a16:creationId xmlns="" xmlns:a16="http://schemas.microsoft.com/office/drawing/2014/main" id="{45ABD535-385D-420A-B15E-1EF2FEADF277}"/>
+                <a16:creationId xmlns:a16="http://schemas.microsoft.com/office/drawing/2014/main" id="{45ABD535-385D-420A-B15E-1EF2FEADF277}"/>
               </a:ext>
             </a:extLst>
           </p:cNvPr>
@@ -29909,7 +29783,7 @@
           <p:cNvPr id="4" name="Footer Placeholder 3">
             <a:extLst>
               <a:ext uri="{FF2B5EF4-FFF2-40B4-BE49-F238E27FC236}">
-                <a16:creationId xmlns="" xmlns:a16="http://schemas.microsoft.com/office/drawing/2014/main" id="{4C194B6F-6397-4A2B-87D3-551804548723}"/>
+                <a16:creationId xmlns:a16="http://schemas.microsoft.com/office/drawing/2014/main" id="{4C194B6F-6397-4A2B-87D3-551804548723}"/>
               </a:ext>
             </a:extLst>
           </p:cNvPr>
@@ -29970,7 +29844,7 @@
           <p:cNvPr id="2" name="Title 1">
             <a:extLst>
               <a:ext uri="{FF2B5EF4-FFF2-40B4-BE49-F238E27FC236}">
-                <a16:creationId xmlns="" xmlns:a16="http://schemas.microsoft.com/office/drawing/2014/main" id="{725548FE-7C86-4E55-B4B7-11876618A044}"/>
+                <a16:creationId xmlns:a16="http://schemas.microsoft.com/office/drawing/2014/main" id="{725548FE-7C86-4E55-B4B7-11876618A044}"/>
               </a:ext>
             </a:extLst>
           </p:cNvPr>
@@ -30018,7 +29892,7 @@
           <p:cNvPr id="79875" name="Text Placeholder 2">
             <a:extLst>
               <a:ext uri="{FF2B5EF4-FFF2-40B4-BE49-F238E27FC236}">
-                <a16:creationId xmlns="" xmlns:a16="http://schemas.microsoft.com/office/drawing/2014/main" id="{74D06179-9878-4A9E-8F49-7A6AACB635EB}"/>
+                <a16:creationId xmlns:a16="http://schemas.microsoft.com/office/drawing/2014/main" id="{74D06179-9878-4A9E-8F49-7A6AACB635EB}"/>
               </a:ext>
             </a:extLst>
           </p:cNvPr>
@@ -30178,7 +30052,7 @@
           <p:cNvPr id="4" name="Footer Placeholder 3">
             <a:extLst>
               <a:ext uri="{FF2B5EF4-FFF2-40B4-BE49-F238E27FC236}">
-                <a16:creationId xmlns="" xmlns:a16="http://schemas.microsoft.com/office/drawing/2014/main" id="{B25DA5CF-8337-49B3-86E1-9CA8058202DA}"/>
+                <a16:creationId xmlns:a16="http://schemas.microsoft.com/office/drawing/2014/main" id="{B25DA5CF-8337-49B3-86E1-9CA8058202DA}"/>
               </a:ext>
             </a:extLst>
           </p:cNvPr>
@@ -30239,7 +30113,7 @@
           <p:cNvPr id="3" name="Picture 2" descr="jhtp_07_Arrays_Page_042">
             <a:extLst>
               <a:ext uri="{FF2B5EF4-FFF2-40B4-BE49-F238E27FC236}">
-                <a16:creationId xmlns="" xmlns:a16="http://schemas.microsoft.com/office/drawing/2014/main" id="{811ACD28-4CC4-484B-B563-CB2A1190039A}"/>
+                <a16:creationId xmlns:a16="http://schemas.microsoft.com/office/drawing/2014/main" id="{811ACD28-4CC4-484B-B563-CB2A1190039A}"/>
               </a:ext>
             </a:extLst>
           </p:cNvPr>
@@ -30276,7 +30150,7 @@
           <p:cNvPr id="2" name="Footer Placeholder 1">
             <a:extLst>
               <a:ext uri="{FF2B5EF4-FFF2-40B4-BE49-F238E27FC236}">
-                <a16:creationId xmlns="" xmlns:a16="http://schemas.microsoft.com/office/drawing/2014/main" id="{4858E94E-B0FC-4DD1-BFF4-DB0A050BB998}"/>
+                <a16:creationId xmlns:a16="http://schemas.microsoft.com/office/drawing/2014/main" id="{4858E94E-B0FC-4DD1-BFF4-DB0A050BB998}"/>
               </a:ext>
             </a:extLst>
           </p:cNvPr>
@@ -30334,7 +30208,7 @@
           <p:cNvPr id="3" name="Picture 2" descr="jhtp_07_Arrays_Page_043">
             <a:extLst>
               <a:ext uri="{FF2B5EF4-FFF2-40B4-BE49-F238E27FC236}">
-                <a16:creationId xmlns="" xmlns:a16="http://schemas.microsoft.com/office/drawing/2014/main" id="{3DDEE767-533F-4713-B3BE-0471B9B7F735}"/>
+                <a16:creationId xmlns:a16="http://schemas.microsoft.com/office/drawing/2014/main" id="{3DDEE767-533F-4713-B3BE-0471B9B7F735}"/>
               </a:ext>
             </a:extLst>
           </p:cNvPr>
@@ -30371,7 +30245,7 @@
           <p:cNvPr id="2" name="Footer Placeholder 1">
             <a:extLst>
               <a:ext uri="{FF2B5EF4-FFF2-40B4-BE49-F238E27FC236}">
-                <a16:creationId xmlns="" xmlns:a16="http://schemas.microsoft.com/office/drawing/2014/main" id="{2698CD7E-4536-4F8A-A9BF-E07187FB3DE4}"/>
+                <a16:creationId xmlns:a16="http://schemas.microsoft.com/office/drawing/2014/main" id="{2698CD7E-4536-4F8A-A9BF-E07187FB3DE4}"/>
               </a:ext>
             </a:extLst>
           </p:cNvPr>
@@ -30429,7 +30303,7 @@
           <p:cNvPr id="3" name="Picture 2" descr="jhtp_07_Arrays_Page_044">
             <a:extLst>
               <a:ext uri="{FF2B5EF4-FFF2-40B4-BE49-F238E27FC236}">
-                <a16:creationId xmlns="" xmlns:a16="http://schemas.microsoft.com/office/drawing/2014/main" id="{9C6A6B9C-761F-4326-A0B8-08345AE843A2}"/>
+                <a16:creationId xmlns:a16="http://schemas.microsoft.com/office/drawing/2014/main" id="{9C6A6B9C-761F-4326-A0B8-08345AE843A2}"/>
               </a:ext>
             </a:extLst>
           </p:cNvPr>
@@ -30466,7 +30340,7 @@
           <p:cNvPr id="2" name="Footer Placeholder 1">
             <a:extLst>
               <a:ext uri="{FF2B5EF4-FFF2-40B4-BE49-F238E27FC236}">
-                <a16:creationId xmlns="" xmlns:a16="http://schemas.microsoft.com/office/drawing/2014/main" id="{C0C68B93-B6EA-4678-B9AD-7CF387500AA6}"/>
+                <a16:creationId xmlns:a16="http://schemas.microsoft.com/office/drawing/2014/main" id="{C0C68B93-B6EA-4678-B9AD-7CF387500AA6}"/>
               </a:ext>
             </a:extLst>
           </p:cNvPr>
@@ -30524,7 +30398,7 @@
           <p:cNvPr id="3" name="Picture 2" descr="jhtp_07_Arrays_Page_045">
             <a:extLst>
               <a:ext uri="{FF2B5EF4-FFF2-40B4-BE49-F238E27FC236}">
-                <a16:creationId xmlns="" xmlns:a16="http://schemas.microsoft.com/office/drawing/2014/main" id="{BBBA3BF5-121C-4BBE-AE0A-D2E265E4605B}"/>
+                <a16:creationId xmlns:a16="http://schemas.microsoft.com/office/drawing/2014/main" id="{BBBA3BF5-121C-4BBE-AE0A-D2E265E4605B}"/>
               </a:ext>
             </a:extLst>
           </p:cNvPr>
@@ -30561,7 +30435,7 @@
           <p:cNvPr id="2" name="Footer Placeholder 1">
             <a:extLst>
               <a:ext uri="{FF2B5EF4-FFF2-40B4-BE49-F238E27FC236}">
-                <a16:creationId xmlns="" xmlns:a16="http://schemas.microsoft.com/office/drawing/2014/main" id="{57B4A24D-5090-4145-84DF-66249B62986F}"/>
+                <a16:creationId xmlns:a16="http://schemas.microsoft.com/office/drawing/2014/main" id="{57B4A24D-5090-4145-84DF-66249B62986F}"/>
               </a:ext>
             </a:extLst>
           </p:cNvPr>
@@ -30619,7 +30493,7 @@
           <p:cNvPr id="2" name="Title 1">
             <a:extLst>
               <a:ext uri="{FF2B5EF4-FFF2-40B4-BE49-F238E27FC236}">
-                <a16:creationId xmlns="" xmlns:a16="http://schemas.microsoft.com/office/drawing/2014/main" id="{25C81151-4DDD-4C9C-9875-C904C0EB031E}"/>
+                <a16:creationId xmlns:a16="http://schemas.microsoft.com/office/drawing/2014/main" id="{25C81151-4DDD-4C9C-9875-C904C0EB031E}"/>
               </a:ext>
             </a:extLst>
           </p:cNvPr>
@@ -30669,7 +30543,7 @@
           <p:cNvPr id="83971" name="Text Placeholder 2">
             <a:extLst>
               <a:ext uri="{FF2B5EF4-FFF2-40B4-BE49-F238E27FC236}">
-                <a16:creationId xmlns="" xmlns:a16="http://schemas.microsoft.com/office/drawing/2014/main" id="{7D6DAB22-50C7-4A0D-824D-8038CDDA8461}"/>
+                <a16:creationId xmlns:a16="http://schemas.microsoft.com/office/drawing/2014/main" id="{7D6DAB22-50C7-4A0D-824D-8038CDDA8461}"/>
               </a:ext>
             </a:extLst>
           </p:cNvPr>
@@ -30808,7 +30682,7 @@
           <p:cNvPr id="4" name="Footer Placeholder 3">
             <a:extLst>
               <a:ext uri="{FF2B5EF4-FFF2-40B4-BE49-F238E27FC236}">
-                <a16:creationId xmlns="" xmlns:a16="http://schemas.microsoft.com/office/drawing/2014/main" id="{330C37D3-4193-4499-88FF-166B75F5FA73}"/>
+                <a16:creationId xmlns:a16="http://schemas.microsoft.com/office/drawing/2014/main" id="{330C37D3-4193-4499-88FF-166B75F5FA73}"/>
               </a:ext>
             </a:extLst>
           </p:cNvPr>
@@ -30869,7 +30743,7 @@
           <p:cNvPr id="2" name="Title 1">
             <a:extLst>
               <a:ext uri="{FF2B5EF4-FFF2-40B4-BE49-F238E27FC236}">
-                <a16:creationId xmlns="" xmlns:a16="http://schemas.microsoft.com/office/drawing/2014/main" id="{A7B3A05B-99E9-486D-B57A-108FE5AAF60D}"/>
+                <a16:creationId xmlns:a16="http://schemas.microsoft.com/office/drawing/2014/main" id="{A7B3A05B-99E9-486D-B57A-108FE5AAF60D}"/>
               </a:ext>
             </a:extLst>
           </p:cNvPr>
@@ -30917,7 +30791,7 @@
           <p:cNvPr id="16387" name="Text Placeholder 2">
             <a:extLst>
               <a:ext uri="{FF2B5EF4-FFF2-40B4-BE49-F238E27FC236}">
-                <a16:creationId xmlns="" xmlns:a16="http://schemas.microsoft.com/office/drawing/2014/main" id="{4D1CE302-1639-40F0-AEFD-964FC1C2C154}"/>
+                <a16:creationId xmlns:a16="http://schemas.microsoft.com/office/drawing/2014/main" id="{4D1CE302-1639-40F0-AEFD-964FC1C2C154}"/>
               </a:ext>
             </a:extLst>
           </p:cNvPr>
@@ -31178,7 +31052,7 @@
           <p:cNvPr id="4" name="Footer Placeholder 3">
             <a:extLst>
               <a:ext uri="{FF2B5EF4-FFF2-40B4-BE49-F238E27FC236}">
-                <a16:creationId xmlns="" xmlns:a16="http://schemas.microsoft.com/office/drawing/2014/main" id="{EB6FCA1B-BC74-453B-B919-DA31EE0238EC}"/>
+                <a16:creationId xmlns:a16="http://schemas.microsoft.com/office/drawing/2014/main" id="{EB6FCA1B-BC74-453B-B919-DA31EE0238EC}"/>
               </a:ext>
             </a:extLst>
           </p:cNvPr>
@@ -31239,7 +31113,7 @@
           <p:cNvPr id="2" name="Title 1">
             <a:extLst>
               <a:ext uri="{FF2B5EF4-FFF2-40B4-BE49-F238E27FC236}">
-                <a16:creationId xmlns="" xmlns:a16="http://schemas.microsoft.com/office/drawing/2014/main" id="{E9C0D216-C998-46F0-A716-885B9054EA87}"/>
+                <a16:creationId xmlns:a16="http://schemas.microsoft.com/office/drawing/2014/main" id="{E9C0D216-C998-46F0-A716-885B9054EA87}"/>
               </a:ext>
             </a:extLst>
           </p:cNvPr>
@@ -31289,7 +31163,7 @@
           <p:cNvPr id="84995" name="Text Placeholder 2">
             <a:extLst>
               <a:ext uri="{FF2B5EF4-FFF2-40B4-BE49-F238E27FC236}">
-                <a16:creationId xmlns="" xmlns:a16="http://schemas.microsoft.com/office/drawing/2014/main" id="{1640139D-CA40-43F8-A59F-2439158FEDB8}"/>
+                <a16:creationId xmlns:a16="http://schemas.microsoft.com/office/drawing/2014/main" id="{1640139D-CA40-43F8-A59F-2439158FEDB8}"/>
               </a:ext>
             </a:extLst>
           </p:cNvPr>
@@ -31463,7 +31337,7 @@
           <p:cNvPr id="4" name="Footer Placeholder 3">
             <a:extLst>
               <a:ext uri="{FF2B5EF4-FFF2-40B4-BE49-F238E27FC236}">
-                <a16:creationId xmlns="" xmlns:a16="http://schemas.microsoft.com/office/drawing/2014/main" id="{8296F202-F6E4-4FEA-9FB0-AC0A2BEC384C}"/>
+                <a16:creationId xmlns:a16="http://schemas.microsoft.com/office/drawing/2014/main" id="{8296F202-F6E4-4FEA-9FB0-AC0A2BEC384C}"/>
               </a:ext>
             </a:extLst>
           </p:cNvPr>
@@ -31524,7 +31398,7 @@
           <p:cNvPr id="2" name="Title 1">
             <a:extLst>
               <a:ext uri="{FF2B5EF4-FFF2-40B4-BE49-F238E27FC236}">
-                <a16:creationId xmlns="" xmlns:a16="http://schemas.microsoft.com/office/drawing/2014/main" id="{7A888678-CCEF-41EF-AD7E-2865144F9AB5}"/>
+                <a16:creationId xmlns:a16="http://schemas.microsoft.com/office/drawing/2014/main" id="{7A888678-CCEF-41EF-AD7E-2865144F9AB5}"/>
               </a:ext>
             </a:extLst>
           </p:cNvPr>
@@ -31592,7 +31466,7 @@
           <p:cNvPr id="87043" name="Text Placeholder 2">
             <a:extLst>
               <a:ext uri="{FF2B5EF4-FFF2-40B4-BE49-F238E27FC236}">
-                <a16:creationId xmlns="" xmlns:a16="http://schemas.microsoft.com/office/drawing/2014/main" id="{10E1E644-453F-4BE1-B9D0-213639749225}"/>
+                <a16:creationId xmlns:a16="http://schemas.microsoft.com/office/drawing/2014/main" id="{10E1E644-453F-4BE1-B9D0-213639749225}"/>
               </a:ext>
             </a:extLst>
           </p:cNvPr>
@@ -31723,7 +31597,7 @@
           <p:cNvPr id="4" name="Footer Placeholder 3">
             <a:extLst>
               <a:ext uri="{FF2B5EF4-FFF2-40B4-BE49-F238E27FC236}">
-                <a16:creationId xmlns="" xmlns:a16="http://schemas.microsoft.com/office/drawing/2014/main" id="{96C855E3-4158-4180-AEBC-88BF9D982C69}"/>
+                <a16:creationId xmlns:a16="http://schemas.microsoft.com/office/drawing/2014/main" id="{96C855E3-4158-4180-AEBC-88BF9D982C69}"/>
               </a:ext>
             </a:extLst>
           </p:cNvPr>
@@ -31784,7 +31658,7 @@
           <p:cNvPr id="3" name="Picture 2" descr="jhtp_07_Arrays_Page_047">
             <a:extLst>
               <a:ext uri="{FF2B5EF4-FFF2-40B4-BE49-F238E27FC236}">
-                <a16:creationId xmlns="" xmlns:a16="http://schemas.microsoft.com/office/drawing/2014/main" id="{44E83CBE-9F3A-4D99-A5C5-1D01324E245B}"/>
+                <a16:creationId xmlns:a16="http://schemas.microsoft.com/office/drawing/2014/main" id="{44E83CBE-9F3A-4D99-A5C5-1D01324E245B}"/>
               </a:ext>
             </a:extLst>
           </p:cNvPr>
@@ -31821,7 +31695,7 @@
           <p:cNvPr id="2" name="Footer Placeholder 1">
             <a:extLst>
               <a:ext uri="{FF2B5EF4-FFF2-40B4-BE49-F238E27FC236}">
-                <a16:creationId xmlns="" xmlns:a16="http://schemas.microsoft.com/office/drawing/2014/main" id="{2E0E6610-C16B-47E4-80CA-8DD5CB14831E}"/>
+                <a16:creationId xmlns:a16="http://schemas.microsoft.com/office/drawing/2014/main" id="{2E0E6610-C16B-47E4-80CA-8DD5CB14831E}"/>
               </a:ext>
             </a:extLst>
           </p:cNvPr>
@@ -31879,7 +31753,7 @@
           <p:cNvPr id="3" name="Picture 2" descr="jhtp_07_Arrays_Page_048">
             <a:extLst>
               <a:ext uri="{FF2B5EF4-FFF2-40B4-BE49-F238E27FC236}">
-                <a16:creationId xmlns="" xmlns:a16="http://schemas.microsoft.com/office/drawing/2014/main" id="{28565DF0-678B-4ACA-9CF2-583EE5B9EBB7}"/>
+                <a16:creationId xmlns:a16="http://schemas.microsoft.com/office/drawing/2014/main" id="{28565DF0-678B-4ACA-9CF2-583EE5B9EBB7}"/>
               </a:ext>
             </a:extLst>
           </p:cNvPr>
@@ -31916,7 +31790,7 @@
           <p:cNvPr id="2" name="Footer Placeholder 1">
             <a:extLst>
               <a:ext uri="{FF2B5EF4-FFF2-40B4-BE49-F238E27FC236}">
-                <a16:creationId xmlns="" xmlns:a16="http://schemas.microsoft.com/office/drawing/2014/main" id="{F2719F33-A23A-4F6F-B7F5-3BC4AB62910F}"/>
+                <a16:creationId xmlns:a16="http://schemas.microsoft.com/office/drawing/2014/main" id="{F2719F33-A23A-4F6F-B7F5-3BC4AB62910F}"/>
               </a:ext>
             </a:extLst>
           </p:cNvPr>
@@ -31974,7 +31848,7 @@
           <p:cNvPr id="3" name="Picture 2" descr="jhtp_07_Arrays_Page_049">
             <a:extLst>
               <a:ext uri="{FF2B5EF4-FFF2-40B4-BE49-F238E27FC236}">
-                <a16:creationId xmlns="" xmlns:a16="http://schemas.microsoft.com/office/drawing/2014/main" id="{6BD38678-D5C9-41C8-9235-7C46E33A4A8B}"/>
+                <a16:creationId xmlns:a16="http://schemas.microsoft.com/office/drawing/2014/main" id="{6BD38678-D5C9-41C8-9235-7C46E33A4A8B}"/>
               </a:ext>
             </a:extLst>
           </p:cNvPr>
@@ -32011,7 +31885,7 @@
           <p:cNvPr id="2" name="Footer Placeholder 1">
             <a:extLst>
               <a:ext uri="{FF2B5EF4-FFF2-40B4-BE49-F238E27FC236}">
-                <a16:creationId xmlns="" xmlns:a16="http://schemas.microsoft.com/office/drawing/2014/main" id="{D7F67E51-5EC0-4927-BDCC-67C965C86D6D}"/>
+                <a16:creationId xmlns:a16="http://schemas.microsoft.com/office/drawing/2014/main" id="{D7F67E51-5EC0-4927-BDCC-67C965C86D6D}"/>
               </a:ext>
             </a:extLst>
           </p:cNvPr>
@@ -32069,7 +31943,7 @@
           <p:cNvPr id="3" name="Picture 2" descr="jhtp_07_Arrays_Page_050">
             <a:extLst>
               <a:ext uri="{FF2B5EF4-FFF2-40B4-BE49-F238E27FC236}">
-                <a16:creationId xmlns="" xmlns:a16="http://schemas.microsoft.com/office/drawing/2014/main" id="{9C099EAA-0702-4F99-8333-C1AD8D229CCB}"/>
+                <a16:creationId xmlns:a16="http://schemas.microsoft.com/office/drawing/2014/main" id="{9C099EAA-0702-4F99-8333-C1AD8D229CCB}"/>
               </a:ext>
             </a:extLst>
           </p:cNvPr>
@@ -32106,7 +31980,7 @@
           <p:cNvPr id="2" name="Footer Placeholder 1">
             <a:extLst>
               <a:ext uri="{FF2B5EF4-FFF2-40B4-BE49-F238E27FC236}">
-                <a16:creationId xmlns="" xmlns:a16="http://schemas.microsoft.com/office/drawing/2014/main" id="{DF74775F-B17A-40B8-AB54-B99F80EDF4B8}"/>
+                <a16:creationId xmlns:a16="http://schemas.microsoft.com/office/drawing/2014/main" id="{DF74775F-B17A-40B8-AB54-B99F80EDF4B8}"/>
               </a:ext>
             </a:extLst>
           </p:cNvPr>
@@ -32164,7 +32038,7 @@
           <p:cNvPr id="3" name="Picture 2" descr="jhtp_07_Arrays_Page_051">
             <a:extLst>
               <a:ext uri="{FF2B5EF4-FFF2-40B4-BE49-F238E27FC236}">
-                <a16:creationId xmlns="" xmlns:a16="http://schemas.microsoft.com/office/drawing/2014/main" id="{ABC82A7D-FBF5-48CE-91A6-DB22F6C8D95D}"/>
+                <a16:creationId xmlns:a16="http://schemas.microsoft.com/office/drawing/2014/main" id="{ABC82A7D-FBF5-48CE-91A6-DB22F6C8D95D}"/>
               </a:ext>
             </a:extLst>
           </p:cNvPr>
@@ -32201,7 +32075,7 @@
           <p:cNvPr id="2" name="Footer Placeholder 1">
             <a:extLst>
               <a:ext uri="{FF2B5EF4-FFF2-40B4-BE49-F238E27FC236}">
-                <a16:creationId xmlns="" xmlns:a16="http://schemas.microsoft.com/office/drawing/2014/main" id="{9CD67AA5-76A8-4DB9-B8D0-A2DA47F3CF7F}"/>
+                <a16:creationId xmlns:a16="http://schemas.microsoft.com/office/drawing/2014/main" id="{9CD67AA5-76A8-4DB9-B8D0-A2DA47F3CF7F}"/>
               </a:ext>
             </a:extLst>
           </p:cNvPr>
@@ -32259,7 +32133,7 @@
           <p:cNvPr id="3" name="Picture 2" descr="jhtp_07_Arrays_Page_052">
             <a:extLst>
               <a:ext uri="{FF2B5EF4-FFF2-40B4-BE49-F238E27FC236}">
-                <a16:creationId xmlns="" xmlns:a16="http://schemas.microsoft.com/office/drawing/2014/main" id="{54288BFD-F239-4E81-AFD5-7ED3F01567B3}"/>
+                <a16:creationId xmlns:a16="http://schemas.microsoft.com/office/drawing/2014/main" id="{54288BFD-F239-4E81-AFD5-7ED3F01567B3}"/>
               </a:ext>
             </a:extLst>
           </p:cNvPr>
@@ -32296,7 +32170,7 @@
           <p:cNvPr id="2" name="Footer Placeholder 1">
             <a:extLst>
               <a:ext uri="{FF2B5EF4-FFF2-40B4-BE49-F238E27FC236}">
-                <a16:creationId xmlns="" xmlns:a16="http://schemas.microsoft.com/office/drawing/2014/main" id="{D900D6A1-3972-4761-A01A-8875A5255EDA}"/>
+                <a16:creationId xmlns:a16="http://schemas.microsoft.com/office/drawing/2014/main" id="{D900D6A1-3972-4761-A01A-8875A5255EDA}"/>
               </a:ext>
             </a:extLst>
           </p:cNvPr>
@@ -32354,7 +32228,7 @@
           <p:cNvPr id="3" name="Picture 2" descr="jhtp_07_Arrays_Page_053">
             <a:extLst>
               <a:ext uri="{FF2B5EF4-FFF2-40B4-BE49-F238E27FC236}">
-                <a16:creationId xmlns="" xmlns:a16="http://schemas.microsoft.com/office/drawing/2014/main" id="{43D5F688-AE2A-4B76-A718-6623AD64C395}"/>
+                <a16:creationId xmlns:a16="http://schemas.microsoft.com/office/drawing/2014/main" id="{43D5F688-AE2A-4B76-A718-6623AD64C395}"/>
               </a:ext>
             </a:extLst>
           </p:cNvPr>
@@ -32391,7 +32265,7 @@
           <p:cNvPr id="2" name="Footer Placeholder 1">
             <a:extLst>
               <a:ext uri="{FF2B5EF4-FFF2-40B4-BE49-F238E27FC236}">
-                <a16:creationId xmlns="" xmlns:a16="http://schemas.microsoft.com/office/drawing/2014/main" id="{4952BAB6-94ED-4C21-8B59-E59CB8DAD5D0}"/>
+                <a16:creationId xmlns:a16="http://schemas.microsoft.com/office/drawing/2014/main" id="{4952BAB6-94ED-4C21-8B59-E59CB8DAD5D0}"/>
               </a:ext>
             </a:extLst>
           </p:cNvPr>
@@ -32449,7 +32323,7 @@
           <p:cNvPr id="3" name="Picture 2" descr="jhtp_07_Arrays_Page_054">
             <a:extLst>
               <a:ext uri="{FF2B5EF4-FFF2-40B4-BE49-F238E27FC236}">
-                <a16:creationId xmlns="" xmlns:a16="http://schemas.microsoft.com/office/drawing/2014/main" id="{01A06337-323E-4081-80DB-C48EA531D6C8}"/>
+                <a16:creationId xmlns:a16="http://schemas.microsoft.com/office/drawing/2014/main" id="{01A06337-323E-4081-80DB-C48EA531D6C8}"/>
               </a:ext>
             </a:extLst>
           </p:cNvPr>
@@ -32486,7 +32360,7 @@
           <p:cNvPr id="2" name="Footer Placeholder 1">
             <a:extLst>
               <a:ext uri="{FF2B5EF4-FFF2-40B4-BE49-F238E27FC236}">
-                <a16:creationId xmlns="" xmlns:a16="http://schemas.microsoft.com/office/drawing/2014/main" id="{57BD8389-F4C4-46B3-B41E-01344632F3DD}"/>
+                <a16:creationId xmlns:a16="http://schemas.microsoft.com/office/drawing/2014/main" id="{57BD8389-F4C4-46B3-B41E-01344632F3DD}"/>
               </a:ext>
             </a:extLst>
           </p:cNvPr>
@@ -32544,7 +32418,7 @@
           <p:cNvPr id="2" name="Title 1">
             <a:extLst>
               <a:ext uri="{FF2B5EF4-FFF2-40B4-BE49-F238E27FC236}">
-                <a16:creationId xmlns="" xmlns:a16="http://schemas.microsoft.com/office/drawing/2014/main" id="{5586C581-2ADC-4D9D-B2FF-3D30DFE96120}"/>
+                <a16:creationId xmlns:a16="http://schemas.microsoft.com/office/drawing/2014/main" id="{5586C581-2ADC-4D9D-B2FF-3D30DFE96120}"/>
               </a:ext>
             </a:extLst>
           </p:cNvPr>
@@ -32592,7 +32466,7 @@
           <p:cNvPr id="18435" name="Text Placeholder 2">
             <a:extLst>
               <a:ext uri="{FF2B5EF4-FFF2-40B4-BE49-F238E27FC236}">
-                <a16:creationId xmlns="" xmlns:a16="http://schemas.microsoft.com/office/drawing/2014/main" id="{E223981B-C8AC-4D67-94A1-3FF39D9AF457}"/>
+                <a16:creationId xmlns:a16="http://schemas.microsoft.com/office/drawing/2014/main" id="{E223981B-C8AC-4D67-94A1-3FF39D9AF457}"/>
               </a:ext>
             </a:extLst>
           </p:cNvPr>
@@ -32731,7 +32605,7 @@
           <p:cNvPr id="4" name="Footer Placeholder 3">
             <a:extLst>
               <a:ext uri="{FF2B5EF4-FFF2-40B4-BE49-F238E27FC236}">
-                <a16:creationId xmlns="" xmlns:a16="http://schemas.microsoft.com/office/drawing/2014/main" id="{B6DAA03F-3DE6-4286-B472-75BE8171A399}"/>
+                <a16:creationId xmlns:a16="http://schemas.microsoft.com/office/drawing/2014/main" id="{B6DAA03F-3DE6-4286-B472-75BE8171A399}"/>
               </a:ext>
             </a:extLst>
           </p:cNvPr>
@@ -32792,7 +32666,7 @@
           <p:cNvPr id="2" name="Title 1">
             <a:extLst>
               <a:ext uri="{FF2B5EF4-FFF2-40B4-BE49-F238E27FC236}">
-                <a16:creationId xmlns="" xmlns:a16="http://schemas.microsoft.com/office/drawing/2014/main" id="{84E084D5-703F-481F-93AE-800C45B66D67}"/>
+                <a16:creationId xmlns:a16="http://schemas.microsoft.com/office/drawing/2014/main" id="{84E084D5-703F-481F-93AE-800C45B66D67}"/>
               </a:ext>
             </a:extLst>
           </p:cNvPr>
@@ -32860,7 +32734,7 @@
           <p:cNvPr id="95235" name="Text Placeholder 2">
             <a:extLst>
               <a:ext uri="{FF2B5EF4-FFF2-40B4-BE49-F238E27FC236}">
-                <a16:creationId xmlns="" xmlns:a16="http://schemas.microsoft.com/office/drawing/2014/main" id="{82E0DC81-A160-4B93-A53F-E3B1CF0CFE13}"/>
+                <a16:creationId xmlns:a16="http://schemas.microsoft.com/office/drawing/2014/main" id="{82E0DC81-A160-4B93-A53F-E3B1CF0CFE13}"/>
               </a:ext>
             </a:extLst>
           </p:cNvPr>
@@ -32989,7 +32863,7 @@
           <p:cNvPr id="4" name="Footer Placeholder 3">
             <a:extLst>
               <a:ext uri="{FF2B5EF4-FFF2-40B4-BE49-F238E27FC236}">
-                <a16:creationId xmlns="" xmlns:a16="http://schemas.microsoft.com/office/drawing/2014/main" id="{15A81824-604F-41E4-961F-A0EC9DE8525A}"/>
+                <a16:creationId xmlns:a16="http://schemas.microsoft.com/office/drawing/2014/main" id="{15A81824-604F-41E4-961F-A0EC9DE8525A}"/>
               </a:ext>
             </a:extLst>
           </p:cNvPr>
@@ -33050,7 +32924,7 @@
           <p:cNvPr id="3" name="Picture 2" descr="jhtp_07_Arrays_Page_056">
             <a:extLst>
               <a:ext uri="{FF2B5EF4-FFF2-40B4-BE49-F238E27FC236}">
-                <a16:creationId xmlns="" xmlns:a16="http://schemas.microsoft.com/office/drawing/2014/main" id="{93319887-59C1-4F57-9FD7-10EB9E89FB38}"/>
+                <a16:creationId xmlns:a16="http://schemas.microsoft.com/office/drawing/2014/main" id="{93319887-59C1-4F57-9FD7-10EB9E89FB38}"/>
               </a:ext>
             </a:extLst>
           </p:cNvPr>
@@ -33087,7 +32961,7 @@
           <p:cNvPr id="2" name="Footer Placeholder 1">
             <a:extLst>
               <a:ext uri="{FF2B5EF4-FFF2-40B4-BE49-F238E27FC236}">
-                <a16:creationId xmlns="" xmlns:a16="http://schemas.microsoft.com/office/drawing/2014/main" id="{4F3CCCAE-0588-4A38-9881-A09B7F5CF270}"/>
+                <a16:creationId xmlns:a16="http://schemas.microsoft.com/office/drawing/2014/main" id="{4F3CCCAE-0588-4A38-9881-A09B7F5CF270}"/>
               </a:ext>
             </a:extLst>
           </p:cNvPr>
@@ -33145,7 +33019,7 @@
           <p:cNvPr id="3" name="Picture 2" descr="jhtp_07_Arrays_Page_057">
             <a:extLst>
               <a:ext uri="{FF2B5EF4-FFF2-40B4-BE49-F238E27FC236}">
-                <a16:creationId xmlns="" xmlns:a16="http://schemas.microsoft.com/office/drawing/2014/main" id="{94361022-BF6E-4FCE-B017-FB64D8B4923C}"/>
+                <a16:creationId xmlns:a16="http://schemas.microsoft.com/office/drawing/2014/main" id="{94361022-BF6E-4FCE-B017-FB64D8B4923C}"/>
               </a:ext>
             </a:extLst>
           </p:cNvPr>
@@ -33182,7 +33056,7 @@
           <p:cNvPr id="2" name="Footer Placeholder 1">
             <a:extLst>
               <a:ext uri="{FF2B5EF4-FFF2-40B4-BE49-F238E27FC236}">
-                <a16:creationId xmlns="" xmlns:a16="http://schemas.microsoft.com/office/drawing/2014/main" id="{50C4DEE7-CB98-42BA-A3B7-943EFDE03574}"/>
+                <a16:creationId xmlns:a16="http://schemas.microsoft.com/office/drawing/2014/main" id="{50C4DEE7-CB98-42BA-A3B7-943EFDE03574}"/>
               </a:ext>
             </a:extLst>
           </p:cNvPr>
@@ -33240,7 +33114,7 @@
           <p:cNvPr id="3" name="Picture 2" descr="jhtp_07_Arrays_Page_058">
             <a:extLst>
               <a:ext uri="{FF2B5EF4-FFF2-40B4-BE49-F238E27FC236}">
-                <a16:creationId xmlns="" xmlns:a16="http://schemas.microsoft.com/office/drawing/2014/main" id="{12388F66-F666-497D-B46A-4F36BB1326D8}"/>
+                <a16:creationId xmlns:a16="http://schemas.microsoft.com/office/drawing/2014/main" id="{12388F66-F666-497D-B46A-4F36BB1326D8}"/>
               </a:ext>
             </a:extLst>
           </p:cNvPr>
@@ -33277,7 +33151,7 @@
           <p:cNvPr id="2" name="Footer Placeholder 1">
             <a:extLst>
               <a:ext uri="{FF2B5EF4-FFF2-40B4-BE49-F238E27FC236}">
-                <a16:creationId xmlns="" xmlns:a16="http://schemas.microsoft.com/office/drawing/2014/main" id="{84C958BB-C000-4A33-A390-7822DC586880}"/>
+                <a16:creationId xmlns:a16="http://schemas.microsoft.com/office/drawing/2014/main" id="{84C958BB-C000-4A33-A390-7822DC586880}"/>
               </a:ext>
             </a:extLst>
           </p:cNvPr>
@@ -33335,7 +33209,7 @@
           <p:cNvPr id="2" name="Title 1">
             <a:extLst>
               <a:ext uri="{FF2B5EF4-FFF2-40B4-BE49-F238E27FC236}">
-                <a16:creationId xmlns="" xmlns:a16="http://schemas.microsoft.com/office/drawing/2014/main" id="{3CA67334-E6F5-4EB7-B18B-B6891A93FA60}"/>
+                <a16:creationId xmlns:a16="http://schemas.microsoft.com/office/drawing/2014/main" id="{3CA67334-E6F5-4EB7-B18B-B6891A93FA60}"/>
               </a:ext>
             </a:extLst>
           </p:cNvPr>
@@ -33383,7 +33257,7 @@
           <p:cNvPr id="101379" name="Text Placeholder 2">
             <a:extLst>
               <a:ext uri="{FF2B5EF4-FFF2-40B4-BE49-F238E27FC236}">
-                <a16:creationId xmlns="" xmlns:a16="http://schemas.microsoft.com/office/drawing/2014/main" id="{C3CB6270-2628-4061-A7F5-D7783F82525A}"/>
+                <a16:creationId xmlns:a16="http://schemas.microsoft.com/office/drawing/2014/main" id="{C3CB6270-2628-4061-A7F5-D7783F82525A}"/>
               </a:ext>
             </a:extLst>
           </p:cNvPr>
@@ -33630,7 +33504,7 @@
           <p:cNvPr id="4" name="Footer Placeholder 3">
             <a:extLst>
               <a:ext uri="{FF2B5EF4-FFF2-40B4-BE49-F238E27FC236}">
-                <a16:creationId xmlns="" xmlns:a16="http://schemas.microsoft.com/office/drawing/2014/main" id="{0E16EB50-5D6E-45CD-8684-2216724210B3}"/>
+                <a16:creationId xmlns:a16="http://schemas.microsoft.com/office/drawing/2014/main" id="{0E16EB50-5D6E-45CD-8684-2216724210B3}"/>
               </a:ext>
             </a:extLst>
           </p:cNvPr>
@@ -33691,7 +33565,7 @@
           <p:cNvPr id="3" name="Picture 2" descr="jhtp_07_Arrays_Page_059">
             <a:extLst>
               <a:ext uri="{FF2B5EF4-FFF2-40B4-BE49-F238E27FC236}">
-                <a16:creationId xmlns="" xmlns:a16="http://schemas.microsoft.com/office/drawing/2014/main" id="{89786955-F832-435B-86A7-0F278838D679}"/>
+                <a16:creationId xmlns:a16="http://schemas.microsoft.com/office/drawing/2014/main" id="{89786955-F832-435B-86A7-0F278838D679}"/>
               </a:ext>
             </a:extLst>
           </p:cNvPr>
@@ -33728,7 +33602,7 @@
           <p:cNvPr id="2" name="Footer Placeholder 1">
             <a:extLst>
               <a:ext uri="{FF2B5EF4-FFF2-40B4-BE49-F238E27FC236}">
-                <a16:creationId xmlns="" xmlns:a16="http://schemas.microsoft.com/office/drawing/2014/main" id="{7F1C932F-50EA-4CF7-B330-BA7E8E859D26}"/>
+                <a16:creationId xmlns:a16="http://schemas.microsoft.com/office/drawing/2014/main" id="{7F1C932F-50EA-4CF7-B330-BA7E8E859D26}"/>
               </a:ext>
             </a:extLst>
           </p:cNvPr>
@@ -33786,7 +33660,7 @@
           <p:cNvPr id="2" name="Title 1">
             <a:extLst>
               <a:ext uri="{FF2B5EF4-FFF2-40B4-BE49-F238E27FC236}">
-                <a16:creationId xmlns="" xmlns:a16="http://schemas.microsoft.com/office/drawing/2014/main" id="{F1CD5D64-BE23-4FF8-81FF-8FA6900D193C}"/>
+                <a16:creationId xmlns:a16="http://schemas.microsoft.com/office/drawing/2014/main" id="{F1CD5D64-BE23-4FF8-81FF-8FA6900D193C}"/>
               </a:ext>
             </a:extLst>
           </p:cNvPr>
@@ -33834,7 +33708,7 @@
           <p:cNvPr id="103427" name="Text Placeholder 2">
             <a:extLst>
               <a:ext uri="{FF2B5EF4-FFF2-40B4-BE49-F238E27FC236}">
-                <a16:creationId xmlns="" xmlns:a16="http://schemas.microsoft.com/office/drawing/2014/main" id="{B0B80B80-FD60-42BB-B00A-4A0719F09E26}"/>
+                <a16:creationId xmlns:a16="http://schemas.microsoft.com/office/drawing/2014/main" id="{B0B80B80-FD60-42BB-B00A-4A0719F09E26}"/>
               </a:ext>
             </a:extLst>
           </p:cNvPr>
@@ -34083,48 +33957,72 @@
             </a:r>
           </a:p>
           <a:p>
+            <a:pPr lvl="1">
+              <a:lnSpc>
+                <a:spcPct val="90000"/>
+              </a:lnSpc>
+            </a:pPr>
+            <a:r>
+              <a:rPr lang="en-US" altLang="en-US" dirty="0">
+                <a:solidFill>
+                  <a:srgbClr val="000000"/>
+                </a:solidFill>
+              </a:rPr>
+              <a:t>array initializer for a row determines the number of </a:t>
+            </a:r>
+            <a:r>
+              <a:rPr lang="en-US" altLang="en-US" i="1" dirty="0" err="1">
+                <a:solidFill>
+                  <a:srgbClr val="000000"/>
+                </a:solidFill>
+              </a:rPr>
+              <a:t>colu</a:t>
+            </a:r>
+            <a:r>
+              <a:rPr lang="en-US" altLang="en-US" dirty="0" err="1">
+                <a:solidFill>
+                  <a:srgbClr val="000000"/>
+                </a:solidFill>
+              </a:rPr>
+              <a:t>The</a:t>
+            </a:r>
+            <a:r>
+              <a:rPr lang="en-US" altLang="en-US" dirty="0">
+                <a:solidFill>
+                  <a:srgbClr val="000000"/>
+                </a:solidFill>
+              </a:rPr>
+              <a:t> number of initializer values in the nested </a:t>
+            </a:r>
+            <a:r>
+              <a:rPr lang="en-US" altLang="en-US" i="1" dirty="0" err="1">
+                <a:solidFill>
+                  <a:srgbClr val="000000"/>
+                </a:solidFill>
+              </a:rPr>
+              <a:t>mns</a:t>
+            </a:r>
+            <a:r>
+              <a:rPr lang="en-US" altLang="en-US" dirty="0">
+                <a:solidFill>
+                  <a:srgbClr val="000000"/>
+                </a:solidFill>
+              </a:rPr>
+              <a:t> in that row. </a:t>
+            </a:r>
+          </a:p>
+          <a:p>
             <a:pPr lvl="1" eaLnBrk="1" hangingPunct="1">
               <a:lnSpc>
                 <a:spcPct val="90000"/>
               </a:lnSpc>
             </a:pPr>
             <a:r>
-              <a:rPr lang="en-US" altLang="en-US" dirty="0">
-                <a:solidFill>
-                  <a:srgbClr val="000000"/>
-                </a:solidFill>
-              </a:rPr>
-              <a:t>The number of initializer values in the nested array initializer for a row determines the number of </a:t>
-            </a:r>
-            <a:r>
               <a:rPr lang="en-US" altLang="en-US" i="1" dirty="0">
                 <a:solidFill>
                   <a:srgbClr val="000000"/>
                 </a:solidFill>
               </a:rPr>
-              <a:t>columns</a:t>
-            </a:r>
-            <a:r>
-              <a:rPr lang="en-US" altLang="en-US" dirty="0">
-                <a:solidFill>
-                  <a:srgbClr val="000000"/>
-                </a:solidFill>
-              </a:rPr>
-              <a:t> in that row. </a:t>
-            </a:r>
-          </a:p>
-          <a:p>
-            <a:pPr lvl="1" eaLnBrk="1" hangingPunct="1">
-              <a:lnSpc>
-                <a:spcPct val="90000"/>
-              </a:lnSpc>
-            </a:pPr>
-            <a:r>
-              <a:rPr lang="en-US" altLang="en-US" i="1" dirty="0">
-                <a:solidFill>
-                  <a:srgbClr val="000000"/>
-                </a:solidFill>
-              </a:rPr>
               <a:t>Rows can have different lengths.</a:t>
             </a:r>
           </a:p>
@@ -34135,7 +34033,7 @@
           <p:cNvPr id="4" name="Footer Placeholder 3">
             <a:extLst>
               <a:ext uri="{FF2B5EF4-FFF2-40B4-BE49-F238E27FC236}">
-                <a16:creationId xmlns="" xmlns:a16="http://schemas.microsoft.com/office/drawing/2014/main" id="{7DC30013-C484-40E3-8C4F-1D1CD1E6B0F4}"/>
+                <a16:creationId xmlns:a16="http://schemas.microsoft.com/office/drawing/2014/main" id="{7DC30013-C484-40E3-8C4F-1D1CD1E6B0F4}"/>
               </a:ext>
             </a:extLst>
           </p:cNvPr>
@@ -34196,7 +34094,7 @@
           <p:cNvPr id="2" name="Title 1">
             <a:extLst>
               <a:ext uri="{FF2B5EF4-FFF2-40B4-BE49-F238E27FC236}">
-                <a16:creationId xmlns="" xmlns:a16="http://schemas.microsoft.com/office/drawing/2014/main" id="{B79A32BB-0E03-47A3-93F5-4B4ABFE3FD6D}"/>
+                <a16:creationId xmlns:a16="http://schemas.microsoft.com/office/drawing/2014/main" id="{B79A32BB-0E03-47A3-93F5-4B4ABFE3FD6D}"/>
               </a:ext>
             </a:extLst>
           </p:cNvPr>
@@ -34244,7 +34142,7 @@
           <p:cNvPr id="104451" name="Text Placeholder 2">
             <a:extLst>
               <a:ext uri="{FF2B5EF4-FFF2-40B4-BE49-F238E27FC236}">
-                <a16:creationId xmlns="" xmlns:a16="http://schemas.microsoft.com/office/drawing/2014/main" id="{EC52B4CC-3A80-4B03-8BCF-00130BFC1B0C}"/>
+                <a16:creationId xmlns:a16="http://schemas.microsoft.com/office/drawing/2014/main" id="{EC52B4CC-3A80-4B03-8BCF-00130BFC1B0C}"/>
               </a:ext>
             </a:extLst>
           </p:cNvPr>
@@ -34625,7 +34523,7 @@
           <p:cNvPr id="4" name="Footer Placeholder 3">
             <a:extLst>
               <a:ext uri="{FF2B5EF4-FFF2-40B4-BE49-F238E27FC236}">
-                <a16:creationId xmlns="" xmlns:a16="http://schemas.microsoft.com/office/drawing/2014/main" id="{9757DE57-6740-476F-9752-162DEDC9057F}"/>
+                <a16:creationId xmlns:a16="http://schemas.microsoft.com/office/drawing/2014/main" id="{9757DE57-6740-476F-9752-162DEDC9057F}"/>
               </a:ext>
             </a:extLst>
           </p:cNvPr>
@@ -34686,7 +34584,7 @@
           <p:cNvPr id="2" name="Title 1">
             <a:extLst>
               <a:ext uri="{FF2B5EF4-FFF2-40B4-BE49-F238E27FC236}">
-                <a16:creationId xmlns="" xmlns:a16="http://schemas.microsoft.com/office/drawing/2014/main" id="{B06734FD-3884-43F7-8FD0-9DC667534301}"/>
+                <a16:creationId xmlns:a16="http://schemas.microsoft.com/office/drawing/2014/main" id="{B06734FD-3884-43F7-8FD0-9DC667534301}"/>
               </a:ext>
             </a:extLst>
           </p:cNvPr>
@@ -34734,7 +34632,7 @@
           <p:cNvPr id="105475" name="Text Placeholder 2">
             <a:extLst>
               <a:ext uri="{FF2B5EF4-FFF2-40B4-BE49-F238E27FC236}">
-                <a16:creationId xmlns="" xmlns:a16="http://schemas.microsoft.com/office/drawing/2014/main" id="{F60A29FD-91DD-48A3-A6B7-54F9A1AA32E8}"/>
+                <a16:creationId xmlns:a16="http://schemas.microsoft.com/office/drawing/2014/main" id="{F60A29FD-91DD-48A3-A6B7-54F9A1AA32E8}"/>
               </a:ext>
             </a:extLst>
           </p:cNvPr>
@@ -35273,7 +35171,7 @@
           <p:cNvPr id="4" name="Footer Placeholder 3">
             <a:extLst>
               <a:ext uri="{FF2B5EF4-FFF2-40B4-BE49-F238E27FC236}">
-                <a16:creationId xmlns="" xmlns:a16="http://schemas.microsoft.com/office/drawing/2014/main" id="{542CF643-A464-4B61-80DF-26E2D88D6E14}"/>
+                <a16:creationId xmlns:a16="http://schemas.microsoft.com/office/drawing/2014/main" id="{542CF643-A464-4B61-80DF-26E2D88D6E14}"/>
               </a:ext>
             </a:extLst>
           </p:cNvPr>
@@ -35334,7 +35232,7 @@
           <p:cNvPr id="2" name="Title 1">
             <a:extLst>
               <a:ext uri="{FF2B5EF4-FFF2-40B4-BE49-F238E27FC236}">
-                <a16:creationId xmlns="" xmlns:a16="http://schemas.microsoft.com/office/drawing/2014/main" id="{090AD654-5645-450B-80CE-429C986C4FD6}"/>
+                <a16:creationId xmlns:a16="http://schemas.microsoft.com/office/drawing/2014/main" id="{090AD654-5645-450B-80CE-429C986C4FD6}"/>
               </a:ext>
             </a:extLst>
           </p:cNvPr>
@@ -35382,7 +35280,7 @@
           <p:cNvPr id="106499" name="Text Placeholder 2">
             <a:extLst>
               <a:ext uri="{FF2B5EF4-FFF2-40B4-BE49-F238E27FC236}">
-                <a16:creationId xmlns="" xmlns:a16="http://schemas.microsoft.com/office/drawing/2014/main" id="{042FB798-6D3B-43BA-9F2C-FDADF0A83309}"/>
+                <a16:creationId xmlns:a16="http://schemas.microsoft.com/office/drawing/2014/main" id="{042FB798-6D3B-43BA-9F2C-FDADF0A83309}"/>
               </a:ext>
             </a:extLst>
           </p:cNvPr>
@@ -35448,7 +35346,7 @@
           <p:cNvPr id="4" name="Footer Placeholder 3">
             <a:extLst>
               <a:ext uri="{FF2B5EF4-FFF2-40B4-BE49-F238E27FC236}">
-                <a16:creationId xmlns="" xmlns:a16="http://schemas.microsoft.com/office/drawing/2014/main" id="{70490590-14DB-43B1-8145-B5909C9DA518}"/>
+                <a16:creationId xmlns:a16="http://schemas.microsoft.com/office/drawing/2014/main" id="{70490590-14DB-43B1-8145-B5909C9DA518}"/>
               </a:ext>
             </a:extLst>
           </p:cNvPr>
@@ -35509,7 +35407,7 @@
           <p:cNvPr id="3" name="Picture 2" descr="jhtp_07_Arrays_Page_010">
             <a:extLst>
               <a:ext uri="{FF2B5EF4-FFF2-40B4-BE49-F238E27FC236}">
-                <a16:creationId xmlns="" xmlns:a16="http://schemas.microsoft.com/office/drawing/2014/main" id="{181632C4-E5D1-41D4-86DC-FFA2BB3F1F81}"/>
+                <a16:creationId xmlns:a16="http://schemas.microsoft.com/office/drawing/2014/main" id="{181632C4-E5D1-41D4-86DC-FFA2BB3F1F81}"/>
               </a:ext>
             </a:extLst>
           </p:cNvPr>
@@ -35546,7 +35444,7 @@
           <p:cNvPr id="2" name="Footer Placeholder 1">
             <a:extLst>
               <a:ext uri="{FF2B5EF4-FFF2-40B4-BE49-F238E27FC236}">
-                <a16:creationId xmlns="" xmlns:a16="http://schemas.microsoft.com/office/drawing/2014/main" id="{CC564182-A432-4BA3-BF7B-D7BBF3D1274F}"/>
+                <a16:creationId xmlns:a16="http://schemas.microsoft.com/office/drawing/2014/main" id="{CC564182-A432-4BA3-BF7B-D7BBF3D1274F}"/>
               </a:ext>
             </a:extLst>
           </p:cNvPr>
@@ -35604,7 +35502,7 @@
           <p:cNvPr id="3" name="Picture 2" descr="jhtp_07_Arrays_Page_060">
             <a:extLst>
               <a:ext uri="{FF2B5EF4-FFF2-40B4-BE49-F238E27FC236}">
-                <a16:creationId xmlns="" xmlns:a16="http://schemas.microsoft.com/office/drawing/2014/main" id="{ACA1A391-4114-4305-A855-FACC5E9C4105}"/>
+                <a16:creationId xmlns:a16="http://schemas.microsoft.com/office/drawing/2014/main" id="{ACA1A391-4114-4305-A855-FACC5E9C4105}"/>
               </a:ext>
             </a:extLst>
           </p:cNvPr>
@@ -35641,7 +35539,7 @@
           <p:cNvPr id="2" name="Footer Placeholder 1">
             <a:extLst>
               <a:ext uri="{FF2B5EF4-FFF2-40B4-BE49-F238E27FC236}">
-                <a16:creationId xmlns="" xmlns:a16="http://schemas.microsoft.com/office/drawing/2014/main" id="{CFE06C6B-7E8C-4739-8398-D33CA342CF8F}"/>
+                <a16:creationId xmlns:a16="http://schemas.microsoft.com/office/drawing/2014/main" id="{CFE06C6B-7E8C-4739-8398-D33CA342CF8F}"/>
               </a:ext>
             </a:extLst>
           </p:cNvPr>
@@ -35699,7 +35597,7 @@
           <p:cNvPr id="3" name="Picture 2" descr="jhtp_07_Arrays_Page_061">
             <a:extLst>
               <a:ext uri="{FF2B5EF4-FFF2-40B4-BE49-F238E27FC236}">
-                <a16:creationId xmlns="" xmlns:a16="http://schemas.microsoft.com/office/drawing/2014/main" id="{E8E7A66B-7D97-4A56-86F1-B24D0D19A898}"/>
+                <a16:creationId xmlns:a16="http://schemas.microsoft.com/office/drawing/2014/main" id="{E8E7A66B-7D97-4A56-86F1-B24D0D19A898}"/>
               </a:ext>
             </a:extLst>
           </p:cNvPr>
@@ -35736,7 +35634,7 @@
           <p:cNvPr id="2" name="Footer Placeholder 1">
             <a:extLst>
               <a:ext uri="{FF2B5EF4-FFF2-40B4-BE49-F238E27FC236}">
-                <a16:creationId xmlns="" xmlns:a16="http://schemas.microsoft.com/office/drawing/2014/main" id="{8F3374B0-3BD7-44DE-A012-06A6A30256B6}"/>
+                <a16:creationId xmlns:a16="http://schemas.microsoft.com/office/drawing/2014/main" id="{8F3374B0-3BD7-44DE-A012-06A6A30256B6}"/>
               </a:ext>
             </a:extLst>
           </p:cNvPr>
@@ -35794,7 +35692,7 @@
           <p:cNvPr id="3" name="Picture 2" descr="jhtp_07_Arrays_Page_062">
             <a:extLst>
               <a:ext uri="{FF2B5EF4-FFF2-40B4-BE49-F238E27FC236}">
-                <a16:creationId xmlns="" xmlns:a16="http://schemas.microsoft.com/office/drawing/2014/main" id="{BEA1D0EA-B346-4136-814F-2F9934024C23}"/>
+                <a16:creationId xmlns:a16="http://schemas.microsoft.com/office/drawing/2014/main" id="{BEA1D0EA-B346-4136-814F-2F9934024C23}"/>
               </a:ext>
             </a:extLst>
           </p:cNvPr>
@@ -35831,7 +35729,7 @@
           <p:cNvPr id="2" name="Footer Placeholder 1">
             <a:extLst>
               <a:ext uri="{FF2B5EF4-FFF2-40B4-BE49-F238E27FC236}">
-                <a16:creationId xmlns="" xmlns:a16="http://schemas.microsoft.com/office/drawing/2014/main" id="{A6FC47E0-434F-4572-9779-7FCE5928A8E8}"/>
+                <a16:creationId xmlns:a16="http://schemas.microsoft.com/office/drawing/2014/main" id="{A6FC47E0-434F-4572-9779-7FCE5928A8E8}"/>
               </a:ext>
             </a:extLst>
           </p:cNvPr>
@@ -35889,7 +35787,7 @@
           <p:cNvPr id="2" name="Title 1">
             <a:extLst>
               <a:ext uri="{FF2B5EF4-FFF2-40B4-BE49-F238E27FC236}">
-                <a16:creationId xmlns="" xmlns:a16="http://schemas.microsoft.com/office/drawing/2014/main" id="{087CA70D-93EA-42C6-88AA-6E2CB31AC22D}"/>
+                <a16:creationId xmlns:a16="http://schemas.microsoft.com/office/drawing/2014/main" id="{087CA70D-93EA-42C6-88AA-6E2CB31AC22D}"/>
               </a:ext>
             </a:extLst>
           </p:cNvPr>
@@ -35957,7 +35855,7 @@
           <p:cNvPr id="109571" name="Text Placeholder 2">
             <a:extLst>
               <a:ext uri="{FF2B5EF4-FFF2-40B4-BE49-F238E27FC236}">
-                <a16:creationId xmlns="" xmlns:a16="http://schemas.microsoft.com/office/drawing/2014/main" id="{05553C86-7398-44D6-8324-1191AD2DA685}"/>
+                <a16:creationId xmlns:a16="http://schemas.microsoft.com/office/drawing/2014/main" id="{05553C86-7398-44D6-8324-1191AD2DA685}"/>
               </a:ext>
             </a:extLst>
           </p:cNvPr>
@@ -36068,7 +35966,7 @@
           <p:cNvPr id="4" name="Footer Placeholder 3">
             <a:extLst>
               <a:ext uri="{FF2B5EF4-FFF2-40B4-BE49-F238E27FC236}">
-                <a16:creationId xmlns="" xmlns:a16="http://schemas.microsoft.com/office/drawing/2014/main" id="{47EF8731-0E17-4664-B9DE-B6EBFC76ABBF}"/>
+                <a16:creationId xmlns:a16="http://schemas.microsoft.com/office/drawing/2014/main" id="{47EF8731-0E17-4664-B9DE-B6EBFC76ABBF}"/>
               </a:ext>
             </a:extLst>
           </p:cNvPr>
@@ -36129,7 +36027,7 @@
           <p:cNvPr id="3" name="Picture 2" descr="jhtp_07_Arrays_Page_063">
             <a:extLst>
               <a:ext uri="{FF2B5EF4-FFF2-40B4-BE49-F238E27FC236}">
-                <a16:creationId xmlns="" xmlns:a16="http://schemas.microsoft.com/office/drawing/2014/main" id="{223BD4A4-B2CA-4231-92E9-ADC39EFCA463}"/>
+                <a16:creationId xmlns:a16="http://schemas.microsoft.com/office/drawing/2014/main" id="{223BD4A4-B2CA-4231-92E9-ADC39EFCA463}"/>
               </a:ext>
             </a:extLst>
           </p:cNvPr>
@@ -36166,7 +36064,7 @@
           <p:cNvPr id="2" name="Footer Placeholder 1">
             <a:extLst>
               <a:ext uri="{FF2B5EF4-FFF2-40B4-BE49-F238E27FC236}">
-                <a16:creationId xmlns="" xmlns:a16="http://schemas.microsoft.com/office/drawing/2014/main" id="{560FF8F4-8282-4A23-8B3F-E55396C982F3}"/>
+                <a16:creationId xmlns:a16="http://schemas.microsoft.com/office/drawing/2014/main" id="{560FF8F4-8282-4A23-8B3F-E55396C982F3}"/>
               </a:ext>
             </a:extLst>
           </p:cNvPr>
@@ -36224,7 +36122,7 @@
           <p:cNvPr id="3" name="Picture 2" descr="jhtp_07_Arrays_Page_064">
             <a:extLst>
               <a:ext uri="{FF2B5EF4-FFF2-40B4-BE49-F238E27FC236}">
-                <a16:creationId xmlns="" xmlns:a16="http://schemas.microsoft.com/office/drawing/2014/main" id="{FDF90DA9-3B6A-4961-9B63-C34E38DA6014}"/>
+                <a16:creationId xmlns:a16="http://schemas.microsoft.com/office/drawing/2014/main" id="{FDF90DA9-3B6A-4961-9B63-C34E38DA6014}"/>
               </a:ext>
             </a:extLst>
           </p:cNvPr>
@@ -36261,7 +36159,7 @@
           <p:cNvPr id="2" name="Footer Placeholder 1">
             <a:extLst>
               <a:ext uri="{FF2B5EF4-FFF2-40B4-BE49-F238E27FC236}">
-                <a16:creationId xmlns="" xmlns:a16="http://schemas.microsoft.com/office/drawing/2014/main" id="{250D675C-B1FD-49BB-A8F2-8C3429F537DA}"/>
+                <a16:creationId xmlns:a16="http://schemas.microsoft.com/office/drawing/2014/main" id="{250D675C-B1FD-49BB-A8F2-8C3429F537DA}"/>
               </a:ext>
             </a:extLst>
           </p:cNvPr>
@@ -36319,7 +36217,7 @@
           <p:cNvPr id="3" name="Picture 2" descr="jhtp_07_Arrays_Page_065">
             <a:extLst>
               <a:ext uri="{FF2B5EF4-FFF2-40B4-BE49-F238E27FC236}">
-                <a16:creationId xmlns="" xmlns:a16="http://schemas.microsoft.com/office/drawing/2014/main" id="{FEC84275-A5CA-464A-A3CD-24B0D9C50C85}"/>
+                <a16:creationId xmlns:a16="http://schemas.microsoft.com/office/drawing/2014/main" id="{FEC84275-A5CA-464A-A3CD-24B0D9C50C85}"/>
               </a:ext>
             </a:extLst>
           </p:cNvPr>
@@ -36356,7 +36254,7 @@
           <p:cNvPr id="2" name="Footer Placeholder 1">
             <a:extLst>
               <a:ext uri="{FF2B5EF4-FFF2-40B4-BE49-F238E27FC236}">
-                <a16:creationId xmlns="" xmlns:a16="http://schemas.microsoft.com/office/drawing/2014/main" id="{0F55A8C0-1EB0-42FA-9B53-6C9E2D1B0079}"/>
+                <a16:creationId xmlns:a16="http://schemas.microsoft.com/office/drawing/2014/main" id="{0F55A8C0-1EB0-42FA-9B53-6C9E2D1B0079}"/>
               </a:ext>
             </a:extLst>
           </p:cNvPr>
@@ -36414,7 +36312,7 @@
           <p:cNvPr id="3" name="Picture 2" descr="jhtp_07_Arrays_Page_066">
             <a:extLst>
               <a:ext uri="{FF2B5EF4-FFF2-40B4-BE49-F238E27FC236}">
-                <a16:creationId xmlns="" xmlns:a16="http://schemas.microsoft.com/office/drawing/2014/main" id="{A7BC504D-72AD-4E92-B0BF-B117CFCBD95D}"/>
+                <a16:creationId xmlns:a16="http://schemas.microsoft.com/office/drawing/2014/main" id="{A7BC504D-72AD-4E92-B0BF-B117CFCBD95D}"/>
               </a:ext>
             </a:extLst>
           </p:cNvPr>
@@ -36451,7 +36349,7 @@
           <p:cNvPr id="2" name="Footer Placeholder 1">
             <a:extLst>
               <a:ext uri="{FF2B5EF4-FFF2-40B4-BE49-F238E27FC236}">
-                <a16:creationId xmlns="" xmlns:a16="http://schemas.microsoft.com/office/drawing/2014/main" id="{F6BDF649-3E0A-4023-B476-460AE65457BF}"/>
+                <a16:creationId xmlns:a16="http://schemas.microsoft.com/office/drawing/2014/main" id="{F6BDF649-3E0A-4023-B476-460AE65457BF}"/>
               </a:ext>
             </a:extLst>
           </p:cNvPr>
@@ -36509,7 +36407,7 @@
           <p:cNvPr id="3" name="Picture 2" descr="jhtp_07_Arrays_Page_067">
             <a:extLst>
               <a:ext uri="{FF2B5EF4-FFF2-40B4-BE49-F238E27FC236}">
-                <a16:creationId xmlns="" xmlns:a16="http://schemas.microsoft.com/office/drawing/2014/main" id="{721FF27A-8425-4971-8FF9-1F007F0B9C17}"/>
+                <a16:creationId xmlns:a16="http://schemas.microsoft.com/office/drawing/2014/main" id="{721FF27A-8425-4971-8FF9-1F007F0B9C17}"/>
               </a:ext>
             </a:extLst>
           </p:cNvPr>
@@ -36546,7 +36444,7 @@
           <p:cNvPr id="2" name="Footer Placeholder 1">
             <a:extLst>
               <a:ext uri="{FF2B5EF4-FFF2-40B4-BE49-F238E27FC236}">
-                <a16:creationId xmlns="" xmlns:a16="http://schemas.microsoft.com/office/drawing/2014/main" id="{35BF8DB1-FE7C-4557-B375-A63E27463900}"/>
+                <a16:creationId xmlns:a16="http://schemas.microsoft.com/office/drawing/2014/main" id="{35BF8DB1-FE7C-4557-B375-A63E27463900}"/>
               </a:ext>
             </a:extLst>
           </p:cNvPr>
@@ -36604,7 +36502,7 @@
           <p:cNvPr id="3" name="Picture 2" descr="jhtp_07_Arrays_Page_068">
             <a:extLst>
               <a:ext uri="{FF2B5EF4-FFF2-40B4-BE49-F238E27FC236}">
-                <a16:creationId xmlns="" xmlns:a16="http://schemas.microsoft.com/office/drawing/2014/main" id="{0E7FF3E8-CCF4-4F7B-88F7-66EF9603CF67}"/>
+                <a16:creationId xmlns:a16="http://schemas.microsoft.com/office/drawing/2014/main" id="{0E7FF3E8-CCF4-4F7B-88F7-66EF9603CF67}"/>
               </a:ext>
             </a:extLst>
           </p:cNvPr>
@@ -36641,7 +36539,7 @@
           <p:cNvPr id="2" name="Footer Placeholder 1">
             <a:extLst>
               <a:ext uri="{FF2B5EF4-FFF2-40B4-BE49-F238E27FC236}">
-                <a16:creationId xmlns="" xmlns:a16="http://schemas.microsoft.com/office/drawing/2014/main" id="{6F527778-597E-45A2-8C84-FD8579F4CED4}"/>
+                <a16:creationId xmlns:a16="http://schemas.microsoft.com/office/drawing/2014/main" id="{6F527778-597E-45A2-8C84-FD8579F4CED4}"/>
               </a:ext>
             </a:extLst>
           </p:cNvPr>
@@ -36699,7 +36597,7 @@
           <p:cNvPr id="2" name="Title 1">
             <a:extLst>
               <a:ext uri="{FF2B5EF4-FFF2-40B4-BE49-F238E27FC236}">
-                <a16:creationId xmlns="" xmlns:a16="http://schemas.microsoft.com/office/drawing/2014/main" id="{3021F3F0-4CE4-41E7-A7A7-1AEDF119729F}"/>
+                <a16:creationId xmlns:a16="http://schemas.microsoft.com/office/drawing/2014/main" id="{3021F3F0-4CE4-41E7-A7A7-1AEDF119729F}"/>
               </a:ext>
             </a:extLst>
           </p:cNvPr>
@@ -36747,7 +36645,7 @@
           <p:cNvPr id="20483" name="Text Placeholder 2">
             <a:extLst>
               <a:ext uri="{FF2B5EF4-FFF2-40B4-BE49-F238E27FC236}">
-                <a16:creationId xmlns="" xmlns:a16="http://schemas.microsoft.com/office/drawing/2014/main" id="{743ECD02-986E-4FE0-A127-B26876B50D4B}"/>
+                <a16:creationId xmlns:a16="http://schemas.microsoft.com/office/drawing/2014/main" id="{743ECD02-986E-4FE0-A127-B26876B50D4B}"/>
               </a:ext>
             </a:extLst>
           </p:cNvPr>
@@ -37071,7 +36969,7 @@
           <p:cNvPr id="4" name="Footer Placeholder 3">
             <a:extLst>
               <a:ext uri="{FF2B5EF4-FFF2-40B4-BE49-F238E27FC236}">
-                <a16:creationId xmlns="" xmlns:a16="http://schemas.microsoft.com/office/drawing/2014/main" id="{58CFCC8A-E172-4C8E-9622-98F474AD2056}"/>
+                <a16:creationId xmlns:a16="http://schemas.microsoft.com/office/drawing/2014/main" id="{58CFCC8A-E172-4C8E-9622-98F474AD2056}"/>
               </a:ext>
             </a:extLst>
           </p:cNvPr>
@@ -37132,7 +37030,7 @@
           <p:cNvPr id="3" name="Picture 2" descr="jhtp_07_Arrays_Page_069">
             <a:extLst>
               <a:ext uri="{FF2B5EF4-FFF2-40B4-BE49-F238E27FC236}">
-                <a16:creationId xmlns="" xmlns:a16="http://schemas.microsoft.com/office/drawing/2014/main" id="{87038409-B808-475D-9E2F-17C843FF2142}"/>
+                <a16:creationId xmlns:a16="http://schemas.microsoft.com/office/drawing/2014/main" id="{87038409-B808-475D-9E2F-17C843FF2142}"/>
               </a:ext>
             </a:extLst>
           </p:cNvPr>
@@ -37169,7 +37067,7 @@
           <p:cNvPr id="2" name="Footer Placeholder 1">
             <a:extLst>
               <a:ext uri="{FF2B5EF4-FFF2-40B4-BE49-F238E27FC236}">
-                <a16:creationId xmlns="" xmlns:a16="http://schemas.microsoft.com/office/drawing/2014/main" id="{AC91F1F5-DD43-43D8-A1C4-38D00069896D}"/>
+                <a16:creationId xmlns:a16="http://schemas.microsoft.com/office/drawing/2014/main" id="{AC91F1F5-DD43-43D8-A1C4-38D00069896D}"/>
               </a:ext>
             </a:extLst>
           </p:cNvPr>
@@ -37227,7 +37125,7 @@
           <p:cNvPr id="3" name="Picture 2" descr="jhtp_07_Arrays_Page_070">
             <a:extLst>
               <a:ext uri="{FF2B5EF4-FFF2-40B4-BE49-F238E27FC236}">
-                <a16:creationId xmlns="" xmlns:a16="http://schemas.microsoft.com/office/drawing/2014/main" id="{FA993EC3-DF02-4094-B5EB-9B794A718C87}"/>
+                <a16:creationId xmlns:a16="http://schemas.microsoft.com/office/drawing/2014/main" id="{FA993EC3-DF02-4094-B5EB-9B794A718C87}"/>
               </a:ext>
             </a:extLst>
           </p:cNvPr>
@@ -37264,7 +37162,7 @@
           <p:cNvPr id="2" name="Footer Placeholder 1">
             <a:extLst>
               <a:ext uri="{FF2B5EF4-FFF2-40B4-BE49-F238E27FC236}">
-                <a16:creationId xmlns="" xmlns:a16="http://schemas.microsoft.com/office/drawing/2014/main" id="{166B664B-9B05-40A1-9C98-BED9EE8750C8}"/>
+                <a16:creationId xmlns:a16="http://schemas.microsoft.com/office/drawing/2014/main" id="{166B664B-9B05-40A1-9C98-BED9EE8750C8}"/>
               </a:ext>
             </a:extLst>
           </p:cNvPr>
@@ -37322,7 +37220,7 @@
           <p:cNvPr id="3" name="Picture 2" descr="jhtp_07_Arrays_Page_071">
             <a:extLst>
               <a:ext uri="{FF2B5EF4-FFF2-40B4-BE49-F238E27FC236}">
-                <a16:creationId xmlns="" xmlns:a16="http://schemas.microsoft.com/office/drawing/2014/main" id="{ADFD5E12-AEB2-47E0-ADFC-619FB5C5B2AF}"/>
+                <a16:creationId xmlns:a16="http://schemas.microsoft.com/office/drawing/2014/main" id="{ADFD5E12-AEB2-47E0-ADFC-619FB5C5B2AF}"/>
               </a:ext>
             </a:extLst>
           </p:cNvPr>
@@ -37359,7 +37257,7 @@
           <p:cNvPr id="2" name="Footer Placeholder 1">
             <a:extLst>
               <a:ext uri="{FF2B5EF4-FFF2-40B4-BE49-F238E27FC236}">
-                <a16:creationId xmlns="" xmlns:a16="http://schemas.microsoft.com/office/drawing/2014/main" id="{FC94750C-072D-4BE0-98E1-A25233EC745A}"/>
+                <a16:creationId xmlns:a16="http://schemas.microsoft.com/office/drawing/2014/main" id="{FC94750C-072D-4BE0-98E1-A25233EC745A}"/>
               </a:ext>
             </a:extLst>
           </p:cNvPr>
@@ -37417,7 +37315,7 @@
           <p:cNvPr id="3" name="Picture 2" descr="jhtp_07_Arrays_Page_072">
             <a:extLst>
               <a:ext uri="{FF2B5EF4-FFF2-40B4-BE49-F238E27FC236}">
-                <a16:creationId xmlns="" xmlns:a16="http://schemas.microsoft.com/office/drawing/2014/main" id="{E0AD4D80-3FD3-44FD-B0A5-F136FE9A631A}"/>
+                <a16:creationId xmlns:a16="http://schemas.microsoft.com/office/drawing/2014/main" id="{E0AD4D80-3FD3-44FD-B0A5-F136FE9A631A}"/>
               </a:ext>
             </a:extLst>
           </p:cNvPr>
@@ -37454,7 +37352,7 @@
           <p:cNvPr id="2" name="Footer Placeholder 1">
             <a:extLst>
               <a:ext uri="{FF2B5EF4-FFF2-40B4-BE49-F238E27FC236}">
-                <a16:creationId xmlns="" xmlns:a16="http://schemas.microsoft.com/office/drawing/2014/main" id="{7B00CEF8-7EFE-4C1B-B1EA-213BF0A6288D}"/>
+                <a16:creationId xmlns:a16="http://schemas.microsoft.com/office/drawing/2014/main" id="{7B00CEF8-7EFE-4C1B-B1EA-213BF0A6288D}"/>
               </a:ext>
             </a:extLst>
           </p:cNvPr>
@@ -37512,7 +37410,7 @@
           <p:cNvPr id="3" name="Picture 2" descr="jhtp_07_Arrays_Page_073">
             <a:extLst>
               <a:ext uri="{FF2B5EF4-FFF2-40B4-BE49-F238E27FC236}">
-                <a16:creationId xmlns="" xmlns:a16="http://schemas.microsoft.com/office/drawing/2014/main" id="{3E751AF8-81F8-42B9-97F5-CE7859025F10}"/>
+                <a16:creationId xmlns:a16="http://schemas.microsoft.com/office/drawing/2014/main" id="{3E751AF8-81F8-42B9-97F5-CE7859025F10}"/>
               </a:ext>
             </a:extLst>
           </p:cNvPr>
@@ -37549,7 +37447,7 @@
           <p:cNvPr id="2" name="Footer Placeholder 1">
             <a:extLst>
               <a:ext uri="{FF2B5EF4-FFF2-40B4-BE49-F238E27FC236}">
-                <a16:creationId xmlns="" xmlns:a16="http://schemas.microsoft.com/office/drawing/2014/main" id="{78142537-57A9-4EBD-9EE0-9673662D4FC7}"/>
+                <a16:creationId xmlns:a16="http://schemas.microsoft.com/office/drawing/2014/main" id="{78142537-57A9-4EBD-9EE0-9673662D4FC7}"/>
               </a:ext>
             </a:extLst>
           </p:cNvPr>
@@ -37607,7 +37505,7 @@
           <p:cNvPr id="3" name="Picture 2" descr="jhtp_07_Arrays_Page_074">
             <a:extLst>
               <a:ext uri="{FF2B5EF4-FFF2-40B4-BE49-F238E27FC236}">
-                <a16:creationId xmlns="" xmlns:a16="http://schemas.microsoft.com/office/drawing/2014/main" id="{0F035132-30E5-40CB-BFCB-52058C5AADDE}"/>
+                <a16:creationId xmlns:a16="http://schemas.microsoft.com/office/drawing/2014/main" id="{0F035132-30E5-40CB-BFCB-52058C5AADDE}"/>
               </a:ext>
             </a:extLst>
           </p:cNvPr>
@@ -37644,7 +37542,7 @@
           <p:cNvPr id="2" name="Footer Placeholder 1">
             <a:extLst>
               <a:ext uri="{FF2B5EF4-FFF2-40B4-BE49-F238E27FC236}">
-                <a16:creationId xmlns="" xmlns:a16="http://schemas.microsoft.com/office/drawing/2014/main" id="{9DD34213-7305-4411-8E85-6B2D293A6C16}"/>
+                <a16:creationId xmlns:a16="http://schemas.microsoft.com/office/drawing/2014/main" id="{9DD34213-7305-4411-8E85-6B2D293A6C16}"/>
               </a:ext>
             </a:extLst>
           </p:cNvPr>
@@ -37702,7 +37600,7 @@
           <p:cNvPr id="3" name="Picture 2" descr="jhtp_07_Arrays_Page_075">
             <a:extLst>
               <a:ext uri="{FF2B5EF4-FFF2-40B4-BE49-F238E27FC236}">
-                <a16:creationId xmlns="" xmlns:a16="http://schemas.microsoft.com/office/drawing/2014/main" id="{0E0E93E6-038F-46A2-8A10-DFE19C4AF388}"/>
+                <a16:creationId xmlns:a16="http://schemas.microsoft.com/office/drawing/2014/main" id="{0E0E93E6-038F-46A2-8A10-DFE19C4AF388}"/>
               </a:ext>
             </a:extLst>
           </p:cNvPr>
@@ -37739,7 +37637,7 @@
           <p:cNvPr id="2" name="Footer Placeholder 1">
             <a:extLst>
               <a:ext uri="{FF2B5EF4-FFF2-40B4-BE49-F238E27FC236}">
-                <a16:creationId xmlns="" xmlns:a16="http://schemas.microsoft.com/office/drawing/2014/main" id="{6F8F352A-AEC0-4C73-8DD4-CD3B10B5FC57}"/>
+                <a16:creationId xmlns:a16="http://schemas.microsoft.com/office/drawing/2014/main" id="{6F8F352A-AEC0-4C73-8DD4-CD3B10B5FC57}"/>
               </a:ext>
             </a:extLst>
           </p:cNvPr>
@@ -37797,7 +37695,7 @@
           <p:cNvPr id="2" name="Title 1">
             <a:extLst>
               <a:ext uri="{FF2B5EF4-FFF2-40B4-BE49-F238E27FC236}">
-                <a16:creationId xmlns="" xmlns:a16="http://schemas.microsoft.com/office/drawing/2014/main" id="{37D0437E-9C99-4331-880F-C97076D48262}"/>
+                <a16:creationId xmlns:a16="http://schemas.microsoft.com/office/drawing/2014/main" id="{37D0437E-9C99-4331-880F-C97076D48262}"/>
               </a:ext>
             </a:extLst>
           </p:cNvPr>
@@ -37845,7 +37743,7 @@
           <p:cNvPr id="122883" name="Text Placeholder 2">
             <a:extLst>
               <a:ext uri="{FF2B5EF4-FFF2-40B4-BE49-F238E27FC236}">
-                <a16:creationId xmlns="" xmlns:a16="http://schemas.microsoft.com/office/drawing/2014/main" id="{9B1FEDFA-3DAF-4D38-943F-66982AECEF7A}"/>
+                <a16:creationId xmlns:a16="http://schemas.microsoft.com/office/drawing/2014/main" id="{9B1FEDFA-3DAF-4D38-943F-66982AECEF7A}"/>
               </a:ext>
             </a:extLst>
           </p:cNvPr>
@@ -37944,7 +37842,7 @@
           <p:cNvPr id="4" name="Footer Placeholder 3">
             <a:extLst>
               <a:ext uri="{FF2B5EF4-FFF2-40B4-BE49-F238E27FC236}">
-                <a16:creationId xmlns="" xmlns:a16="http://schemas.microsoft.com/office/drawing/2014/main" id="{B4904BBB-3201-4387-820F-5AE0C0D636E7}"/>
+                <a16:creationId xmlns:a16="http://schemas.microsoft.com/office/drawing/2014/main" id="{B4904BBB-3201-4387-820F-5AE0C0D636E7}"/>
               </a:ext>
             </a:extLst>
           </p:cNvPr>
@@ -38005,7 +37903,7 @@
           <p:cNvPr id="3" name="Picture 2" descr="jhtp_07_Arrays_Page_077">
             <a:extLst>
               <a:ext uri="{FF2B5EF4-FFF2-40B4-BE49-F238E27FC236}">
-                <a16:creationId xmlns="" xmlns:a16="http://schemas.microsoft.com/office/drawing/2014/main" id="{48BF24A3-F173-4014-851B-4927C085D8A1}"/>
+                <a16:creationId xmlns:a16="http://schemas.microsoft.com/office/drawing/2014/main" id="{48BF24A3-F173-4014-851B-4927C085D8A1}"/>
               </a:ext>
             </a:extLst>
           </p:cNvPr>
@@ -38042,7 +37940,7 @@
           <p:cNvPr id="2" name="Footer Placeholder 1">
             <a:extLst>
               <a:ext uri="{FF2B5EF4-FFF2-40B4-BE49-F238E27FC236}">
-                <a16:creationId xmlns="" xmlns:a16="http://schemas.microsoft.com/office/drawing/2014/main" id="{E4A68BD3-BA6D-4306-B152-09109DDFAD7C}"/>
+                <a16:creationId xmlns:a16="http://schemas.microsoft.com/office/drawing/2014/main" id="{E4A68BD3-BA6D-4306-B152-09109DDFAD7C}"/>
               </a:ext>
             </a:extLst>
           </p:cNvPr>
@@ -38100,7 +37998,7 @@
           <p:cNvPr id="3" name="Picture 2" descr="jhtp_07_Arrays_Page_078">
             <a:extLst>
               <a:ext uri="{FF2B5EF4-FFF2-40B4-BE49-F238E27FC236}">
-                <a16:creationId xmlns="" xmlns:a16="http://schemas.microsoft.com/office/drawing/2014/main" id="{C1A3D73C-4626-446E-8306-82B40B374899}"/>
+                <a16:creationId xmlns:a16="http://schemas.microsoft.com/office/drawing/2014/main" id="{C1A3D73C-4626-446E-8306-82B40B374899}"/>
               </a:ext>
             </a:extLst>
           </p:cNvPr>
@@ -38137,7 +38035,7 @@
           <p:cNvPr id="2" name="Footer Placeholder 1">
             <a:extLst>
               <a:ext uri="{FF2B5EF4-FFF2-40B4-BE49-F238E27FC236}">
-                <a16:creationId xmlns="" xmlns:a16="http://schemas.microsoft.com/office/drawing/2014/main" id="{B23412F3-966A-4ED9-8A05-DDE6FE9439F7}"/>
+                <a16:creationId xmlns:a16="http://schemas.microsoft.com/office/drawing/2014/main" id="{B23412F3-966A-4ED9-8A05-DDE6FE9439F7}"/>
               </a:ext>
             </a:extLst>
           </p:cNvPr>
